--- a/Semester 2/Applied Cyber Security/Lecture/L7.pptx
+++ b/Semester 2/Applied Cyber Security/Lecture/L7.pptx
@@ -8,57 +8,55 @@
     <p:sldId id="256" r:id="rId2"/>
     <p:sldId id="257" r:id="rId3"/>
     <p:sldId id="258" r:id="rId4"/>
-    <p:sldId id="269" r:id="rId5"/>
-    <p:sldId id="259" r:id="rId6"/>
-    <p:sldId id="260" r:id="rId7"/>
-    <p:sldId id="261" r:id="rId8"/>
-    <p:sldId id="262" r:id="rId9"/>
-    <p:sldId id="263" r:id="rId10"/>
-    <p:sldId id="295" r:id="rId11"/>
-    <p:sldId id="294" r:id="rId12"/>
-    <p:sldId id="296" r:id="rId13"/>
-    <p:sldId id="300" r:id="rId14"/>
-    <p:sldId id="301" r:id="rId15"/>
-    <p:sldId id="297" r:id="rId16"/>
-    <p:sldId id="302" r:id="rId17"/>
-    <p:sldId id="298" r:id="rId18"/>
-    <p:sldId id="299" r:id="rId19"/>
-    <p:sldId id="266" r:id="rId20"/>
-    <p:sldId id="267" r:id="rId21"/>
-    <p:sldId id="268" r:id="rId22"/>
-    <p:sldId id="270" r:id="rId23"/>
-    <p:sldId id="271" r:id="rId24"/>
-    <p:sldId id="272" r:id="rId25"/>
-    <p:sldId id="273" r:id="rId26"/>
-    <p:sldId id="274" r:id="rId27"/>
-    <p:sldId id="275" r:id="rId28"/>
-    <p:sldId id="276" r:id="rId29"/>
-    <p:sldId id="277" r:id="rId30"/>
-    <p:sldId id="278" r:id="rId31"/>
-    <p:sldId id="279" r:id="rId32"/>
-    <p:sldId id="280" r:id="rId33"/>
-    <p:sldId id="281" r:id="rId34"/>
-    <p:sldId id="282" r:id="rId35"/>
-    <p:sldId id="283" r:id="rId36"/>
-    <p:sldId id="284" r:id="rId37"/>
-    <p:sldId id="290" r:id="rId38"/>
-    <p:sldId id="285" r:id="rId39"/>
-    <p:sldId id="291" r:id="rId40"/>
-    <p:sldId id="286" r:id="rId41"/>
-    <p:sldId id="292" r:id="rId42"/>
-    <p:sldId id="293" r:id="rId43"/>
-    <p:sldId id="287" r:id="rId44"/>
-    <p:sldId id="288" r:id="rId45"/>
-    <p:sldId id="289" r:id="rId46"/>
-    <p:sldId id="303" r:id="rId47"/>
-    <p:sldId id="304" r:id="rId48"/>
-    <p:sldId id="305" r:id="rId49"/>
-    <p:sldId id="306" r:id="rId50"/>
-    <p:sldId id="307" r:id="rId51"/>
-    <p:sldId id="308" r:id="rId52"/>
-    <p:sldId id="309" r:id="rId53"/>
-    <p:sldId id="310" r:id="rId54"/>
-    <p:sldId id="311" r:id="rId55"/>
+    <p:sldId id="259" r:id="rId5"/>
+    <p:sldId id="260" r:id="rId6"/>
+    <p:sldId id="261" r:id="rId7"/>
+    <p:sldId id="262" r:id="rId8"/>
+    <p:sldId id="263" r:id="rId9"/>
+    <p:sldId id="295" r:id="rId10"/>
+    <p:sldId id="294" r:id="rId11"/>
+    <p:sldId id="296" r:id="rId12"/>
+    <p:sldId id="300" r:id="rId13"/>
+    <p:sldId id="301" r:id="rId14"/>
+    <p:sldId id="297" r:id="rId15"/>
+    <p:sldId id="302" r:id="rId16"/>
+    <p:sldId id="298" r:id="rId17"/>
+    <p:sldId id="299" r:id="rId18"/>
+    <p:sldId id="266" r:id="rId19"/>
+    <p:sldId id="267" r:id="rId20"/>
+    <p:sldId id="268" r:id="rId21"/>
+    <p:sldId id="271" r:id="rId22"/>
+    <p:sldId id="272" r:id="rId23"/>
+    <p:sldId id="273" r:id="rId24"/>
+    <p:sldId id="274" r:id="rId25"/>
+    <p:sldId id="275" r:id="rId26"/>
+    <p:sldId id="276" r:id="rId27"/>
+    <p:sldId id="277" r:id="rId28"/>
+    <p:sldId id="278" r:id="rId29"/>
+    <p:sldId id="279" r:id="rId30"/>
+    <p:sldId id="280" r:id="rId31"/>
+    <p:sldId id="281" r:id="rId32"/>
+    <p:sldId id="282" r:id="rId33"/>
+    <p:sldId id="283" r:id="rId34"/>
+    <p:sldId id="284" r:id="rId35"/>
+    <p:sldId id="290" r:id="rId36"/>
+    <p:sldId id="285" r:id="rId37"/>
+    <p:sldId id="291" r:id="rId38"/>
+    <p:sldId id="286" r:id="rId39"/>
+    <p:sldId id="292" r:id="rId40"/>
+    <p:sldId id="293" r:id="rId41"/>
+    <p:sldId id="287" r:id="rId42"/>
+    <p:sldId id="288" r:id="rId43"/>
+    <p:sldId id="289" r:id="rId44"/>
+    <p:sldId id="303" r:id="rId45"/>
+    <p:sldId id="304" r:id="rId46"/>
+    <p:sldId id="305" r:id="rId47"/>
+    <p:sldId id="306" r:id="rId48"/>
+    <p:sldId id="307" r:id="rId49"/>
+    <p:sldId id="308" r:id="rId50"/>
+    <p:sldId id="309" r:id="rId51"/>
+    <p:sldId id="310" r:id="rId52"/>
+    <p:sldId id="311" r:id="rId53"/>
   </p:sldIdLst>
   <p:sldSz cx="12192000" cy="6858000"/>
   <p:notesSz cx="6858000" cy="9144000"/>
@@ -3776,7 +3774,7 @@
         </a:bodyPr>
         <a:lstStyle/>
         <a:p>
-          <a:pPr marL="0" lvl="0" indent="0" algn="ctr" defTabSz="844550">
+          <a:pPr marL="0" lvl="0" indent="0" algn="ctr" defTabSz="800100">
             <a:lnSpc>
               <a:spcPct val="90000"/>
             </a:lnSpc>
@@ -3789,7 +3787,7 @@
             <a:buNone/>
           </a:pPr>
           <a:r>
-            <a:rPr lang="en-US" sz="1900" kern="1200"/>
+            <a:rPr lang="en-US" sz="1800" kern="1200"/>
             <a:t>Right</a:t>
           </a:r>
         </a:p>
@@ -3960,7 +3958,7 @@
         </a:bodyPr>
         <a:lstStyle/>
         <a:p>
-          <a:pPr marL="0" lvl="0" indent="0" algn="ctr" defTabSz="844550">
+          <a:pPr marL="0" lvl="0" indent="0" algn="ctr" defTabSz="800100">
             <a:lnSpc>
               <a:spcPct val="90000"/>
             </a:lnSpc>
@@ -3973,7 +3971,7 @@
             <a:buNone/>
           </a:pPr>
           <a:r>
-            <a:rPr lang="en-US" sz="1900" kern="1200"/>
+            <a:rPr lang="en-US" sz="1800" kern="1200"/>
             <a:t>Right</a:t>
           </a:r>
         </a:p>
@@ -4144,7 +4142,7 @@
         </a:bodyPr>
         <a:lstStyle/>
         <a:p>
-          <a:pPr marL="0" lvl="0" indent="0" algn="ctr" defTabSz="844550">
+          <a:pPr marL="0" lvl="0" indent="0" algn="ctr" defTabSz="800100">
             <a:lnSpc>
               <a:spcPct val="90000"/>
             </a:lnSpc>
@@ -4157,7 +4155,7 @@
             <a:buNone/>
           </a:pPr>
           <a:r>
-            <a:rPr lang="en-US" sz="1900" kern="1200"/>
+            <a:rPr lang="en-US" sz="1800" kern="1200"/>
             <a:t>Right</a:t>
           </a:r>
         </a:p>
@@ -4328,7 +4326,7 @@
         </a:bodyPr>
         <a:lstStyle/>
         <a:p>
-          <a:pPr marL="0" lvl="0" indent="0" algn="ctr" defTabSz="844550">
+          <a:pPr marL="0" lvl="0" indent="0" algn="ctr" defTabSz="800100">
             <a:lnSpc>
               <a:spcPct val="90000"/>
             </a:lnSpc>
@@ -4341,7 +4339,7 @@
             <a:buNone/>
           </a:pPr>
           <a:r>
-            <a:rPr lang="en-US" sz="1900" kern="1200"/>
+            <a:rPr lang="en-US" sz="1800" kern="1200"/>
             <a:t>Right</a:t>
           </a:r>
         </a:p>
@@ -4512,7 +4510,7 @@
         </a:bodyPr>
         <a:lstStyle/>
         <a:p>
-          <a:pPr marL="0" lvl="0" indent="0" algn="ctr" defTabSz="844550">
+          <a:pPr marL="0" lvl="0" indent="0" algn="ctr" defTabSz="800100">
             <a:lnSpc>
               <a:spcPct val="90000"/>
             </a:lnSpc>
@@ -4525,7 +4523,7 @@
             <a:buNone/>
           </a:pPr>
           <a:r>
-            <a:rPr lang="en-US" sz="1900" kern="1200"/>
+            <a:rPr lang="en-US" sz="1800" kern="1200"/>
             <a:t>Right</a:t>
           </a:r>
         </a:p>
@@ -4696,7 +4694,7 @@
         </a:bodyPr>
         <a:lstStyle/>
         <a:p>
-          <a:pPr marL="0" lvl="0" indent="0" algn="ctr" defTabSz="844550">
+          <a:pPr marL="0" lvl="0" indent="0" algn="ctr" defTabSz="800100">
             <a:lnSpc>
               <a:spcPct val="90000"/>
             </a:lnSpc>
@@ -4709,7 +4707,7 @@
             <a:buNone/>
           </a:pPr>
           <a:r>
-            <a:rPr lang="en-US" sz="1900" kern="1200"/>
+            <a:rPr lang="en-US" sz="1800" kern="1200"/>
             <a:t>Right</a:t>
           </a:r>
         </a:p>
@@ -9610,7 +9608,7 @@
           <a:p>
             <a:fld id="{AC6CC7E0-BA52-4D48-BEC7-91F4755E4B7C}" type="datetimeFigureOut">
               <a:rPr lang="en-US" smtClean="0"/>
-              <a:t>6/21/2025</a:t>
+              <a:t>7/11/2025</a:t>
             </a:fld>
             <a:endParaRPr lang="en-US"/>
           </a:p>
@@ -9808,7 +9806,7 @@
           <a:p>
             <a:fld id="{AC6CC7E0-BA52-4D48-BEC7-91F4755E4B7C}" type="datetimeFigureOut">
               <a:rPr lang="en-US" smtClean="0"/>
-              <a:t>6/21/2025</a:t>
+              <a:t>7/11/2025</a:t>
             </a:fld>
             <a:endParaRPr lang="en-US"/>
           </a:p>
@@ -10016,7 +10014,7 @@
           <a:p>
             <a:fld id="{AC6CC7E0-BA52-4D48-BEC7-91F4755E4B7C}" type="datetimeFigureOut">
               <a:rPr lang="en-US" smtClean="0"/>
-              <a:t>6/21/2025</a:t>
+              <a:t>7/11/2025</a:t>
             </a:fld>
             <a:endParaRPr lang="en-US"/>
           </a:p>
@@ -10214,7 +10212,7 @@
           <a:p>
             <a:fld id="{AC6CC7E0-BA52-4D48-BEC7-91F4755E4B7C}" type="datetimeFigureOut">
               <a:rPr lang="en-US" smtClean="0"/>
-              <a:t>6/21/2025</a:t>
+              <a:t>7/11/2025</a:t>
             </a:fld>
             <a:endParaRPr lang="en-US"/>
           </a:p>
@@ -10489,7 +10487,7 @@
           <a:p>
             <a:fld id="{AC6CC7E0-BA52-4D48-BEC7-91F4755E4B7C}" type="datetimeFigureOut">
               <a:rPr lang="en-US" smtClean="0"/>
-              <a:t>6/21/2025</a:t>
+              <a:t>7/11/2025</a:t>
             </a:fld>
             <a:endParaRPr lang="en-US"/>
           </a:p>
@@ -10754,7 +10752,7 @@
           <a:p>
             <a:fld id="{AC6CC7E0-BA52-4D48-BEC7-91F4755E4B7C}" type="datetimeFigureOut">
               <a:rPr lang="en-US" smtClean="0"/>
-              <a:t>6/21/2025</a:t>
+              <a:t>7/11/2025</a:t>
             </a:fld>
             <a:endParaRPr lang="en-US"/>
           </a:p>
@@ -11166,7 +11164,7 @@
           <a:p>
             <a:fld id="{AC6CC7E0-BA52-4D48-BEC7-91F4755E4B7C}" type="datetimeFigureOut">
               <a:rPr lang="en-US" smtClean="0"/>
-              <a:t>6/21/2025</a:t>
+              <a:t>7/11/2025</a:t>
             </a:fld>
             <a:endParaRPr lang="en-US"/>
           </a:p>
@@ -11307,7 +11305,7 @@
           <a:p>
             <a:fld id="{AC6CC7E0-BA52-4D48-BEC7-91F4755E4B7C}" type="datetimeFigureOut">
               <a:rPr lang="en-US" smtClean="0"/>
-              <a:t>6/21/2025</a:t>
+              <a:t>7/11/2025</a:t>
             </a:fld>
             <a:endParaRPr lang="en-US"/>
           </a:p>
@@ -11420,7 +11418,7 @@
           <a:p>
             <a:fld id="{AC6CC7E0-BA52-4D48-BEC7-91F4755E4B7C}" type="datetimeFigureOut">
               <a:rPr lang="en-US" smtClean="0"/>
-              <a:t>6/21/2025</a:t>
+              <a:t>7/11/2025</a:t>
             </a:fld>
             <a:endParaRPr lang="en-US"/>
           </a:p>
@@ -11731,7 +11729,7 @@
           <a:p>
             <a:fld id="{AC6CC7E0-BA52-4D48-BEC7-91F4755E4B7C}" type="datetimeFigureOut">
               <a:rPr lang="en-US" smtClean="0"/>
-              <a:t>6/21/2025</a:t>
+              <a:t>7/11/2025</a:t>
             </a:fld>
             <a:endParaRPr lang="en-US"/>
           </a:p>
@@ -12019,7 +12017,7 @@
           <a:p>
             <a:fld id="{AC6CC7E0-BA52-4D48-BEC7-91F4755E4B7C}" type="datetimeFigureOut">
               <a:rPr lang="en-US" smtClean="0"/>
-              <a:t>6/21/2025</a:t>
+              <a:t>7/11/2025</a:t>
             </a:fld>
             <a:endParaRPr lang="en-US"/>
           </a:p>
@@ -12260,7 +12258,7 @@
           <a:p>
             <a:fld id="{AC6CC7E0-BA52-4D48-BEC7-91F4755E4B7C}" type="datetimeFigureOut">
               <a:rPr lang="en-US" smtClean="0"/>
-              <a:t>6/21/2025</a:t>
+              <a:t>7/11/2025</a:t>
             </a:fld>
             <a:endParaRPr lang="en-US"/>
           </a:p>
@@ -12780,139 +12778,6 @@
           <p:cNvPr id="2" name="Title 1">
             <a:extLst>
               <a:ext uri="{FF2B5EF4-FFF2-40B4-BE49-F238E27FC236}">
-                <a16:creationId xmlns:a16="http://schemas.microsoft.com/office/drawing/2014/main" id="{E928C1CA-4221-2875-6A8E-9B3243123B58}"/>
-              </a:ext>
-            </a:extLst>
-          </p:cNvPr>
-          <p:cNvSpPr>
-            <a:spLocks noGrp="1"/>
-          </p:cNvSpPr>
-          <p:nvPr>
-            <p:ph type="title"/>
-          </p:nvPr>
-        </p:nvSpPr>
-        <p:spPr/>
-        <p:txBody>
-          <a:bodyPr/>
-          <a:lstStyle/>
-          <a:p>
-            <a:r>
-              <a:rPr lang="en-US" dirty="0"/>
-              <a:t>GDPR Details</a:t>
-            </a:r>
-          </a:p>
-        </p:txBody>
-      </p:sp>
-      <p:sp>
-        <p:nvSpPr>
-          <p:cNvPr id="3" name="Content Placeholder 2">
-            <a:extLst>
-              <a:ext uri="{FF2B5EF4-FFF2-40B4-BE49-F238E27FC236}">
-                <a16:creationId xmlns:a16="http://schemas.microsoft.com/office/drawing/2014/main" id="{490E1020-821B-490D-E57F-D8F8FB7EF3DB}"/>
-              </a:ext>
-            </a:extLst>
-          </p:cNvPr>
-          <p:cNvSpPr>
-            <a:spLocks noGrp="1"/>
-          </p:cNvSpPr>
-          <p:nvPr>
-            <p:ph idx="1"/>
-          </p:nvPr>
-        </p:nvSpPr>
-        <p:spPr/>
-        <p:txBody>
-          <a:bodyPr>
-            <a:normAutofit fontScale="92500" lnSpcReduction="10000"/>
-          </a:bodyPr>
-          <a:lstStyle/>
-          <a:p>
-            <a:r>
-              <a:rPr lang="en-US" dirty="0"/>
-              <a:t>- </a:t>
-            </a:r>
-            <a:r>
-              <a:rPr lang="en-US" b="1" dirty="0"/>
-              <a:t>Strict Consent Requirements:</a:t>
-            </a:r>
-            <a:r>
-              <a:rPr lang="en-US" dirty="0"/>
-              <a:t> Organizations must obtain clear, informed, and freely given consent before processing personal data. Consent must be explicit for sensitive data and can be withdrawn at any time</a:t>
-            </a:r>
-          </a:p>
-          <a:p>
-            <a:r>
-              <a:rPr lang="en-US" dirty="0"/>
-              <a:t>- </a:t>
-            </a:r>
-            <a:r>
-              <a:rPr lang="en-US" b="1" dirty="0"/>
-              <a:t>Right to Be Forgotten:</a:t>
-            </a:r>
-            <a:r>
-              <a:rPr lang="en-US" dirty="0"/>
-              <a:t> Also known as the right to erasure, this allows individuals to request the deletion of their personal data when it is no longer necessary, consent is withdrawn, or data has been unlawfully processed</a:t>
-            </a:r>
-          </a:p>
-          <a:p>
-            <a:endParaRPr lang="en-US" dirty="0"/>
-          </a:p>
-          <a:p>
-            <a:r>
-              <a:rPr lang="en-US" dirty="0"/>
-              <a:t>- </a:t>
-            </a:r>
-            <a:r>
-              <a:rPr lang="en-US" b="1" dirty="0"/>
-              <a:t>Heavy Fines for Violations:</a:t>
-            </a:r>
-            <a:r>
-              <a:rPr lang="en-US" dirty="0"/>
-              <a:t> GDPR imposes significant penalties for non-compliance. Fines can reach €20 million or 4% of global annual revenue, depending on the severity of the violation.</a:t>
-            </a:r>
-          </a:p>
-          <a:p>
-            <a:endParaRPr lang="en-US" dirty="0"/>
-          </a:p>
-          <a:p>
-            <a:endParaRPr lang="en-US" dirty="0"/>
-          </a:p>
-        </p:txBody>
-      </p:sp>
-    </p:spTree>
-    <p:extLst>
-      <p:ext uri="{BB962C8B-B14F-4D97-AF65-F5344CB8AC3E}">
-        <p14:creationId xmlns:p14="http://schemas.microsoft.com/office/powerpoint/2010/main" val="2362387545"/>
-      </p:ext>
-    </p:extLst>
-  </p:cSld>
-  <p:clrMapOvr>
-    <a:masterClrMapping/>
-  </p:clrMapOvr>
-</p:sld>
-</file>
-
-<file path=ppt/slides/slide11.xml><?xml version="1.0" encoding="utf-8"?>
-<p:sld xmlns:a="http://schemas.openxmlformats.org/drawingml/2006/main" xmlns:r="http://schemas.openxmlformats.org/officeDocument/2006/relationships" xmlns:p="http://schemas.openxmlformats.org/presentationml/2006/main">
-  <p:cSld>
-    <p:spTree>
-      <p:nvGrpSpPr>
-        <p:cNvPr id="1" name=""/>
-        <p:cNvGrpSpPr/>
-        <p:nvPr/>
-      </p:nvGrpSpPr>
-      <p:grpSpPr>
-        <a:xfrm>
-          <a:off x="0" y="0"/>
-          <a:ext cx="0" cy="0"/>
-          <a:chOff x="0" y="0"/>
-          <a:chExt cx="0" cy="0"/>
-        </a:xfrm>
-      </p:grpSpPr>
-      <p:sp>
-        <p:nvSpPr>
-          <p:cNvPr id="2" name="Title 1">
-            <a:extLst>
-              <a:ext uri="{FF2B5EF4-FFF2-40B4-BE49-F238E27FC236}">
                 <a16:creationId xmlns:a16="http://schemas.microsoft.com/office/drawing/2014/main" id="{9CA1C15D-3B21-72D4-ED04-85F293933A5B}"/>
               </a:ext>
             </a:extLst>
@@ -12924,7 +12789,12 @@
             <p:ph type="title"/>
           </p:nvPr>
         </p:nvSpPr>
-        <p:spPr/>
+        <p:spPr>
+          <a:xfrm>
+            <a:off x="838200" y="18255"/>
+            <a:ext cx="10515600" cy="1325563"/>
+          </a:xfrm>
+        </p:spPr>
         <p:txBody>
           <a:bodyPr/>
           <a:lstStyle/>
@@ -12952,10 +12822,15 @@
             <p:ph idx="1"/>
           </p:nvPr>
         </p:nvSpPr>
-        <p:spPr/>
+        <p:spPr>
+          <a:xfrm>
+            <a:off x="342440" y="1164612"/>
+            <a:ext cx="11335439" cy="5456525"/>
+          </a:xfrm>
+        </p:spPr>
         <p:txBody>
           <a:bodyPr>
-            <a:normAutofit fontScale="62500" lnSpcReduction="20000"/>
+            <a:normAutofit fontScale="77500" lnSpcReduction="20000"/>
           </a:bodyPr>
           <a:lstStyle/>
           <a:p>
@@ -13141,21 +13016,6 @@
               <a:rPr lang="en-US" dirty="0"/>
               <a:t>.</a:t>
             </a:r>
-          </a:p>
-          <a:p>
-            <a:pPr>
-              <a:buNone/>
-            </a:pPr>
-            <a:endParaRPr lang="en-US" dirty="0"/>
-          </a:p>
-          <a:p>
-            <a:pPr marL="0" indent="0">
-              <a:buNone/>
-            </a:pPr>
-            <a:endParaRPr lang="en-US" dirty="0"/>
-          </a:p>
-          <a:p>
-            <a:endParaRPr lang="en-US" dirty="0"/>
           </a:p>
         </p:txBody>
       </p:sp>
@@ -13172,7 +13032,7 @@
 </p:sld>
 </file>
 
-<file path=ppt/slides/slide12.xml><?xml version="1.0" encoding="utf-8"?>
+<file path=ppt/slides/slide11.xml><?xml version="1.0" encoding="utf-8"?>
 <p:sld xmlns:a="http://schemas.openxmlformats.org/drawingml/2006/main" xmlns:r="http://schemas.openxmlformats.org/officeDocument/2006/relationships" xmlns:p="http://schemas.openxmlformats.org/presentationml/2006/main">
   <p:cSld>
     <p:spTree>
@@ -13328,7 +13188,7 @@
 </p:sld>
 </file>
 
-<file path=ppt/slides/slide13.xml><?xml version="1.0" encoding="utf-8"?>
+<file path=ppt/slides/slide12.xml><?xml version="1.0" encoding="utf-8"?>
 <p:sld xmlns:a="http://schemas.openxmlformats.org/drawingml/2006/main" xmlns:r="http://schemas.openxmlformats.org/officeDocument/2006/relationships" xmlns:p="http://schemas.openxmlformats.org/presentationml/2006/main">
   <p:cSld>
     <p:spTree>
@@ -13407,28 +13267,12 @@
             </a:pPr>
             <a:r>
               <a:rPr lang="en-US" b="1" i="0" dirty="0">
-                <a:solidFill>
-                  <a:srgbClr val="404040"/>
-                </a:solidFill>
                 <a:effectLst/>
                 <a:latin typeface="DeepSeek-CJK-patch"/>
               </a:rPr>
-              <a:t> </a:t>
-            </a:r>
-            <a:r>
-              <a:rPr lang="en-US" b="1" i="0" dirty="0">
-                <a:solidFill>
-                  <a:srgbClr val="FF0000"/>
-                </a:solidFill>
-                <a:effectLst/>
-                <a:latin typeface="DeepSeek-CJK-patch"/>
-              </a:rPr>
-              <a:t>Overly Broad Provisions:</a:t>
+              <a:t> Overly Broad Provisions:</a:t>
             </a:r>
             <a:endParaRPr lang="en-US" b="0" i="0" dirty="0">
-              <a:solidFill>
-                <a:srgbClr val="FF0000"/>
-              </a:solidFill>
               <a:effectLst/>
               <a:latin typeface="DeepSeek-CJK-patch"/>
             </a:endParaRPr>
@@ -13448,9 +13292,6 @@
             </a:pPr>
             <a:r>
               <a:rPr lang="en-US" b="0" i="0" dirty="0">
-                <a:solidFill>
-                  <a:srgbClr val="404040"/>
-                </a:solidFill>
                 <a:effectLst/>
                 <a:latin typeface="DeepSeek-CJK-patch"/>
               </a:rPr>
@@ -13458,9 +13299,6 @@
             </a:r>
             <a:r>
               <a:rPr lang="en-US" b="1" i="0" dirty="0">
-                <a:solidFill>
-                  <a:srgbClr val="404040"/>
-                </a:solidFill>
                 <a:effectLst/>
                 <a:latin typeface="DeepSeek-CJK-patch"/>
               </a:rPr>
@@ -13468,9 +13306,6 @@
             </a:r>
             <a:r>
               <a:rPr lang="en-US" b="0" i="0" dirty="0">
-                <a:solidFill>
-                  <a:srgbClr val="404040"/>
-                </a:solidFill>
                 <a:effectLst/>
                 <a:latin typeface="DeepSeek-CJK-patch"/>
               </a:rPr>
@@ -13493,9 +13328,6 @@
             </a:pPr>
             <a:r>
               <a:rPr lang="en-US" b="1" i="0" dirty="0">
-                <a:solidFill>
-                  <a:srgbClr val="404040"/>
-                </a:solidFill>
                 <a:effectLst/>
                 <a:latin typeface="DeepSeek-CJK-patch"/>
               </a:rPr>
@@ -13503,9 +13335,6 @@
             </a:r>
             <a:r>
               <a:rPr lang="en-US" b="0" i="0" dirty="0">
-                <a:solidFill>
-                  <a:srgbClr val="404040"/>
-                </a:solidFill>
                 <a:effectLst/>
                 <a:latin typeface="DeepSeek-CJK-patch"/>
               </a:rPr>
@@ -13513,9 +13342,6 @@
             </a:r>
             <a:r>
               <a:rPr lang="en-US" b="1" i="0" dirty="0">
-                <a:solidFill>
-                  <a:srgbClr val="404040"/>
-                </a:solidFill>
                 <a:effectLst/>
                 <a:latin typeface="DeepSeek-CJK-patch"/>
               </a:rPr>
@@ -13523,9 +13349,6 @@
             </a:r>
             <a:r>
               <a:rPr lang="en-US" b="0" i="0" dirty="0">
-                <a:solidFill>
-                  <a:srgbClr val="404040"/>
-                </a:solidFill>
                 <a:effectLst/>
                 <a:latin typeface="DeepSeek-CJK-patch"/>
               </a:rPr>
@@ -13548,9 +13371,6 @@
             </a:pPr>
             <a:r>
               <a:rPr lang="en-US" b="1" i="0" dirty="0">
-                <a:solidFill>
-                  <a:srgbClr val="404040"/>
-                </a:solidFill>
                 <a:effectLst/>
                 <a:latin typeface="DeepSeek-CJK-patch"/>
               </a:rPr>
@@ -13558,9 +13378,6 @@
             </a:r>
             <a:r>
               <a:rPr lang="en-US" b="0" i="0" dirty="0">
-                <a:solidFill>
-                  <a:srgbClr val="404040"/>
-                </a:solidFill>
                 <a:effectLst/>
                 <a:latin typeface="DeepSeek-CJK-patch"/>
               </a:rPr>
@@ -13568,9 +13385,6 @@
             </a:r>
             <a:r>
               <a:rPr lang="en-US" b="1" i="0" dirty="0">
-                <a:solidFill>
-                  <a:srgbClr val="404040"/>
-                </a:solidFill>
                 <a:effectLst/>
                 <a:latin typeface="DeepSeek-CJK-patch"/>
               </a:rPr>
@@ -13578,9 +13392,6 @@
             </a:r>
             <a:r>
               <a:rPr lang="en-US" b="0" i="0" dirty="0">
-                <a:solidFill>
-                  <a:srgbClr val="404040"/>
-                </a:solidFill>
                 <a:effectLst/>
                 <a:latin typeface="DeepSeek-CJK-patch"/>
               </a:rPr>
@@ -13603,9 +13414,6 @@
             </a:pPr>
             <a:r>
               <a:rPr lang="en-US" b="1" i="0" dirty="0">
-                <a:solidFill>
-                  <a:srgbClr val="404040"/>
-                </a:solidFill>
                 <a:effectLst/>
                 <a:latin typeface="DeepSeek-CJK-patch"/>
               </a:rPr>
@@ -13613,9 +13421,6 @@
             </a:r>
             <a:r>
               <a:rPr lang="en-US" b="0" i="0" dirty="0">
-                <a:solidFill>
-                  <a:srgbClr val="404040"/>
-                </a:solidFill>
                 <a:effectLst/>
                 <a:latin typeface="DeepSeek-CJK-patch"/>
               </a:rPr>
@@ -13623,9 +13428,6 @@
             </a:r>
             <a:r>
               <a:rPr lang="en-US" b="1" i="0" dirty="0">
-                <a:solidFill>
-                  <a:srgbClr val="404040"/>
-                </a:solidFill>
                 <a:effectLst/>
                 <a:latin typeface="DeepSeek-CJK-patch"/>
               </a:rPr>
@@ -13633,9 +13435,6 @@
             </a:r>
             <a:r>
               <a:rPr lang="en-US" b="0" i="0" dirty="0">
-                <a:solidFill>
-                  <a:srgbClr val="404040"/>
-                </a:solidFill>
                 <a:effectLst/>
                 <a:latin typeface="DeepSeek-CJK-patch"/>
               </a:rPr>
@@ -13656,9 +13455,6 @@
             </a:pPr>
             <a:r>
               <a:rPr lang="en-US" b="0" i="0" dirty="0">
-                <a:solidFill>
-                  <a:srgbClr val="404040"/>
-                </a:solidFill>
                 <a:effectLst/>
                 <a:latin typeface="DeepSeek-CJK-patch"/>
               </a:rPr>
@@ -13666,9 +13462,6 @@
             </a:r>
             <a:r>
               <a:rPr lang="en-US" b="1" i="0" dirty="0">
-                <a:solidFill>
-                  <a:srgbClr val="404040"/>
-                </a:solidFill>
                 <a:effectLst/>
                 <a:latin typeface="DeepSeek-CJK-patch"/>
               </a:rPr>
@@ -13676,9 +13469,6 @@
             </a:r>
             <a:r>
               <a:rPr lang="en-US" b="0" i="0" dirty="0">
-                <a:solidFill>
-                  <a:srgbClr val="404040"/>
-                </a:solidFill>
                 <a:effectLst/>
                 <a:latin typeface="DeepSeek-CJK-patch"/>
               </a:rPr>
@@ -13686,9 +13476,6 @@
             </a:r>
             <a:r>
               <a:rPr lang="en-US" b="1" i="0" dirty="0">
-                <a:solidFill>
-                  <a:srgbClr val="404040"/>
-                </a:solidFill>
                 <a:effectLst/>
                 <a:latin typeface="DeepSeek-CJK-patch"/>
               </a:rPr>
@@ -13696,9 +13483,6 @@
             </a:r>
             <a:r>
               <a:rPr lang="en-US" b="0" i="0" dirty="0">
-                <a:solidFill>
-                  <a:srgbClr val="404040"/>
-                </a:solidFill>
                 <a:effectLst/>
                 <a:latin typeface="DeepSeek-CJK-patch"/>
               </a:rPr>
@@ -13706,9 +13490,6 @@
             </a:r>
             <a:r>
               <a:rPr lang="en-US" b="1" i="0" dirty="0">
-                <a:solidFill>
-                  <a:srgbClr val="404040"/>
-                </a:solidFill>
                 <a:effectLst/>
                 <a:latin typeface="DeepSeek-CJK-patch"/>
               </a:rPr>
@@ -13716,37 +13497,11 @@
             </a:r>
             <a:r>
               <a:rPr lang="en-US" b="0" i="0" dirty="0">
-                <a:solidFill>
-                  <a:srgbClr val="404040"/>
-                </a:solidFill>
                 <a:effectLst/>
                 <a:latin typeface="DeepSeek-CJK-patch"/>
               </a:rPr>
               <a:t>.</a:t>
             </a:r>
-          </a:p>
-          <a:p>
-            <a:pPr algn="l">
-              <a:lnSpc>
-                <a:spcPts val="2143"/>
-              </a:lnSpc>
-              <a:spcBef>
-                <a:spcPts val="1029"/>
-              </a:spcBef>
-              <a:spcAft>
-                <a:spcPts val="1029"/>
-              </a:spcAft>
-            </a:pPr>
-            <a:endParaRPr lang="en-US" b="0" i="0" dirty="0">
-              <a:solidFill>
-                <a:srgbClr val="404040"/>
-              </a:solidFill>
-              <a:effectLst/>
-              <a:latin typeface="DeepSeek-CJK-patch"/>
-            </a:endParaRPr>
-          </a:p>
-          <a:p>
-            <a:endParaRPr lang="en-US" dirty="0"/>
           </a:p>
         </p:txBody>
       </p:sp>
@@ -13763,7 +13518,7 @@
 </p:sld>
 </file>
 
-<file path=ppt/slides/slide14.xml><?xml version="1.0" encoding="utf-8"?>
+<file path=ppt/slides/slide13.xml><?xml version="1.0" encoding="utf-8"?>
 <p:sld xmlns:a="http://schemas.openxmlformats.org/drawingml/2006/main" xmlns:r="http://schemas.openxmlformats.org/officeDocument/2006/relationships" xmlns:p="http://schemas.openxmlformats.org/presentationml/2006/main">
   <p:cSld>
     <p:spTree>
@@ -13829,7 +13584,7 @@
           <a:bodyPr/>
           <a:lstStyle/>
           <a:p>
-            <a:pPr algn="l">
+            <a:pPr algn="just">
               <a:spcBef>
                 <a:spcPts val="1372"/>
               </a:spcBef>
@@ -13840,24 +13595,18 @@
             </a:pPr>
             <a:r>
               <a:rPr lang="en-US" b="1" i="0" dirty="0">
-                <a:solidFill>
-                  <a:srgbClr val="FF0000"/>
-                </a:solidFill>
                 <a:effectLst/>
                 <a:latin typeface="DeepSeek-CJK-patch"/>
               </a:rPr>
               <a:t>Used to Suppress Free Speech</a:t>
             </a:r>
             <a:endParaRPr lang="en-US" b="0" i="0" dirty="0">
-              <a:solidFill>
-                <a:srgbClr val="FF0000"/>
-              </a:solidFill>
               <a:effectLst/>
               <a:latin typeface="DeepSeek-CJK-patch"/>
             </a:endParaRPr>
           </a:p>
           <a:p>
-            <a:pPr algn="l">
+            <a:pPr algn="just">
               <a:lnSpc>
                 <a:spcPts val="2143"/>
               </a:lnSpc>
@@ -13872,9 +13621,6 @@
             </a:pPr>
             <a:r>
               <a:rPr lang="en-US" b="1" i="0" dirty="0">
-                <a:solidFill>
-                  <a:srgbClr val="404040"/>
-                </a:solidFill>
                 <a:effectLst/>
                 <a:latin typeface="DeepSeek-CJK-patch"/>
               </a:rPr>
@@ -13882,9 +13628,6 @@
             </a:r>
             <a:r>
               <a:rPr lang="en-US" b="0" i="0" dirty="0">
-                <a:solidFill>
-                  <a:srgbClr val="404040"/>
-                </a:solidFill>
                 <a:effectLst/>
                 <a:latin typeface="DeepSeek-CJK-patch"/>
               </a:rPr>
@@ -13892,9 +13635,6 @@
             </a:r>
             <a:r>
               <a:rPr lang="en-US" b="1" i="0" dirty="0">
-                <a:solidFill>
-                  <a:srgbClr val="404040"/>
-                </a:solidFill>
                 <a:effectLst/>
                 <a:latin typeface="DeepSeek-CJK-patch"/>
               </a:rPr>
@@ -13902,9 +13642,6 @@
             </a:r>
             <a:r>
               <a:rPr lang="en-US" b="0" i="0" dirty="0">
-                <a:solidFill>
-                  <a:srgbClr val="404040"/>
-                </a:solidFill>
                 <a:effectLst/>
                 <a:latin typeface="DeepSeek-CJK-patch"/>
               </a:rPr>
@@ -13912,7 +13649,7 @@
             </a:r>
           </a:p>
           <a:p>
-            <a:pPr algn="l">
+            <a:pPr algn="just">
               <a:lnSpc>
                 <a:spcPts val="2143"/>
               </a:lnSpc>
@@ -13927,9 +13664,6 @@
             </a:pPr>
             <a:r>
               <a:rPr lang="en-US" b="1" i="0" dirty="0">
-                <a:solidFill>
-                  <a:srgbClr val="404040"/>
-                </a:solidFill>
                 <a:effectLst/>
                 <a:latin typeface="DeepSeek-CJK-patch"/>
               </a:rPr>
@@ -13937,9 +13671,6 @@
             </a:r>
             <a:r>
               <a:rPr lang="en-US" b="0" i="0" dirty="0">
-                <a:solidFill>
-                  <a:srgbClr val="404040"/>
-                </a:solidFill>
                 <a:effectLst/>
                 <a:latin typeface="DeepSeek-CJK-patch"/>
               </a:rPr>
@@ -13947,9 +13678,6 @@
             </a:r>
             <a:r>
               <a:rPr lang="en-US" b="1" i="0" dirty="0">
-                <a:solidFill>
-                  <a:srgbClr val="404040"/>
-                </a:solidFill>
                 <a:effectLst/>
                 <a:latin typeface="DeepSeek-CJK-patch"/>
               </a:rPr>
@@ -13957,9 +13685,6 @@
             </a:r>
             <a:r>
               <a:rPr lang="en-US" b="0" i="0" dirty="0">
-                <a:solidFill>
-                  <a:srgbClr val="404040"/>
-                </a:solidFill>
                 <a:effectLst/>
                 <a:latin typeface="DeepSeek-CJK-patch"/>
               </a:rPr>
@@ -13967,7 +13692,7 @@
             </a:r>
           </a:p>
           <a:p>
-            <a:pPr algn="l">
+            <a:pPr algn="just">
               <a:lnSpc>
                 <a:spcPts val="2143"/>
               </a:lnSpc>
@@ -13982,9 +13707,6 @@
             </a:pPr>
             <a:r>
               <a:rPr lang="en-US" b="1" i="0" dirty="0">
-                <a:solidFill>
-                  <a:srgbClr val="404040"/>
-                </a:solidFill>
                 <a:effectLst/>
                 <a:latin typeface="DeepSeek-CJK-patch"/>
               </a:rPr>
@@ -13992,9 +13714,6 @@
             </a:r>
             <a:r>
               <a:rPr lang="en-US" b="0" i="0" dirty="0">
-                <a:solidFill>
-                  <a:srgbClr val="404040"/>
-                </a:solidFill>
                 <a:effectLst/>
                 <a:latin typeface="DeepSeek-CJK-patch"/>
               </a:rPr>
@@ -14002,9 +13721,6 @@
             </a:r>
             <a:r>
               <a:rPr lang="en-US" b="1" i="0" dirty="0">
-                <a:solidFill>
-                  <a:srgbClr val="404040"/>
-                </a:solidFill>
                 <a:effectLst/>
                 <a:latin typeface="DeepSeek-CJK-patch"/>
               </a:rPr>
@@ -14012,17 +13728,11 @@
             </a:r>
             <a:r>
               <a:rPr lang="en-US" b="0" i="0" dirty="0">
-                <a:solidFill>
-                  <a:srgbClr val="404040"/>
-                </a:solidFill>
                 <a:effectLst/>
                 <a:latin typeface="DeepSeek-CJK-patch"/>
               </a:rPr>
               <a:t> than to combat cybercrime.</a:t>
             </a:r>
-          </a:p>
-          <a:p>
-            <a:endParaRPr lang="en-US" dirty="0"/>
           </a:p>
         </p:txBody>
       </p:sp>
@@ -14039,7 +13749,7 @@
 </p:sld>
 </file>
 
-<file path=ppt/slides/slide15.xml><?xml version="1.0" encoding="utf-8"?>
+<file path=ppt/slides/slide14.xml><?xml version="1.0" encoding="utf-8"?>
 <p:sld xmlns:a="http://schemas.openxmlformats.org/drawingml/2006/main" xmlns:r="http://schemas.openxmlformats.org/officeDocument/2006/relationships" xmlns:p="http://schemas.openxmlformats.org/presentationml/2006/main">
   <p:cSld>
     <p:spTree>
@@ -14229,7 +13939,7 @@
 </p:sld>
 </file>
 
-<file path=ppt/slides/slide16.xml><?xml version="1.0" encoding="utf-8"?>
+<file path=ppt/slides/slide15.xml><?xml version="1.0" encoding="utf-8"?>
 <p:sld xmlns:a="http://schemas.openxmlformats.org/drawingml/2006/main" xmlns:r="http://schemas.openxmlformats.org/officeDocument/2006/relationships" xmlns:p="http://schemas.openxmlformats.org/presentationml/2006/main">
   <p:cSld>
     <p:spTree>
@@ -14308,18 +14018,12 @@
             </a:pPr>
             <a:r>
               <a:rPr lang="en-US" b="1" i="0" dirty="0">
-                <a:solidFill>
-                  <a:srgbClr val="404040"/>
-                </a:solidFill>
                 <a:effectLst/>
                 <a:latin typeface="DeepSeek-CJK-patch"/>
               </a:rPr>
               <a:t>Key Provisions of Section 54</a:t>
             </a:r>
             <a:endParaRPr lang="en-US" b="0" i="0" dirty="0">
-              <a:solidFill>
-                <a:srgbClr val="404040"/>
-              </a:solidFill>
               <a:effectLst/>
               <a:latin typeface="DeepSeek-CJK-patch"/>
             </a:endParaRPr>
@@ -14340,18 +14044,12 @@
             </a:pPr>
             <a:r>
               <a:rPr lang="en-US" b="1" i="0" dirty="0">
-                <a:solidFill>
-                  <a:srgbClr val="404040"/>
-                </a:solidFill>
                 <a:effectLst/>
                 <a:latin typeface="DeepSeek-CJK-patch"/>
               </a:rPr>
               <a:t>Criminalizes Unauthorized Access</a:t>
             </a:r>
             <a:endParaRPr lang="en-US" b="0" i="0" dirty="0">
-              <a:solidFill>
-                <a:srgbClr val="404040"/>
-              </a:solidFill>
               <a:effectLst/>
               <a:latin typeface="DeepSeek-CJK-patch"/>
             </a:endParaRPr>
@@ -14372,9 +14070,6 @@
             </a:pPr>
             <a:r>
               <a:rPr lang="en-US" b="0" i="0" dirty="0">
-                <a:solidFill>
-                  <a:srgbClr val="404040"/>
-                </a:solidFill>
                 <a:effectLst/>
                 <a:latin typeface="DeepSeek-CJK-patch"/>
               </a:rPr>
@@ -14382,9 +14077,6 @@
             </a:r>
             <a:r>
               <a:rPr lang="en-US" b="1" i="0" dirty="0">
-                <a:solidFill>
-                  <a:srgbClr val="404040"/>
-                </a:solidFill>
                 <a:effectLst/>
                 <a:latin typeface="DeepSeek-CJK-patch"/>
               </a:rPr>
@@ -14392,9 +14084,6 @@
             </a:r>
             <a:r>
               <a:rPr lang="en-US" b="0" i="0" dirty="0">
-                <a:solidFill>
-                  <a:srgbClr val="404040"/>
-                </a:solidFill>
                 <a:effectLst/>
                 <a:latin typeface="DeepSeek-CJK-patch"/>
               </a:rPr>
@@ -14417,9 +14106,6 @@
             </a:pPr>
             <a:r>
               <a:rPr lang="en-US" b="0" i="0" dirty="0">
-                <a:solidFill>
-                  <a:srgbClr val="404040"/>
-                </a:solidFill>
                 <a:effectLst/>
                 <a:latin typeface="DeepSeek-CJK-patch"/>
               </a:rPr>
@@ -14442,18 +14128,12 @@
             </a:pPr>
             <a:r>
               <a:rPr lang="en-US" b="1" i="0" dirty="0">
-                <a:solidFill>
-                  <a:srgbClr val="404040"/>
-                </a:solidFill>
                 <a:effectLst/>
                 <a:latin typeface="DeepSeek-CJK-patch"/>
               </a:rPr>
               <a:t>Punishes Data Theft &amp; Tampering</a:t>
             </a:r>
             <a:endParaRPr lang="en-US" b="0" i="0" dirty="0">
-              <a:solidFill>
-                <a:srgbClr val="404040"/>
-              </a:solidFill>
               <a:effectLst/>
               <a:latin typeface="DeepSeek-CJK-patch"/>
             </a:endParaRPr>
@@ -14474,9 +14154,6 @@
             </a:pPr>
             <a:r>
               <a:rPr lang="en-US" b="0" i="0" dirty="0">
-                <a:solidFill>
-                  <a:srgbClr val="404040"/>
-                </a:solidFill>
                 <a:effectLst/>
                 <a:latin typeface="DeepSeek-CJK-patch"/>
               </a:rPr>
@@ -14499,9 +14176,6 @@
             </a:pPr>
             <a:r>
               <a:rPr lang="en-US" b="0" i="0" dirty="0">
-                <a:solidFill>
-                  <a:srgbClr val="404040"/>
-                </a:solidFill>
                 <a:effectLst/>
                 <a:latin typeface="DeepSeek-CJK-patch"/>
               </a:rPr>
@@ -14524,18 +14198,12 @@
             </a:pPr>
             <a:r>
               <a:rPr lang="en-US" b="1" i="0" dirty="0">
-                <a:solidFill>
-                  <a:srgbClr val="404040"/>
-                </a:solidFill>
                 <a:effectLst/>
                 <a:latin typeface="DeepSeek-CJK-patch"/>
               </a:rPr>
               <a:t>Penalties</a:t>
             </a:r>
             <a:endParaRPr lang="en-US" b="0" i="0" dirty="0">
-              <a:solidFill>
-                <a:srgbClr val="404040"/>
-              </a:solidFill>
               <a:effectLst/>
               <a:latin typeface="DeepSeek-CJK-patch"/>
             </a:endParaRPr>
@@ -14556,9 +14224,6 @@
             </a:pPr>
             <a:r>
               <a:rPr lang="en-US" b="1" i="0" dirty="0">
-                <a:solidFill>
-                  <a:srgbClr val="404040"/>
-                </a:solidFill>
                 <a:effectLst/>
                 <a:latin typeface="DeepSeek-CJK-patch"/>
               </a:rPr>
@@ -14566,9 +14231,6 @@
             </a:r>
             <a:r>
               <a:rPr lang="en-US" b="0" i="0" dirty="0">
-                <a:solidFill>
-                  <a:srgbClr val="404040"/>
-                </a:solidFill>
                 <a:effectLst/>
                 <a:latin typeface="DeepSeek-CJK-patch"/>
               </a:rPr>
@@ -14576,9 +14238,6 @@
             </a:r>
             <a:r>
               <a:rPr lang="en-US" b="1" i="0" dirty="0">
-                <a:solidFill>
-                  <a:srgbClr val="404040"/>
-                </a:solidFill>
                 <a:effectLst/>
                 <a:latin typeface="DeepSeek-CJK-patch"/>
               </a:rPr>
@@ -14586,9 +14245,6 @@
             </a:r>
             <a:r>
               <a:rPr lang="en-US" b="0" i="0" dirty="0">
-                <a:solidFill>
-                  <a:srgbClr val="404040"/>
-                </a:solidFill>
                 <a:effectLst/>
                 <a:latin typeface="DeepSeek-CJK-patch"/>
               </a:rPr>
@@ -14596,9 +14252,6 @@
             </a:r>
             <a:r>
               <a:rPr lang="en-US" b="1" i="0" dirty="0">
-                <a:solidFill>
-                  <a:srgbClr val="404040"/>
-                </a:solidFill>
                 <a:effectLst/>
                 <a:latin typeface="DeepSeek-CJK-patch"/>
               </a:rPr>
@@ -14606,9 +14259,6 @@
             </a:r>
             <a:r>
               <a:rPr lang="en-US" b="0" i="0" dirty="0">
-                <a:solidFill>
-                  <a:srgbClr val="404040"/>
-                </a:solidFill>
                 <a:effectLst/>
                 <a:latin typeface="DeepSeek-CJK-patch"/>
               </a:rPr>
@@ -14631,9 +14281,6 @@
             </a:pPr>
             <a:r>
               <a:rPr lang="en-US" b="1" i="0" dirty="0">
-                <a:solidFill>
-                  <a:srgbClr val="404040"/>
-                </a:solidFill>
                 <a:effectLst/>
                 <a:latin typeface="DeepSeek-CJK-patch"/>
               </a:rPr>
@@ -14641,9 +14288,6 @@
             </a:r>
             <a:r>
               <a:rPr lang="en-US" b="0" i="0" dirty="0">
-                <a:solidFill>
-                  <a:srgbClr val="404040"/>
-                </a:solidFill>
                 <a:effectLst/>
                 <a:latin typeface="DeepSeek-CJK-patch"/>
               </a:rPr>
@@ -14651,9 +14295,6 @@
             </a:r>
             <a:r>
               <a:rPr lang="en-US" b="1" i="0" dirty="0">
-                <a:solidFill>
-                  <a:srgbClr val="404040"/>
-                </a:solidFill>
                 <a:effectLst/>
                 <a:latin typeface="DeepSeek-CJK-patch"/>
               </a:rPr>
@@ -14661,9 +14302,6 @@
             </a:r>
             <a:r>
               <a:rPr lang="en-US" b="0" i="0" dirty="0">
-                <a:solidFill>
-                  <a:srgbClr val="404040"/>
-                </a:solidFill>
                 <a:effectLst/>
                 <a:latin typeface="DeepSeek-CJK-patch"/>
               </a:rPr>
@@ -14688,7 +14326,7 @@
 </p:sld>
 </file>
 
-<file path=ppt/slides/slide17.xml><?xml version="1.0" encoding="utf-8"?>
+<file path=ppt/slides/slide16.xml><?xml version="1.0" encoding="utf-8"?>
 <p:sld xmlns:a="http://schemas.openxmlformats.org/drawingml/2006/main" xmlns:r="http://schemas.openxmlformats.org/officeDocument/2006/relationships" xmlns:p="http://schemas.openxmlformats.org/presentationml/2006/main">
   <p:cSld>
     <p:spTree>
@@ -14801,7 +14439,7 @@
 </p:sld>
 </file>
 
-<file path=ppt/slides/slide18.xml><?xml version="1.0" encoding="utf-8"?>
+<file path=ppt/slides/slide17.xml><?xml version="1.0" encoding="utf-8"?>
 <p:sld xmlns:a="http://schemas.openxmlformats.org/drawingml/2006/main" xmlns:r="http://schemas.openxmlformats.org/officeDocument/2006/relationships" xmlns:p="http://schemas.openxmlformats.org/presentationml/2006/main">
   <p:cSld>
     <p:spTree>
@@ -14931,7 +14569,7 @@
 </p:sld>
 </file>
 
-<file path=ppt/slides/slide19.xml><?xml version="1.0" encoding="utf-8"?>
+<file path=ppt/slides/slide18.xml><?xml version="1.0" encoding="utf-8"?>
 <p:sld xmlns:a="http://schemas.openxmlformats.org/drawingml/2006/main" xmlns:r="http://schemas.openxmlformats.org/officeDocument/2006/relationships" xmlns:p="http://schemas.openxmlformats.org/presentationml/2006/main">
   <p:cSld>
     <p:bg>
@@ -15346,122 +14984,7 @@
 </p:sld>
 </file>
 
-<file path=ppt/slides/slide2.xml><?xml version="1.0" encoding="utf-8"?>
-<p:sld xmlns:a="http://schemas.openxmlformats.org/drawingml/2006/main" xmlns:r="http://schemas.openxmlformats.org/officeDocument/2006/relationships" xmlns:p="http://schemas.openxmlformats.org/presentationml/2006/main">
-  <p:cSld>
-    <p:spTree>
-      <p:nvGrpSpPr>
-        <p:cNvPr id="1" name=""/>
-        <p:cNvGrpSpPr/>
-        <p:nvPr/>
-      </p:nvGrpSpPr>
-      <p:grpSpPr>
-        <a:xfrm>
-          <a:off x="0" y="0"/>
-          <a:ext cx="0" cy="0"/>
-          <a:chOff x="0" y="0"/>
-          <a:chExt cx="0" cy="0"/>
-        </a:xfrm>
-      </p:grpSpPr>
-      <p:sp>
-        <p:nvSpPr>
-          <p:cNvPr id="2" name="Title 1">
-            <a:extLst>
-              <a:ext uri="{FF2B5EF4-FFF2-40B4-BE49-F238E27FC236}">
-                <a16:creationId xmlns:a16="http://schemas.microsoft.com/office/drawing/2014/main" id="{5FBDB1C5-D328-2D8A-BF6D-2BD60D29B294}"/>
-              </a:ext>
-            </a:extLst>
-          </p:cNvPr>
-          <p:cNvSpPr>
-            <a:spLocks noGrp="1"/>
-          </p:cNvSpPr>
-          <p:nvPr>
-            <p:ph type="title"/>
-          </p:nvPr>
-        </p:nvSpPr>
-        <p:spPr/>
-        <p:txBody>
-          <a:bodyPr/>
-          <a:lstStyle/>
-          <a:p>
-            <a:r>
-              <a:rPr lang="en-US" dirty="0"/>
-              <a:t>Introduction</a:t>
-            </a:r>
-          </a:p>
-        </p:txBody>
-      </p:sp>
-      <p:sp>
-        <p:nvSpPr>
-          <p:cNvPr id="3" name="Content Placeholder 2">
-            <a:extLst>
-              <a:ext uri="{FF2B5EF4-FFF2-40B4-BE49-F238E27FC236}">
-                <a16:creationId xmlns:a16="http://schemas.microsoft.com/office/drawing/2014/main" id="{13CD8C77-09DE-0E4A-A949-B64FB8C730CD}"/>
-              </a:ext>
-            </a:extLst>
-          </p:cNvPr>
-          <p:cNvSpPr>
-            <a:spLocks noGrp="1"/>
-          </p:cNvSpPr>
-          <p:nvPr>
-            <p:ph idx="1"/>
-          </p:nvPr>
-        </p:nvSpPr>
-        <p:spPr/>
-        <p:txBody>
-          <a:bodyPr/>
-          <a:lstStyle/>
-          <a:p>
-            <a:r>
-              <a:rPr lang="en-US" b="1" i="0" dirty="0">
-                <a:solidFill>
-                  <a:srgbClr val="404040"/>
-                </a:solidFill>
-                <a:effectLst/>
-                <a:latin typeface="DeepSeek-CJK-patch"/>
-              </a:rPr>
-              <a:t>Cyber Law</a:t>
-            </a:r>
-            <a:r>
-              <a:rPr lang="en-US" b="0" i="0" dirty="0">
-                <a:solidFill>
-                  <a:srgbClr val="404040"/>
-                </a:solidFill>
-                <a:effectLst/>
-                <a:latin typeface="DeepSeek-CJK-patch"/>
-              </a:rPr>
-              <a:t> refers to the legal framework that governs activities related to the internet, digital technologies, cyberspace, and electronic communications.</a:t>
-            </a:r>
-          </a:p>
-          <a:p>
-            <a:r>
-              <a:rPr lang="en-US" b="0" i="0" dirty="0">
-                <a:solidFill>
-                  <a:srgbClr val="404040"/>
-                </a:solidFill>
-                <a:effectLst/>
-                <a:latin typeface="DeepSeek-CJK-patch"/>
-              </a:rPr>
-              <a:t> It encompasses laws, regulations, and policies that address issues such as Cyber crime, Data protection and privacy, Intellectual property rights, Digital Contract and E-commerce etc.</a:t>
-            </a:r>
-            <a:endParaRPr lang="en-US" dirty="0"/>
-          </a:p>
-        </p:txBody>
-      </p:sp>
-    </p:spTree>
-    <p:extLst>
-      <p:ext uri="{BB962C8B-B14F-4D97-AF65-F5344CB8AC3E}">
-        <p14:creationId xmlns:p14="http://schemas.microsoft.com/office/powerpoint/2010/main" val="764955204"/>
-      </p:ext>
-    </p:extLst>
-  </p:cSld>
-  <p:clrMapOvr>
-    <a:masterClrMapping/>
-  </p:clrMapOvr>
-</p:sld>
-</file>
-
-<file path=ppt/slides/slide20.xml><?xml version="1.0" encoding="utf-8"?>
+<file path=ppt/slides/slide19.xml><?xml version="1.0" encoding="utf-8"?>
 <p:sld xmlns:a="http://schemas.openxmlformats.org/drawingml/2006/main" xmlns:r="http://schemas.openxmlformats.org/officeDocument/2006/relationships" xmlns:p="http://schemas.openxmlformats.org/presentationml/2006/main">
   <p:cSld>
     <p:bg>
@@ -16116,7 +15639,115 @@
 </p:sld>
 </file>
 
-<file path=ppt/slides/slide21.xml><?xml version="1.0" encoding="utf-8"?>
+<file path=ppt/slides/slide2.xml><?xml version="1.0" encoding="utf-8"?>
+<p:sld xmlns:a="http://schemas.openxmlformats.org/drawingml/2006/main" xmlns:r="http://schemas.openxmlformats.org/officeDocument/2006/relationships" xmlns:p="http://schemas.openxmlformats.org/presentationml/2006/main">
+  <p:cSld>
+    <p:spTree>
+      <p:nvGrpSpPr>
+        <p:cNvPr id="1" name=""/>
+        <p:cNvGrpSpPr/>
+        <p:nvPr/>
+      </p:nvGrpSpPr>
+      <p:grpSpPr>
+        <a:xfrm>
+          <a:off x="0" y="0"/>
+          <a:ext cx="0" cy="0"/>
+          <a:chOff x="0" y="0"/>
+          <a:chExt cx="0" cy="0"/>
+        </a:xfrm>
+      </p:grpSpPr>
+      <p:sp>
+        <p:nvSpPr>
+          <p:cNvPr id="2" name="Title 1">
+            <a:extLst>
+              <a:ext uri="{FF2B5EF4-FFF2-40B4-BE49-F238E27FC236}">
+                <a16:creationId xmlns:a16="http://schemas.microsoft.com/office/drawing/2014/main" id="{5FBDB1C5-D328-2D8A-BF6D-2BD60D29B294}"/>
+              </a:ext>
+            </a:extLst>
+          </p:cNvPr>
+          <p:cNvSpPr>
+            <a:spLocks noGrp="1"/>
+          </p:cNvSpPr>
+          <p:nvPr>
+            <p:ph type="title"/>
+          </p:nvPr>
+        </p:nvSpPr>
+        <p:spPr/>
+        <p:txBody>
+          <a:bodyPr/>
+          <a:lstStyle/>
+          <a:p>
+            <a:r>
+              <a:rPr lang="en-US" dirty="0"/>
+              <a:t>Introduction</a:t>
+            </a:r>
+          </a:p>
+        </p:txBody>
+      </p:sp>
+      <p:sp>
+        <p:nvSpPr>
+          <p:cNvPr id="3" name="Content Placeholder 2">
+            <a:extLst>
+              <a:ext uri="{FF2B5EF4-FFF2-40B4-BE49-F238E27FC236}">
+                <a16:creationId xmlns:a16="http://schemas.microsoft.com/office/drawing/2014/main" id="{13CD8C77-09DE-0E4A-A949-B64FB8C730CD}"/>
+              </a:ext>
+            </a:extLst>
+          </p:cNvPr>
+          <p:cNvSpPr>
+            <a:spLocks noGrp="1"/>
+          </p:cNvSpPr>
+          <p:nvPr>
+            <p:ph idx="1"/>
+          </p:nvPr>
+        </p:nvSpPr>
+        <p:spPr/>
+        <p:txBody>
+          <a:bodyPr/>
+          <a:lstStyle/>
+          <a:p>
+            <a:pPr algn="just"/>
+            <a:r>
+              <a:rPr lang="en-US" b="1" i="0" dirty="0">
+                <a:effectLst/>
+                <a:latin typeface="DeepSeek-CJK-patch"/>
+              </a:rPr>
+              <a:t>Cyber Law</a:t>
+            </a:r>
+            <a:r>
+              <a:rPr lang="en-US" b="0" i="0" dirty="0">
+                <a:effectLst/>
+                <a:latin typeface="DeepSeek-CJK-patch"/>
+              </a:rPr>
+              <a:t> refers to the legal framework that governs activities related to the internet, digital technologies, cyberspace, and electronic communications.</a:t>
+            </a:r>
+          </a:p>
+          <a:p>
+            <a:pPr algn="just"/>
+            <a:r>
+              <a:rPr lang="en-US" b="0" i="0" dirty="0">
+                <a:effectLst/>
+                <a:latin typeface="DeepSeek-CJK-patch"/>
+              </a:rPr>
+              <a:t> It encompasses laws, regulations, and policies that address issues such as Cyber crime, Data protection and privacy, Intellectual property rights, Digital Contract and E-commerce etc.</a:t>
+            </a:r>
+            <a:endParaRPr lang="en-US" dirty="0"/>
+          </a:p>
+        </p:txBody>
+      </p:sp>
+    </p:spTree>
+    <p:extLst>
+      <p:ext uri="{BB962C8B-B14F-4D97-AF65-F5344CB8AC3E}">
+        <p14:creationId xmlns:p14="http://schemas.microsoft.com/office/powerpoint/2010/main" val="764955204"/>
+      </p:ext>
+    </p:extLst>
+  </p:cSld>
+  <p:clrMapOvr>
+    <a:masterClrMapping/>
+  </p:clrMapOvr>
+</p:sld>
+</file>
+
+<file path=ppt/slides/slide20.xml><?xml version="1.0" encoding="utf-8"?>
 <p:sld xmlns:a="http://schemas.openxmlformats.org/drawingml/2006/main" xmlns:r="http://schemas.openxmlformats.org/officeDocument/2006/relationships" xmlns:p="http://schemas.openxmlformats.org/presentationml/2006/main">
   <p:cSld>
     <p:bg>
@@ -16771,618 +16402,7 @@
 </p:sld>
 </file>
 
-<file path=ppt/slides/slide22.xml><?xml version="1.0" encoding="utf-8"?>
-<p:sld xmlns:a="http://schemas.openxmlformats.org/drawingml/2006/main" xmlns:r="http://schemas.openxmlformats.org/officeDocument/2006/relationships" xmlns:p="http://schemas.openxmlformats.org/presentationml/2006/main">
-  <p:cSld>
-    <p:bg>
-      <p:bgPr>
-        <a:solidFill>
-          <a:schemeClr val="bg1"/>
-        </a:solidFill>
-        <a:effectLst/>
-      </p:bgPr>
-    </p:bg>
-    <p:spTree>
-      <p:nvGrpSpPr>
-        <p:cNvPr id="1" name=""/>
-        <p:cNvGrpSpPr/>
-        <p:nvPr/>
-      </p:nvGrpSpPr>
-      <p:grpSpPr>
-        <a:xfrm>
-          <a:off x="0" y="0"/>
-          <a:ext cx="0" cy="0"/>
-          <a:chOff x="0" y="0"/>
-          <a:chExt cx="0" cy="0"/>
-        </a:xfrm>
-      </p:grpSpPr>
-      <p:sp useBgFill="1">
-        <p:nvSpPr>
-          <p:cNvPr id="7" name="Rectangle 6">
-            <a:extLst>
-              <a:ext uri="{FF2B5EF4-FFF2-40B4-BE49-F238E27FC236}">
-                <a16:creationId xmlns:a16="http://schemas.microsoft.com/office/drawing/2014/main" id="{0E30439A-8A5B-46EC-8283-9B6B031D40D0}"/>
-              </a:ext>
-              <a:ext uri="{C183D7F6-B498-43B3-948B-1728B52AA6E4}">
-                <adec:decorative xmlns:adec="http://schemas.microsoft.com/office/drawing/2017/decorative" val="1"/>
-              </a:ext>
-            </a:extLst>
-          </p:cNvPr>
-          <p:cNvSpPr>
-            <a:spLocks noGrp="1" noRot="1" noChangeAspect="1" noMove="1" noResize="1" noEditPoints="1" noAdjustHandles="1" noChangeArrowheads="1" noChangeShapeType="1" noTextEdit="1"/>
-          </p:cNvSpPr>
-          <p:nvPr>
-            <p:extLst>
-              <p:ext uri="{386F3935-93C4-4BCD-93E2-E3B085C9AB24}">
-                <p16:designElem xmlns:p16="http://schemas.microsoft.com/office/powerpoint/2015/main" val="1"/>
-              </p:ext>
-            </p:extLst>
-          </p:nvPr>
-        </p:nvSpPr>
-        <p:spPr>
-          <a:xfrm>
-            <a:off x="0" y="0"/>
-            <a:ext cx="12192000" cy="6858000"/>
-          </a:xfrm>
-          <a:prstGeom prst="rect">
-            <a:avLst/>
-          </a:prstGeom>
-          <a:ln w="12700" cap="flat" cmpd="sng" algn="ctr">
-            <a:noFill/>
-            <a:prstDash val="solid"/>
-            <a:miter lim="800000"/>
-          </a:ln>
-          <a:effectLst/>
-          <a:extLst>
-            <a:ext uri="{91240B29-F687-4F45-9708-019B960494DF}">
-              <a14:hiddenLine xmlns:a14="http://schemas.microsoft.com/office/drawing/2010/main" w="12700" cap="flat" cmpd="sng" algn="ctr">
-                <a:solidFill>
-                  <a:schemeClr val="accent1">
-                    <a:shade val="50000"/>
-                  </a:schemeClr>
-                </a:solidFill>
-                <a:prstDash val="solid"/>
-                <a:miter lim="800000"/>
-              </a14:hiddenLine>
-            </a:ext>
-          </a:extLst>
-        </p:spPr>
-        <p:style>
-          <a:lnRef idx="2">
-            <a:schemeClr val="accent1">
-              <a:shade val="50000"/>
-            </a:schemeClr>
-          </a:lnRef>
-          <a:fillRef idx="1">
-            <a:schemeClr val="accent1"/>
-          </a:fillRef>
-          <a:effectRef idx="0">
-            <a:schemeClr val="accent1"/>
-          </a:effectRef>
-          <a:fontRef idx="minor">
-            <a:schemeClr val="lt1"/>
-          </a:fontRef>
-        </p:style>
-        <p:txBody>
-          <a:bodyPr rtlCol="0" anchor="ctr"/>
-          <a:lstStyle/>
-          <a:p>
-            <a:pPr algn="ctr"/>
-            <a:endParaRPr lang="en-US"/>
-          </a:p>
-        </p:txBody>
-      </p:sp>
-      <p:sp>
-        <p:nvSpPr>
-          <p:cNvPr id="9" name="Rectangle 8">
-            <a:extLst>
-              <a:ext uri="{FF2B5EF4-FFF2-40B4-BE49-F238E27FC236}">
-                <a16:creationId xmlns:a16="http://schemas.microsoft.com/office/drawing/2014/main" id="{5CEAD642-85CF-4750-8432-7C80C901F001}"/>
-              </a:ext>
-              <a:ext uri="{C183D7F6-B498-43B3-948B-1728B52AA6E4}">
-                <adec:decorative xmlns:adec="http://schemas.microsoft.com/office/drawing/2017/decorative" val="1"/>
-              </a:ext>
-            </a:extLst>
-          </p:cNvPr>
-          <p:cNvSpPr>
-            <a:spLocks noGrp="1" noRot="1" noChangeAspect="1" noMove="1" noResize="1" noEditPoints="1" noAdjustHandles="1" noChangeArrowheads="1" noChangeShapeType="1" noTextEdit="1"/>
-          </p:cNvSpPr>
-          <p:nvPr>
-            <p:extLst>
-              <p:ext uri="{386F3935-93C4-4BCD-93E2-E3B085C9AB24}">
-                <p16:designElem xmlns:p16="http://schemas.microsoft.com/office/powerpoint/2015/main" val="1"/>
-              </p:ext>
-            </p:extLst>
-          </p:nvPr>
-        </p:nvSpPr>
-        <p:spPr>
-          <a:xfrm>
-            <a:off x="0" y="-427"/>
-            <a:ext cx="12192001" cy="6858000"/>
-          </a:xfrm>
-          <a:prstGeom prst="rect">
-            <a:avLst/>
-          </a:prstGeom>
-          <a:gradFill>
-            <a:gsLst>
-              <a:gs pos="0">
-                <a:srgbClr val="000000"/>
-              </a:gs>
-              <a:gs pos="100000">
-                <a:schemeClr val="accent1">
-                  <a:lumMod val="75000"/>
-                </a:schemeClr>
-              </a:gs>
-            </a:gsLst>
-            <a:lin ang="15000000" scaled="0"/>
-          </a:gradFill>
-          <a:ln>
-            <a:noFill/>
-          </a:ln>
-        </p:spPr>
-        <p:style>
-          <a:lnRef idx="2">
-            <a:schemeClr val="accent1">
-              <a:shade val="50000"/>
-            </a:schemeClr>
-          </a:lnRef>
-          <a:fillRef idx="1">
-            <a:schemeClr val="accent1"/>
-          </a:fillRef>
-          <a:effectRef idx="0">
-            <a:schemeClr val="accent1"/>
-          </a:effectRef>
-          <a:fontRef idx="minor">
-            <a:schemeClr val="lt1"/>
-          </a:fontRef>
-        </p:style>
-        <p:txBody>
-          <a:bodyPr rtlCol="0" anchor="ctr"/>
-          <a:lstStyle/>
-          <a:p>
-            <a:pPr algn="ctr"/>
-            <a:endParaRPr lang="en-US"/>
-          </a:p>
-        </p:txBody>
-      </p:sp>
-      <p:sp>
-        <p:nvSpPr>
-          <p:cNvPr id="11" name="Rectangle 10">
-            <a:extLst>
-              <a:ext uri="{FF2B5EF4-FFF2-40B4-BE49-F238E27FC236}">
-                <a16:creationId xmlns:a16="http://schemas.microsoft.com/office/drawing/2014/main" id="{FA33EEAE-15D5-4119-8C1E-89D943F911EF}"/>
-              </a:ext>
-              <a:ext uri="{C183D7F6-B498-43B3-948B-1728B52AA6E4}">
-                <adec:decorative xmlns:adec="http://schemas.microsoft.com/office/drawing/2017/decorative" val="1"/>
-              </a:ext>
-            </a:extLst>
-          </p:cNvPr>
-          <p:cNvSpPr>
-            <a:spLocks noGrp="1" noRot="1" noChangeAspect="1" noMove="1" noResize="1" noEditPoints="1" noAdjustHandles="1" noChangeArrowheads="1" noChangeShapeType="1" noTextEdit="1"/>
-          </p:cNvSpPr>
-          <p:nvPr>
-            <p:extLst>
-              <p:ext uri="{386F3935-93C4-4BCD-93E2-E3B085C9AB24}">
-                <p16:designElem xmlns:p16="http://schemas.microsoft.com/office/powerpoint/2015/main" val="1"/>
-              </p:ext>
-            </p:extLst>
-          </p:nvPr>
-        </p:nvSpPr>
-        <p:spPr>
-          <a:xfrm rot="10800000" flipH="1">
-            <a:off x="455521" y="-1720"/>
-            <a:ext cx="11750040" cy="6840685"/>
-          </a:xfrm>
-          <a:prstGeom prst="rect">
-            <a:avLst/>
-          </a:prstGeom>
-          <a:gradFill>
-            <a:gsLst>
-              <a:gs pos="21000">
-                <a:schemeClr val="accent1">
-                  <a:lumMod val="50000"/>
-                  <a:alpha val="61000"/>
-                </a:schemeClr>
-              </a:gs>
-              <a:gs pos="100000">
-                <a:schemeClr val="accent1">
-                  <a:alpha val="0"/>
-                </a:schemeClr>
-              </a:gs>
-            </a:gsLst>
-            <a:lin ang="21594000" scaled="0"/>
-          </a:gradFill>
-          <a:ln>
-            <a:noFill/>
-          </a:ln>
-        </p:spPr>
-        <p:style>
-          <a:lnRef idx="2">
-            <a:schemeClr val="accent1">
-              <a:shade val="50000"/>
-            </a:schemeClr>
-          </a:lnRef>
-          <a:fillRef idx="1">
-            <a:schemeClr val="accent1"/>
-          </a:fillRef>
-          <a:effectRef idx="0">
-            <a:schemeClr val="accent1"/>
-          </a:effectRef>
-          <a:fontRef idx="minor">
-            <a:schemeClr val="lt1"/>
-          </a:fontRef>
-        </p:style>
-        <p:txBody>
-          <a:bodyPr rtlCol="0" anchor="ctr"/>
-          <a:lstStyle/>
-          <a:p>
-            <a:pPr algn="ctr"/>
-            <a:endParaRPr lang="en-US"/>
-          </a:p>
-        </p:txBody>
-      </p:sp>
-      <p:sp>
-        <p:nvSpPr>
-          <p:cNvPr id="13" name="Rectangle 12">
-            <a:extLst>
-              <a:ext uri="{FF2B5EF4-FFF2-40B4-BE49-F238E27FC236}">
-                <a16:creationId xmlns:a16="http://schemas.microsoft.com/office/drawing/2014/main" id="{730D8B3B-9B80-4025-B934-26DC7D7CD231}"/>
-              </a:ext>
-              <a:ext uri="{C183D7F6-B498-43B3-948B-1728B52AA6E4}">
-                <adec:decorative xmlns:adec="http://schemas.microsoft.com/office/drawing/2017/decorative" val="1"/>
-              </a:ext>
-            </a:extLst>
-          </p:cNvPr>
-          <p:cNvSpPr>
-            <a:spLocks noGrp="1" noRot="1" noChangeAspect="1" noMove="1" noResize="1" noEditPoints="1" noAdjustHandles="1" noChangeArrowheads="1" noChangeShapeType="1" noTextEdit="1"/>
-          </p:cNvSpPr>
-          <p:nvPr>
-            <p:extLst>
-              <p:ext uri="{386F3935-93C4-4BCD-93E2-E3B085C9AB24}">
-                <p16:designElem xmlns:p16="http://schemas.microsoft.com/office/powerpoint/2015/main" val="1"/>
-              </p:ext>
-            </p:extLst>
-          </p:nvPr>
-        </p:nvSpPr>
-        <p:spPr>
-          <a:xfrm>
-            <a:off x="8606054" y="-1291"/>
-            <a:ext cx="3608179" cy="6858864"/>
-          </a:xfrm>
-          <a:prstGeom prst="rect">
-            <a:avLst/>
-          </a:prstGeom>
-          <a:gradFill>
-            <a:gsLst>
-              <a:gs pos="0">
-                <a:schemeClr val="accent1">
-                  <a:lumMod val="75000"/>
-                  <a:alpha val="0"/>
-                </a:schemeClr>
-              </a:gs>
-              <a:gs pos="99000">
-                <a:srgbClr val="000000">
-                  <a:alpha val="41000"/>
-                </a:srgbClr>
-              </a:gs>
-            </a:gsLst>
-            <a:lin ang="16200000" scaled="0"/>
-          </a:gradFill>
-          <a:ln>
-            <a:noFill/>
-          </a:ln>
-        </p:spPr>
-        <p:style>
-          <a:lnRef idx="2">
-            <a:schemeClr val="accent1">
-              <a:shade val="50000"/>
-            </a:schemeClr>
-          </a:lnRef>
-          <a:fillRef idx="1">
-            <a:schemeClr val="accent1"/>
-          </a:fillRef>
-          <a:effectRef idx="0">
-            <a:schemeClr val="accent1"/>
-          </a:effectRef>
-          <a:fontRef idx="minor">
-            <a:schemeClr val="lt1"/>
-          </a:fontRef>
-        </p:style>
-        <p:txBody>
-          <a:bodyPr rtlCol="0" anchor="ctr"/>
-          <a:lstStyle/>
-          <a:p>
-            <a:pPr algn="ctr"/>
-            <a:endParaRPr lang="en-US"/>
-          </a:p>
-        </p:txBody>
-      </p:sp>
-      <p:sp>
-        <p:nvSpPr>
-          <p:cNvPr id="15" name="Oval 14">
-            <a:extLst>
-              <a:ext uri="{FF2B5EF4-FFF2-40B4-BE49-F238E27FC236}">
-                <a16:creationId xmlns:a16="http://schemas.microsoft.com/office/drawing/2014/main" id="{B5A1B09C-1565-46F8-B70F-621C5EB48A09}"/>
-              </a:ext>
-              <a:ext uri="{C183D7F6-B498-43B3-948B-1728B52AA6E4}">
-                <adec:decorative xmlns:adec="http://schemas.microsoft.com/office/drawing/2017/decorative" val="1"/>
-              </a:ext>
-            </a:extLst>
-          </p:cNvPr>
-          <p:cNvSpPr>
-            <a:spLocks noGrp="1" noRot="1" noChangeAspect="1" noMove="1" noResize="1" noEditPoints="1" noAdjustHandles="1" noChangeArrowheads="1" noChangeShapeType="1" noTextEdit="1"/>
-          </p:cNvSpPr>
-          <p:nvPr>
-            <p:extLst>
-              <p:ext uri="{386F3935-93C4-4BCD-93E2-E3B085C9AB24}">
-                <p16:designElem xmlns:p16="http://schemas.microsoft.com/office/powerpoint/2015/main" val="1"/>
-              </p:ext>
-            </p:extLst>
-          </p:nvPr>
-        </p:nvSpPr>
-        <p:spPr>
-          <a:xfrm rot="15274173">
-            <a:off x="6059728" y="779270"/>
-            <a:ext cx="4967533" cy="4988390"/>
-          </a:xfrm>
-          <a:prstGeom prst="ellipse">
-            <a:avLst/>
-          </a:prstGeom>
-          <a:gradFill>
-            <a:gsLst>
-              <a:gs pos="0">
-                <a:schemeClr val="accent1">
-                  <a:alpha val="24000"/>
-                </a:schemeClr>
-              </a:gs>
-              <a:gs pos="79000">
-                <a:schemeClr val="accent1">
-                  <a:lumMod val="60000"/>
-                  <a:lumOff val="40000"/>
-                  <a:alpha val="0"/>
-                </a:schemeClr>
-              </a:gs>
-            </a:gsLst>
-            <a:lin ang="14400000" scaled="0"/>
-          </a:gradFill>
-          <a:ln>
-            <a:noFill/>
-          </a:ln>
-        </p:spPr>
-        <p:style>
-          <a:lnRef idx="2">
-            <a:schemeClr val="accent1">
-              <a:shade val="50000"/>
-            </a:schemeClr>
-          </a:lnRef>
-          <a:fillRef idx="1">
-            <a:schemeClr val="accent1"/>
-          </a:fillRef>
-          <a:effectRef idx="0">
-            <a:schemeClr val="accent1"/>
-          </a:effectRef>
-          <a:fontRef idx="minor">
-            <a:schemeClr val="lt1"/>
-          </a:fontRef>
-        </p:style>
-        <p:txBody>
-          <a:bodyPr rtlCol="0" anchor="ctr"/>
-          <a:lstStyle/>
-          <a:p>
-            <a:pPr algn="ctr"/>
-            <a:endParaRPr lang="en-US" dirty="0"/>
-          </a:p>
-        </p:txBody>
-      </p:sp>
-      <p:sp>
-        <p:nvSpPr>
-          <p:cNvPr id="2" name="Title 1">
-            <a:extLst>
-              <a:ext uri="{FF2B5EF4-FFF2-40B4-BE49-F238E27FC236}">
-                <a16:creationId xmlns:a16="http://schemas.microsoft.com/office/drawing/2014/main" id="{FD2F7E33-EE4E-C691-DB76-2FBAD219D1F7}"/>
-              </a:ext>
-            </a:extLst>
-          </p:cNvPr>
-          <p:cNvSpPr>
-            <a:spLocks noGrp="1"/>
-          </p:cNvSpPr>
-          <p:nvPr>
-            <p:ph type="title" idx="4294967295"/>
-          </p:nvPr>
-        </p:nvSpPr>
-        <p:spPr>
-          <a:xfrm>
-            <a:off x="1386865" y="818984"/>
-            <a:ext cx="6596245" cy="3268520"/>
-          </a:xfrm>
-        </p:spPr>
-        <p:txBody>
-          <a:bodyPr vert="horz" lIns="91440" tIns="45720" rIns="91440" bIns="45720" rtlCol="0" anchor="b">
-            <a:normAutofit/>
-          </a:bodyPr>
-          <a:lstStyle/>
-          <a:p>
-            <a:pPr algn="r"/>
-            <a:r>
-              <a:rPr lang="en-US" sz="4800" kern="1200" dirty="0">
-                <a:solidFill>
-                  <a:srgbClr val="FFFFFF"/>
-                </a:solidFill>
-                <a:latin typeface="+mj-lt"/>
-                <a:ea typeface="+mj-ea"/>
-                <a:cs typeface="+mj-cs"/>
-              </a:rPr>
-              <a:t>Intellectual Property (IP)</a:t>
-            </a:r>
-          </a:p>
-        </p:txBody>
-      </p:sp>
-      <p:sp>
-        <p:nvSpPr>
-          <p:cNvPr id="17" name="Rectangle 16">
-            <a:extLst>
-              <a:ext uri="{FF2B5EF4-FFF2-40B4-BE49-F238E27FC236}">
-                <a16:creationId xmlns:a16="http://schemas.microsoft.com/office/drawing/2014/main" id="{8C516CC8-80AC-446C-A56E-9F54B7210402}"/>
-              </a:ext>
-              <a:ext uri="{C183D7F6-B498-43B3-948B-1728B52AA6E4}">
-                <adec:decorative xmlns:adec="http://schemas.microsoft.com/office/drawing/2017/decorative" val="1"/>
-              </a:ext>
-            </a:extLst>
-          </p:cNvPr>
-          <p:cNvSpPr>
-            <a:spLocks noGrp="1" noRot="1" noChangeAspect="1" noMove="1" noResize="1" noEditPoints="1" noAdjustHandles="1" noChangeArrowheads="1" noChangeShapeType="1" noTextEdit="1"/>
-          </p:cNvSpPr>
-          <p:nvPr>
-            <p:extLst>
-              <p:ext uri="{386F3935-93C4-4BCD-93E2-E3B085C9AB24}">
-                <p16:designElem xmlns:p16="http://schemas.microsoft.com/office/powerpoint/2015/main" val="1"/>
-              </p:ext>
-            </p:extLst>
-          </p:nvPr>
-        </p:nvSpPr>
-        <p:spPr>
-          <a:xfrm rot="10800000" flipH="1">
-            <a:off x="6314" y="4480038"/>
-            <a:ext cx="12179371" cy="2377962"/>
-          </a:xfrm>
-          <a:prstGeom prst="rect">
-            <a:avLst/>
-          </a:prstGeom>
-          <a:gradFill>
-            <a:gsLst>
-              <a:gs pos="0">
-                <a:schemeClr val="accent1">
-                  <a:lumMod val="75000"/>
-                  <a:alpha val="50000"/>
-                </a:schemeClr>
-              </a:gs>
-              <a:gs pos="99000">
-                <a:srgbClr val="000000">
-                  <a:alpha val="34000"/>
-                </a:srgbClr>
-              </a:gs>
-            </a:gsLst>
-            <a:lin ang="17400000" scaled="0"/>
-          </a:gradFill>
-          <a:ln>
-            <a:noFill/>
-          </a:ln>
-        </p:spPr>
-        <p:style>
-          <a:lnRef idx="2">
-            <a:schemeClr val="accent1">
-              <a:shade val="50000"/>
-            </a:schemeClr>
-          </a:lnRef>
-          <a:fillRef idx="1">
-            <a:schemeClr val="accent1"/>
-          </a:fillRef>
-          <a:effectRef idx="0">
-            <a:schemeClr val="accent1"/>
-          </a:effectRef>
-          <a:fontRef idx="minor">
-            <a:schemeClr val="lt1"/>
-          </a:fontRef>
-        </p:style>
-        <p:txBody>
-          <a:bodyPr rtlCol="0" anchor="ctr"/>
-          <a:lstStyle/>
-          <a:p>
-            <a:pPr algn="ctr"/>
-            <a:endParaRPr lang="en-US"/>
-          </a:p>
-        </p:txBody>
-      </p:sp>
-      <p:sp>
-        <p:nvSpPr>
-          <p:cNvPr id="19" name="Rectangle 18">
-            <a:extLst>
-              <a:ext uri="{FF2B5EF4-FFF2-40B4-BE49-F238E27FC236}">
-                <a16:creationId xmlns:a16="http://schemas.microsoft.com/office/drawing/2014/main" id="{53947E58-F088-49F1-A3D1-DEA690192E84}"/>
-              </a:ext>
-              <a:ext uri="{C183D7F6-B498-43B3-948B-1728B52AA6E4}">
-                <adec:decorative xmlns:adec="http://schemas.microsoft.com/office/drawing/2017/decorative" val="1"/>
-              </a:ext>
-            </a:extLst>
-          </p:cNvPr>
-          <p:cNvSpPr>
-            <a:spLocks noGrp="1" noRot="1" noChangeAspect="1" noMove="1" noResize="1" noEditPoints="1" noAdjustHandles="1" noChangeArrowheads="1" noChangeShapeType="1" noTextEdit="1"/>
-          </p:cNvSpPr>
-          <p:nvPr>
-            <p:extLst>
-              <p:ext uri="{386F3935-93C4-4BCD-93E2-E3B085C9AB24}">
-                <p16:designElem xmlns:p16="http://schemas.microsoft.com/office/powerpoint/2015/main" val="1"/>
-              </p:ext>
-            </p:extLst>
-          </p:nvPr>
-        </p:nvSpPr>
-        <p:spPr>
-          <a:xfrm rot="16200000" flipH="1">
-            <a:off x="6967085" y="1632660"/>
-            <a:ext cx="6857572" cy="3592258"/>
-          </a:xfrm>
-          <a:prstGeom prst="rect">
-            <a:avLst/>
-          </a:prstGeom>
-          <a:gradFill>
-            <a:gsLst>
-              <a:gs pos="0">
-                <a:schemeClr val="accent1">
-                  <a:lumMod val="75000"/>
-                  <a:alpha val="50000"/>
-                </a:schemeClr>
-              </a:gs>
-              <a:gs pos="99000">
-                <a:srgbClr val="000000">
-                  <a:alpha val="0"/>
-                </a:srgbClr>
-              </a:gs>
-            </a:gsLst>
-            <a:lin ang="15600000" scaled="0"/>
-          </a:gradFill>
-          <a:ln>
-            <a:noFill/>
-          </a:ln>
-        </p:spPr>
-        <p:style>
-          <a:lnRef idx="2">
-            <a:schemeClr val="accent1">
-              <a:shade val="50000"/>
-            </a:schemeClr>
-          </a:lnRef>
-          <a:fillRef idx="1">
-            <a:schemeClr val="accent1"/>
-          </a:fillRef>
-          <a:effectRef idx="0">
-            <a:schemeClr val="accent1"/>
-          </a:effectRef>
-          <a:fontRef idx="minor">
-            <a:schemeClr val="lt1"/>
-          </a:fontRef>
-        </p:style>
-        <p:txBody>
-          <a:bodyPr rtlCol="0" anchor="ctr"/>
-          <a:lstStyle/>
-          <a:p>
-            <a:pPr algn="ctr"/>
-            <a:endParaRPr lang="en-US"/>
-          </a:p>
-        </p:txBody>
-      </p:sp>
-    </p:spTree>
-    <p:extLst>
-      <p:ext uri="{BB962C8B-B14F-4D97-AF65-F5344CB8AC3E}">
-        <p14:creationId xmlns:p14="http://schemas.microsoft.com/office/powerpoint/2010/main" val="2909362904"/>
-      </p:ext>
-    </p:extLst>
-  </p:cSld>
-  <p:clrMapOvr>
-    <a:masterClrMapping/>
-  </p:clrMapOvr>
-</p:sld>
-</file>
-
-<file path=ppt/slides/slide23.xml><?xml version="1.0" encoding="utf-8"?>
+<file path=ppt/slides/slide21.xml><?xml version="1.0" encoding="utf-8"?>
 <p:sld xmlns:a="http://schemas.openxmlformats.org/drawingml/2006/main" xmlns:r="http://schemas.openxmlformats.org/officeDocument/2006/relationships" xmlns:p="http://schemas.openxmlformats.org/presentationml/2006/main">
   <p:cSld>
     <p:spTree>
@@ -17421,9 +16441,14 @@
           <a:lstStyle/>
           <a:p>
             <a:r>
-              <a:rPr lang="en-US" dirty="0"/>
-              <a:t>Overview</a:t>
-            </a:r>
+              <a:rPr lang="en-US" sz="4400" kern="1200" dirty="0">
+                <a:latin typeface="+mj-lt"/>
+                <a:ea typeface="+mj-ea"/>
+                <a:cs typeface="+mj-cs"/>
+              </a:rPr>
+              <a:t>Intellectual Property (IP)</a:t>
+            </a:r>
+            <a:endParaRPr lang="en-US" dirty="0"/>
           </a:p>
         </p:txBody>
       </p:sp>
@@ -17450,9 +16475,6 @@
           <a:p>
             <a:r>
               <a:rPr lang="en-US" b="0" i="0" dirty="0">
-                <a:solidFill>
-                  <a:srgbClr val="404040"/>
-                </a:solidFill>
                 <a:effectLst/>
                 <a:latin typeface="DeepSeek-CJK-patch"/>
               </a:rPr>
@@ -17460,9 +16482,6 @@
             </a:r>
             <a:r>
               <a:rPr lang="en-US" b="1" i="0" dirty="0">
-                <a:solidFill>
-                  <a:srgbClr val="404040"/>
-                </a:solidFill>
                 <a:effectLst/>
                 <a:latin typeface="DeepSeek-CJK-patch"/>
               </a:rPr>
@@ -17470,9 +16489,6 @@
             </a:r>
             <a:r>
               <a:rPr lang="en-US" b="0" i="0" dirty="0">
-                <a:solidFill>
-                  <a:srgbClr val="404040"/>
-                </a:solidFill>
                 <a:effectLst/>
                 <a:latin typeface="DeepSeek-CJK-patch"/>
               </a:rPr>
@@ -17482,9 +16498,6 @@
           <a:p>
             <a:r>
               <a:rPr lang="en-US" b="0" i="0" dirty="0">
-                <a:solidFill>
-                  <a:srgbClr val="404040"/>
-                </a:solidFill>
                 <a:effectLst/>
                 <a:latin typeface="DeepSeek-CJK-patch"/>
               </a:rPr>
@@ -17507,7 +16520,7 @@
 </p:sld>
 </file>
 
-<file path=ppt/slides/slide24.xml><?xml version="1.0" encoding="utf-8"?>
+<file path=ppt/slides/slide22.xml><?xml version="1.0" encoding="utf-8"?>
 <p:sld xmlns:a="http://schemas.openxmlformats.org/drawingml/2006/main" xmlns:r="http://schemas.openxmlformats.org/officeDocument/2006/relationships" xmlns:p="http://schemas.openxmlformats.org/presentationml/2006/main">
   <p:cSld>
     <p:spTree>
@@ -17580,9 +16593,6 @@
             </a:pPr>
             <a:r>
               <a:rPr lang="en-US" b="1" i="0" dirty="0">
-                <a:solidFill>
-                  <a:srgbClr val="404040"/>
-                </a:solidFill>
                 <a:effectLst/>
                 <a:latin typeface="DeepSeek-CJK-patch"/>
               </a:rPr>
@@ -17593,9 +16603,6 @@
             <a:pPr lvl="1"/>
             <a:r>
               <a:rPr lang="en-US" b="1" i="0" dirty="0">
-                <a:solidFill>
-                  <a:srgbClr val="404040"/>
-                </a:solidFill>
                 <a:effectLst/>
                 <a:latin typeface="DeepSeek-CJK-patch"/>
               </a:rPr>
@@ -17603,9 +16610,6 @@
             </a:r>
             <a:r>
               <a:rPr lang="en-US" b="0" i="0" dirty="0">
-                <a:solidFill>
-                  <a:srgbClr val="404040"/>
-                </a:solidFill>
                 <a:effectLst/>
                 <a:latin typeface="DeepSeek-CJK-patch"/>
               </a:rPr>
@@ -17623,18 +16627,12 @@
             </a:pPr>
             <a:r>
               <a:rPr lang="en-US" b="1" i="0" dirty="0">
-                <a:solidFill>
-                  <a:srgbClr val="404040"/>
-                </a:solidFill>
                 <a:effectLst/>
                 <a:latin typeface="DeepSeek-CJK-patch"/>
               </a:rPr>
               <a:t>Rights Granted:</a:t>
             </a:r>
             <a:endParaRPr lang="en-US" b="0" i="0" dirty="0">
-              <a:solidFill>
-                <a:srgbClr val="404040"/>
-              </a:solidFill>
               <a:effectLst/>
               <a:latin typeface="DeepSeek-CJK-patch"/>
             </a:endParaRPr>
@@ -17647,9 +16645,6 @@
             </a:pPr>
             <a:r>
               <a:rPr lang="en-US" b="0" i="0" dirty="0">
-                <a:solidFill>
-                  <a:srgbClr val="404040"/>
-                </a:solidFill>
                 <a:effectLst/>
                 <a:latin typeface="DeepSeek-CJK-patch"/>
               </a:rPr>
@@ -17664,9 +16659,6 @@
             </a:pPr>
             <a:r>
               <a:rPr lang="en-US" b="0" i="0" dirty="0">
-                <a:solidFill>
-                  <a:srgbClr val="404040"/>
-                </a:solidFill>
                 <a:effectLst/>
                 <a:latin typeface="DeepSeek-CJK-patch"/>
               </a:rPr>
@@ -17681,9 +16673,6 @@
             </a:pPr>
             <a:r>
               <a:rPr lang="en-US" b="0" i="0" dirty="0">
-                <a:solidFill>
-                  <a:srgbClr val="404040"/>
-                </a:solidFill>
                 <a:effectLst/>
                 <a:latin typeface="DeepSeek-CJK-patch"/>
               </a:rPr>
@@ -17698,9 +16687,6 @@
             </a:pPr>
             <a:r>
               <a:rPr lang="en-US" b="0" i="0" dirty="0">
-                <a:solidFill>
-                  <a:srgbClr val="404040"/>
-                </a:solidFill>
                 <a:effectLst/>
                 <a:latin typeface="DeepSeek-CJK-patch"/>
               </a:rPr>
@@ -17718,18 +16704,12 @@
             </a:pPr>
             <a:r>
               <a:rPr lang="en-US" b="1" i="0" dirty="0">
-                <a:solidFill>
-                  <a:srgbClr val="404040"/>
-                </a:solidFill>
                 <a:effectLst/>
                 <a:latin typeface="DeepSeek-CJK-patch"/>
               </a:rPr>
               <a:t>Duration:</a:t>
             </a:r>
             <a:endParaRPr lang="en-US" b="0" i="0" dirty="0">
-              <a:solidFill>
-                <a:srgbClr val="404040"/>
-              </a:solidFill>
               <a:effectLst/>
               <a:latin typeface="DeepSeek-CJK-patch"/>
             </a:endParaRPr>
@@ -17742,9 +16722,6 @@
             </a:pPr>
             <a:r>
               <a:rPr lang="en-US" b="1" i="0" dirty="0">
-                <a:solidFill>
-                  <a:srgbClr val="404040"/>
-                </a:solidFill>
                 <a:effectLst/>
                 <a:latin typeface="DeepSeek-CJK-patch"/>
               </a:rPr>
@@ -17752,9 +16729,6 @@
             </a:r>
             <a:r>
               <a:rPr lang="en-US" b="0" i="0" dirty="0">
-                <a:solidFill>
-                  <a:srgbClr val="404040"/>
-                </a:solidFill>
                 <a:effectLst/>
                 <a:latin typeface="DeepSeek-CJK-patch"/>
               </a:rPr>
@@ -17769,9 +16743,6 @@
             </a:pPr>
             <a:r>
               <a:rPr lang="en-US" b="1" i="0" dirty="0">
-                <a:solidFill>
-                  <a:srgbClr val="404040"/>
-                </a:solidFill>
                 <a:effectLst/>
                 <a:latin typeface="DeepSeek-CJK-patch"/>
               </a:rPr>
@@ -17779,9 +16750,6 @@
             </a:r>
             <a:r>
               <a:rPr lang="en-US" b="0" i="0" dirty="0">
-                <a:solidFill>
-                  <a:srgbClr val="404040"/>
-                </a:solidFill>
                 <a:effectLst/>
                 <a:latin typeface="DeepSeek-CJK-patch"/>
               </a:rPr>
@@ -17799,18 +16767,12 @@
             </a:pPr>
             <a:r>
               <a:rPr lang="en-US" b="1" i="0" dirty="0">
-                <a:solidFill>
-                  <a:srgbClr val="404040"/>
-                </a:solidFill>
                 <a:effectLst/>
                 <a:latin typeface="DeepSeek-CJK-patch"/>
               </a:rPr>
               <a:t>Examples:</a:t>
             </a:r>
             <a:endParaRPr lang="en-US" b="0" i="0" dirty="0">
-              <a:solidFill>
-                <a:srgbClr val="404040"/>
-              </a:solidFill>
               <a:effectLst/>
               <a:latin typeface="DeepSeek-CJK-patch"/>
             </a:endParaRPr>
@@ -17823,9 +16785,6 @@
             </a:pPr>
             <a:r>
               <a:rPr lang="en-US" b="0" i="0" dirty="0">
-                <a:solidFill>
-                  <a:srgbClr val="404040"/>
-                </a:solidFill>
                 <a:effectLst/>
                 <a:latin typeface="DeepSeek-CJK-patch"/>
               </a:rPr>
@@ -17833,9 +16792,6 @@
             </a:r>
             <a:r>
               <a:rPr lang="en-US" b="0" i="1" dirty="0">
-                <a:solidFill>
-                  <a:srgbClr val="404040"/>
-                </a:solidFill>
                 <a:effectLst/>
                 <a:latin typeface="DeepSeek-CJK-patch"/>
               </a:rPr>
@@ -17843,9 +16799,6 @@
             </a:r>
             <a:r>
               <a:rPr lang="en-US" b="0" i="0" dirty="0">
-                <a:solidFill>
-                  <a:srgbClr val="404040"/>
-                </a:solidFill>
                 <a:effectLst/>
                 <a:latin typeface="DeepSeek-CJK-patch"/>
               </a:rPr>
@@ -17860,9 +16813,6 @@
             </a:pPr>
             <a:r>
               <a:rPr lang="en-US" b="0" i="0" dirty="0">
-                <a:solidFill>
-                  <a:srgbClr val="404040"/>
-                </a:solidFill>
                 <a:effectLst/>
                 <a:latin typeface="DeepSeek-CJK-patch"/>
               </a:rPr>
@@ -17876,9 +16826,6 @@
               </a:spcBef>
             </a:pPr>
             <a:endParaRPr lang="en-US" b="0" i="0" dirty="0">
-              <a:solidFill>
-                <a:srgbClr val="404040"/>
-              </a:solidFill>
               <a:effectLst/>
               <a:latin typeface="DeepSeek-CJK-patch"/>
             </a:endParaRPr>
@@ -17892,6 +16839,521 @@
     <p:extLst>
       <p:ext uri="{BB962C8B-B14F-4D97-AF65-F5344CB8AC3E}">
         <p14:creationId xmlns:p14="http://schemas.microsoft.com/office/powerpoint/2010/main" val="3120243249"/>
+      </p:ext>
+    </p:extLst>
+  </p:cSld>
+  <p:clrMapOvr>
+    <a:masterClrMapping/>
+  </p:clrMapOvr>
+</p:sld>
+</file>
+
+<file path=ppt/slides/slide23.xml><?xml version="1.0" encoding="utf-8"?>
+<p:sld xmlns:a="http://schemas.openxmlformats.org/drawingml/2006/main" xmlns:r="http://schemas.openxmlformats.org/officeDocument/2006/relationships" xmlns:p="http://schemas.openxmlformats.org/presentationml/2006/main">
+  <p:cSld>
+    <p:spTree>
+      <p:nvGrpSpPr>
+        <p:cNvPr id="1" name=""/>
+        <p:cNvGrpSpPr/>
+        <p:nvPr/>
+      </p:nvGrpSpPr>
+      <p:grpSpPr>
+        <a:xfrm>
+          <a:off x="0" y="0"/>
+          <a:ext cx="0" cy="0"/>
+          <a:chOff x="0" y="0"/>
+          <a:chExt cx="0" cy="0"/>
+        </a:xfrm>
+      </p:grpSpPr>
+      <p:sp>
+        <p:nvSpPr>
+          <p:cNvPr id="3" name="Content Placeholder 2">
+            <a:extLst>
+              <a:ext uri="{FF2B5EF4-FFF2-40B4-BE49-F238E27FC236}">
+                <a16:creationId xmlns:a16="http://schemas.microsoft.com/office/drawing/2014/main" id="{FBC48A2B-81BF-D8EA-07E8-5ED39D971DAE}"/>
+              </a:ext>
+            </a:extLst>
+          </p:cNvPr>
+          <p:cNvSpPr>
+            <a:spLocks noGrp="1"/>
+          </p:cNvSpPr>
+          <p:nvPr>
+            <p:ph idx="1"/>
+          </p:nvPr>
+        </p:nvSpPr>
+        <p:spPr>
+          <a:xfrm>
+            <a:off x="617863" y="779023"/>
+            <a:ext cx="10515600" cy="5302288"/>
+          </a:xfrm>
+        </p:spPr>
+        <p:txBody>
+          <a:bodyPr>
+            <a:normAutofit/>
+          </a:bodyPr>
+          <a:lstStyle/>
+          <a:p>
+            <a:pPr algn="l">
+              <a:buNone/>
+            </a:pPr>
+            <a:r>
+              <a:rPr lang="en-US" b="1" i="0" dirty="0">
+                <a:effectLst/>
+                <a:latin typeface="DeepSeek-CJK-patch"/>
+              </a:rPr>
+              <a:t>B. Patents</a:t>
+            </a:r>
+          </a:p>
+          <a:p>
+            <a:pPr lvl="1"/>
+            <a:r>
+              <a:rPr lang="en-US" b="1" i="0" dirty="0">
+                <a:effectLst/>
+                <a:latin typeface="DeepSeek-CJK-patch"/>
+              </a:rPr>
+              <a:t>Protects:</a:t>
+            </a:r>
+            <a:r>
+              <a:rPr lang="en-US" b="0" i="0" dirty="0">
+                <a:effectLst/>
+                <a:latin typeface="DeepSeek-CJK-patch"/>
+              </a:rPr>
+              <a:t> Inventions (products or processes) that are </a:t>
+            </a:r>
+            <a:r>
+              <a:rPr lang="en-US" b="1" i="0" dirty="0">
+                <a:effectLst/>
+                <a:latin typeface="DeepSeek-CJK-patch"/>
+              </a:rPr>
+              <a:t>new, useful, and non-obvious</a:t>
+            </a:r>
+            <a:r>
+              <a:rPr lang="en-US" b="0" i="0" dirty="0">
+                <a:effectLst/>
+                <a:latin typeface="DeepSeek-CJK-patch"/>
+              </a:rPr>
+              <a:t>.</a:t>
+            </a:r>
+          </a:p>
+          <a:p>
+            <a:pPr lvl="1">
+              <a:spcBef>
+                <a:spcPts val="300"/>
+              </a:spcBef>
+              <a:spcAft>
+                <a:spcPts val="300"/>
+              </a:spcAft>
+            </a:pPr>
+            <a:r>
+              <a:rPr lang="en-US" b="1" i="0" dirty="0">
+                <a:effectLst/>
+                <a:latin typeface="DeepSeek-CJK-patch"/>
+              </a:rPr>
+              <a:t>Types:</a:t>
+            </a:r>
+            <a:endParaRPr lang="en-US" b="0" i="0" dirty="0">
+              <a:effectLst/>
+              <a:latin typeface="DeepSeek-CJK-patch"/>
+            </a:endParaRPr>
+          </a:p>
+          <a:p>
+            <a:pPr marL="1200150" lvl="2" indent="-285750">
+              <a:spcBef>
+                <a:spcPts val="300"/>
+              </a:spcBef>
+            </a:pPr>
+            <a:r>
+              <a:rPr lang="en-US" b="1" i="0" dirty="0">
+                <a:effectLst/>
+                <a:latin typeface="DeepSeek-CJK-patch"/>
+              </a:rPr>
+              <a:t>Utility Patents</a:t>
+            </a:r>
+            <a:r>
+              <a:rPr lang="en-US" b="0" i="0" dirty="0">
+                <a:effectLst/>
+                <a:latin typeface="DeepSeek-CJK-patch"/>
+              </a:rPr>
+              <a:t> – Functional inventions (e.g., machines, chemicals, software algorithms).</a:t>
+            </a:r>
+          </a:p>
+          <a:p>
+            <a:pPr marL="1200150" lvl="2" indent="-285750">
+              <a:spcBef>
+                <a:spcPts val="300"/>
+              </a:spcBef>
+            </a:pPr>
+            <a:r>
+              <a:rPr lang="en-US" b="1" i="0" dirty="0">
+                <a:effectLst/>
+                <a:latin typeface="DeepSeek-CJK-patch"/>
+              </a:rPr>
+              <a:t>Design Patents</a:t>
+            </a:r>
+            <a:r>
+              <a:rPr lang="en-US" b="0" i="0" dirty="0">
+                <a:effectLst/>
+                <a:latin typeface="DeepSeek-CJK-patch"/>
+              </a:rPr>
+              <a:t> – Protects the </a:t>
+            </a:r>
+            <a:r>
+              <a:rPr lang="en-US" b="1" i="0" dirty="0">
+                <a:effectLst/>
+                <a:latin typeface="DeepSeek-CJK-patch"/>
+              </a:rPr>
+              <a:t>appearance</a:t>
+            </a:r>
+            <a:r>
+              <a:rPr lang="en-US" b="0" i="0" dirty="0">
+                <a:effectLst/>
+                <a:latin typeface="DeepSeek-CJK-patch"/>
+              </a:rPr>
+              <a:t> of a product (e.g., iPhone design).</a:t>
+            </a:r>
+          </a:p>
+          <a:p>
+            <a:pPr marL="1200150" lvl="2" indent="-285750">
+              <a:spcBef>
+                <a:spcPts val="300"/>
+              </a:spcBef>
+            </a:pPr>
+            <a:r>
+              <a:rPr lang="en-US" b="1" i="0" dirty="0">
+                <a:effectLst/>
+                <a:latin typeface="DeepSeek-CJK-patch"/>
+              </a:rPr>
+              <a:t>Plant Patents</a:t>
+            </a:r>
+            <a:r>
+              <a:rPr lang="en-US" b="0" i="0" dirty="0">
+                <a:effectLst/>
+                <a:latin typeface="DeepSeek-CJK-patch"/>
+              </a:rPr>
+              <a:t> – New plant varieties.</a:t>
+            </a:r>
+          </a:p>
+          <a:p>
+            <a:pPr lvl="1">
+              <a:spcBef>
+                <a:spcPts val="300"/>
+              </a:spcBef>
+              <a:spcAft>
+                <a:spcPts val="300"/>
+              </a:spcAft>
+            </a:pPr>
+            <a:r>
+              <a:rPr lang="en-US" b="1" i="0" dirty="0">
+                <a:effectLst/>
+                <a:latin typeface="DeepSeek-CJK-patch"/>
+              </a:rPr>
+              <a:t>Duration:</a:t>
+            </a:r>
+            <a:endParaRPr lang="en-US" b="0" i="0" dirty="0">
+              <a:effectLst/>
+              <a:latin typeface="DeepSeek-CJK-patch"/>
+            </a:endParaRPr>
+          </a:p>
+          <a:p>
+            <a:pPr marL="1200150" lvl="2" indent="-285750">
+              <a:spcBef>
+                <a:spcPts val="300"/>
+              </a:spcBef>
+            </a:pPr>
+            <a:r>
+              <a:rPr lang="en-US" b="1" i="0" dirty="0">
+                <a:effectLst/>
+                <a:latin typeface="DeepSeek-CJK-patch"/>
+              </a:rPr>
+              <a:t>20 years</a:t>
+            </a:r>
+            <a:r>
+              <a:rPr lang="en-US" b="0" i="0" dirty="0">
+                <a:effectLst/>
+                <a:latin typeface="DeepSeek-CJK-patch"/>
+              </a:rPr>
+              <a:t> (utility patents)</a:t>
+            </a:r>
+          </a:p>
+          <a:p>
+            <a:pPr marL="1200150" lvl="2" indent="-285750">
+              <a:spcBef>
+                <a:spcPts val="300"/>
+              </a:spcBef>
+            </a:pPr>
+            <a:r>
+              <a:rPr lang="en-US" b="1" i="0" dirty="0">
+                <a:effectLst/>
+                <a:latin typeface="DeepSeek-CJK-patch"/>
+              </a:rPr>
+              <a:t>15 years</a:t>
+            </a:r>
+            <a:r>
+              <a:rPr lang="en-US" b="0" i="0" dirty="0">
+                <a:effectLst/>
+                <a:latin typeface="DeepSeek-CJK-patch"/>
+              </a:rPr>
+              <a:t> (design patents in the U.S.)</a:t>
+            </a:r>
+          </a:p>
+          <a:p>
+            <a:pPr lvl="1">
+              <a:spcBef>
+                <a:spcPts val="300"/>
+              </a:spcBef>
+              <a:spcAft>
+                <a:spcPts val="300"/>
+              </a:spcAft>
+            </a:pPr>
+            <a:r>
+              <a:rPr lang="en-US" b="1" i="0" dirty="0">
+                <a:effectLst/>
+                <a:latin typeface="DeepSeek-CJK-patch"/>
+              </a:rPr>
+              <a:t>Examples:</a:t>
+            </a:r>
+            <a:endParaRPr lang="en-US" b="0" i="0" dirty="0">
+              <a:effectLst/>
+              <a:latin typeface="DeepSeek-CJK-patch"/>
+            </a:endParaRPr>
+          </a:p>
+          <a:p>
+            <a:pPr marL="1200150" lvl="2" indent="-285750">
+              <a:spcBef>
+                <a:spcPts val="300"/>
+              </a:spcBef>
+            </a:pPr>
+            <a:r>
+              <a:rPr lang="en-US" b="0" i="0" dirty="0">
+                <a:effectLst/>
+                <a:latin typeface="DeepSeek-CJK-patch"/>
+              </a:rPr>
+              <a:t>Thomas Edison’s light bulb patent</a:t>
+            </a:r>
+          </a:p>
+          <a:p>
+            <a:pPr marL="1200150" lvl="2" indent="-285750">
+              <a:spcBef>
+                <a:spcPts val="300"/>
+              </a:spcBef>
+            </a:pPr>
+            <a:r>
+              <a:rPr lang="en-US" b="0" i="0" dirty="0">
+                <a:effectLst/>
+                <a:latin typeface="DeepSeek-CJK-patch"/>
+              </a:rPr>
+              <a:t>Pfizer’s COVID-19 vaccine formula</a:t>
+            </a:r>
+          </a:p>
+          <a:p>
+            <a:endParaRPr lang="en-US" dirty="0"/>
+          </a:p>
+        </p:txBody>
+      </p:sp>
+    </p:spTree>
+    <p:extLst>
+      <p:ext uri="{BB962C8B-B14F-4D97-AF65-F5344CB8AC3E}">
+        <p14:creationId xmlns:p14="http://schemas.microsoft.com/office/powerpoint/2010/main" val="1164118545"/>
+      </p:ext>
+    </p:extLst>
+  </p:cSld>
+  <p:clrMapOvr>
+    <a:masterClrMapping/>
+  </p:clrMapOvr>
+</p:sld>
+</file>
+
+<file path=ppt/slides/slide24.xml><?xml version="1.0" encoding="utf-8"?>
+<p:sld xmlns:a="http://schemas.openxmlformats.org/drawingml/2006/main" xmlns:r="http://schemas.openxmlformats.org/officeDocument/2006/relationships" xmlns:p="http://schemas.openxmlformats.org/presentationml/2006/main">
+  <p:cSld>
+    <p:spTree>
+      <p:nvGrpSpPr>
+        <p:cNvPr id="1" name=""/>
+        <p:cNvGrpSpPr/>
+        <p:nvPr/>
+      </p:nvGrpSpPr>
+      <p:grpSpPr>
+        <a:xfrm>
+          <a:off x="0" y="0"/>
+          <a:ext cx="0" cy="0"/>
+          <a:chOff x="0" y="0"/>
+          <a:chExt cx="0" cy="0"/>
+        </a:xfrm>
+      </p:grpSpPr>
+      <p:sp>
+        <p:nvSpPr>
+          <p:cNvPr id="3" name="Content Placeholder 2">
+            <a:extLst>
+              <a:ext uri="{FF2B5EF4-FFF2-40B4-BE49-F238E27FC236}">
+                <a16:creationId xmlns:a16="http://schemas.microsoft.com/office/drawing/2014/main" id="{DABCB8A1-D72E-8B33-ED85-9A848E10581B}"/>
+              </a:ext>
+            </a:extLst>
+          </p:cNvPr>
+          <p:cNvSpPr>
+            <a:spLocks noGrp="1"/>
+          </p:cNvSpPr>
+          <p:nvPr>
+            <p:ph idx="1"/>
+          </p:nvPr>
+        </p:nvSpPr>
+        <p:spPr/>
+        <p:txBody>
+          <a:bodyPr>
+            <a:normAutofit/>
+          </a:bodyPr>
+          <a:lstStyle/>
+          <a:p>
+            <a:pPr algn="l">
+              <a:buNone/>
+            </a:pPr>
+            <a:r>
+              <a:rPr lang="en-US" sz="3200" b="1" i="0" dirty="0">
+                <a:effectLst/>
+                <a:latin typeface="DeepSeek-CJK-patch"/>
+              </a:rPr>
+              <a:t>C. Trademarks</a:t>
+            </a:r>
+          </a:p>
+          <a:p>
+            <a:pPr lvl="1"/>
+            <a:r>
+              <a:rPr lang="en-US" sz="2800" b="1" i="0" dirty="0">
+                <a:effectLst/>
+                <a:latin typeface="DeepSeek-CJK-patch"/>
+              </a:rPr>
+              <a:t>Protects:</a:t>
+            </a:r>
+            <a:r>
+              <a:rPr lang="en-US" sz="2800" b="0" i="0" dirty="0">
+                <a:effectLst/>
+                <a:latin typeface="DeepSeek-CJK-patch"/>
+              </a:rPr>
+              <a:t> Brand identities (logos, names, slogans, sounds, colors).</a:t>
+            </a:r>
+          </a:p>
+          <a:p>
+            <a:pPr lvl="1">
+              <a:spcBef>
+                <a:spcPts val="300"/>
+              </a:spcBef>
+            </a:pPr>
+            <a:r>
+              <a:rPr lang="en-US" sz="2800" b="1" i="0" dirty="0">
+                <a:effectLst/>
+                <a:latin typeface="DeepSeek-CJK-patch"/>
+              </a:rPr>
+              <a:t>Purpose:</a:t>
+            </a:r>
+            <a:r>
+              <a:rPr lang="en-US" sz="2800" b="0" i="0" dirty="0">
+                <a:effectLst/>
+                <a:latin typeface="DeepSeek-CJK-patch"/>
+              </a:rPr>
+              <a:t> Prevents consumer confusion and protects brand reputation.</a:t>
+            </a:r>
+          </a:p>
+          <a:p>
+            <a:pPr lvl="1">
+              <a:spcBef>
+                <a:spcPts val="300"/>
+              </a:spcBef>
+            </a:pPr>
+            <a:r>
+              <a:rPr lang="en-US" sz="2800" b="1" i="0" dirty="0">
+                <a:effectLst/>
+                <a:latin typeface="DeepSeek-CJK-patch"/>
+              </a:rPr>
+              <a:t>Duration:</a:t>
+            </a:r>
+            <a:r>
+              <a:rPr lang="en-US" sz="2800" b="0" i="0" dirty="0">
+                <a:effectLst/>
+                <a:latin typeface="DeepSeek-CJK-patch"/>
+              </a:rPr>
+              <a:t> </a:t>
+            </a:r>
+            <a:r>
+              <a:rPr lang="en-US" sz="2800" b="1" i="0" dirty="0">
+                <a:effectLst/>
+                <a:latin typeface="DeepSeek-CJK-patch"/>
+              </a:rPr>
+              <a:t>Indefinite</a:t>
+            </a:r>
+            <a:r>
+              <a:rPr lang="en-US" sz="2800" b="0" i="0" dirty="0">
+                <a:effectLst/>
+                <a:latin typeface="DeepSeek-CJK-patch"/>
+              </a:rPr>
+              <a:t> (if renewed periodically).</a:t>
+            </a:r>
+          </a:p>
+          <a:p>
+            <a:pPr lvl="1">
+              <a:spcBef>
+                <a:spcPts val="300"/>
+              </a:spcBef>
+              <a:spcAft>
+                <a:spcPts val="300"/>
+              </a:spcAft>
+            </a:pPr>
+            <a:r>
+              <a:rPr lang="en-US" sz="2800" b="1" i="0" dirty="0">
+                <a:effectLst/>
+                <a:latin typeface="DeepSeek-CJK-patch"/>
+              </a:rPr>
+              <a:t>Examples:</a:t>
+            </a:r>
+            <a:endParaRPr lang="en-US" sz="2800" b="0" i="0" dirty="0">
+              <a:effectLst/>
+              <a:latin typeface="DeepSeek-CJK-patch"/>
+            </a:endParaRPr>
+          </a:p>
+          <a:p>
+            <a:pPr marL="1200150" lvl="2" indent="-285750">
+              <a:spcBef>
+                <a:spcPts val="300"/>
+              </a:spcBef>
+            </a:pPr>
+            <a:r>
+              <a:rPr lang="en-US" sz="2400" b="1" i="0" dirty="0">
+                <a:effectLst/>
+                <a:latin typeface="DeepSeek-CJK-patch"/>
+              </a:rPr>
+              <a:t>Nike’s "Swoosh" logo</a:t>
+            </a:r>
+            <a:endParaRPr lang="en-US" sz="2400" b="0" i="0" dirty="0">
+              <a:effectLst/>
+              <a:latin typeface="DeepSeek-CJK-patch"/>
+            </a:endParaRPr>
+          </a:p>
+          <a:p>
+            <a:pPr marL="1200150" lvl="2" indent="-285750">
+              <a:spcBef>
+                <a:spcPts val="300"/>
+              </a:spcBef>
+            </a:pPr>
+            <a:r>
+              <a:rPr lang="en-US" sz="2400" b="1" i="0" dirty="0">
+                <a:effectLst/>
+                <a:latin typeface="DeepSeek-CJK-patch"/>
+              </a:rPr>
+              <a:t>McDonald’s "I’m Lovin’ It" jingle</a:t>
+            </a:r>
+            <a:endParaRPr lang="en-US" sz="2400" b="0" i="0" dirty="0">
+              <a:effectLst/>
+              <a:latin typeface="DeepSeek-CJK-patch"/>
+            </a:endParaRPr>
+          </a:p>
+          <a:p>
+            <a:pPr lvl="1"/>
+            <a:endParaRPr lang="en-US" sz="2800" dirty="0"/>
+          </a:p>
+        </p:txBody>
+      </p:sp>
+    </p:spTree>
+    <p:extLst>
+      <p:ext uri="{BB962C8B-B14F-4D97-AF65-F5344CB8AC3E}">
+        <p14:creationId xmlns:p14="http://schemas.microsoft.com/office/powerpoint/2010/main" val="1445322230"/>
       </p:ext>
     </p:extLst>
   </p:cSld>
@@ -17920,35 +17382,10 @@
       </p:grpSpPr>
       <p:sp>
         <p:nvSpPr>
-          <p:cNvPr id="2" name="Title 1">
-            <a:extLst>
-              <a:ext uri="{FF2B5EF4-FFF2-40B4-BE49-F238E27FC236}">
-                <a16:creationId xmlns:a16="http://schemas.microsoft.com/office/drawing/2014/main" id="{7AF6B40E-B56A-68AA-E399-120504A17B0B}"/>
-              </a:ext>
-            </a:extLst>
-          </p:cNvPr>
-          <p:cNvSpPr>
-            <a:spLocks noGrp="1"/>
-          </p:cNvSpPr>
-          <p:nvPr>
-            <p:ph type="title"/>
-          </p:nvPr>
-        </p:nvSpPr>
-        <p:spPr/>
-        <p:txBody>
-          <a:bodyPr/>
-          <a:lstStyle/>
-          <a:p>
-            <a:endParaRPr lang="en-US"/>
-          </a:p>
-        </p:txBody>
-      </p:sp>
-      <p:sp>
-        <p:nvSpPr>
           <p:cNvPr id="3" name="Content Placeholder 2">
             <a:extLst>
               <a:ext uri="{FF2B5EF4-FFF2-40B4-BE49-F238E27FC236}">
-                <a16:creationId xmlns:a16="http://schemas.microsoft.com/office/drawing/2014/main" id="{FBC48A2B-81BF-D8EA-07E8-5ED39D971DAE}"/>
+                <a16:creationId xmlns:a16="http://schemas.microsoft.com/office/drawing/2014/main" id="{EAC66BDF-A1E2-DBE6-DB4B-3F33200DA9A2}"/>
               </a:ext>
             </a:extLst>
           </p:cNvPr>
@@ -17962,7 +17399,7 @@
         <p:spPr/>
         <p:txBody>
           <a:bodyPr>
-            <a:normAutofit lnSpcReduction="10000"/>
+            <a:normAutofit/>
           </a:bodyPr>
           <a:lstStyle/>
           <a:p>
@@ -17970,57 +17407,84 @@
               <a:buNone/>
             </a:pPr>
             <a:r>
-              <a:rPr lang="en-US" b="1" i="0" dirty="0">
-                <a:solidFill>
-                  <a:srgbClr val="404040"/>
-                </a:solidFill>
+              <a:rPr lang="en-US" sz="3200" b="1" i="0" dirty="0">
                 <a:effectLst/>
                 <a:latin typeface="DeepSeek-CJK-patch"/>
               </a:rPr>
-              <a:t>B. Patents</a:t>
+              <a:t>D. Trade Secrets</a:t>
             </a:r>
           </a:p>
           <a:p>
             <a:pPr lvl="1"/>
             <a:r>
-              <a:rPr lang="en-US" b="1" i="0" dirty="0">
-                <a:solidFill>
-                  <a:srgbClr val="404040"/>
-                </a:solidFill>
+              <a:rPr lang="en-US" sz="2800" b="1" i="0" dirty="0">
                 <a:effectLst/>
                 <a:latin typeface="DeepSeek-CJK-patch"/>
               </a:rPr>
               <a:t>Protects:</a:t>
             </a:r>
             <a:r>
-              <a:rPr lang="en-US" b="0" i="0" dirty="0">
-                <a:solidFill>
-                  <a:srgbClr val="404040"/>
-                </a:solidFill>
+              <a:rPr lang="en-US" sz="2800" b="0" i="0" dirty="0">
                 <a:effectLst/>
                 <a:latin typeface="DeepSeek-CJK-patch"/>
               </a:rPr>
-              <a:t> Inventions (products or processes) that are </a:t>
-            </a:r>
-            <a:r>
-              <a:rPr lang="en-US" b="1" i="0" dirty="0">
-                <a:solidFill>
-                  <a:srgbClr val="404040"/>
-                </a:solidFill>
+              <a:t> Confidential business information that provides a competitive edge.</a:t>
+            </a:r>
+          </a:p>
+          <a:p>
+            <a:pPr lvl="1">
+              <a:spcBef>
+                <a:spcPts val="300"/>
+              </a:spcBef>
+            </a:pPr>
+            <a:r>
+              <a:rPr lang="en-US" sz="2800" b="1" i="0" dirty="0">
                 <a:effectLst/>
                 <a:latin typeface="DeepSeek-CJK-patch"/>
               </a:rPr>
-              <a:t>new, useful, and non-obvious</a:t>
-            </a:r>
-            <a:r>
-              <a:rPr lang="en-US" b="0" i="0" dirty="0">
-                <a:solidFill>
-                  <a:srgbClr val="404040"/>
-                </a:solidFill>
+              <a:t>No registration required</a:t>
+            </a:r>
+            <a:r>
+              <a:rPr lang="en-US" sz="2800" b="0" i="0" dirty="0">
                 <a:effectLst/>
                 <a:latin typeface="DeepSeek-CJK-patch"/>
               </a:rPr>
-              <a:t>.</a:t>
+              <a:t> but must be actively protected (e.g., NDAs).</a:t>
+            </a:r>
+          </a:p>
+          <a:p>
+            <a:pPr lvl="1">
+              <a:spcBef>
+                <a:spcPts val="300"/>
+              </a:spcBef>
+            </a:pPr>
+            <a:r>
+              <a:rPr lang="en-US" sz="2800" b="1" i="0" dirty="0">
+                <a:effectLst/>
+                <a:latin typeface="DeepSeek-CJK-patch"/>
+              </a:rPr>
+              <a:t>Duration:</a:t>
+            </a:r>
+            <a:r>
+              <a:rPr lang="en-US" sz="2800" b="0" i="0" dirty="0">
+                <a:effectLst/>
+                <a:latin typeface="DeepSeek-CJK-patch"/>
+              </a:rPr>
+              <a:t> </a:t>
+            </a:r>
+            <a:r>
+              <a:rPr lang="en-US" sz="2800" b="1" i="0" dirty="0">
+                <a:effectLst/>
+                <a:latin typeface="DeepSeek-CJK-patch"/>
+              </a:rPr>
+              <a:t>Unlimited</a:t>
+            </a:r>
+            <a:r>
+              <a:rPr lang="en-US" sz="2800" b="0" i="0" dirty="0">
+                <a:effectLst/>
+                <a:latin typeface="DeepSeek-CJK-patch"/>
+              </a:rPr>
+              <a:t> (as long as secrecy is maintained).</a:t>
             </a:r>
           </a:p>
           <a:p>
@@ -18033,19 +17497,13 @@
               </a:spcAft>
             </a:pPr>
             <a:r>
-              <a:rPr lang="en-US" b="1" i="0" dirty="0">
-                <a:solidFill>
-                  <a:srgbClr val="404040"/>
-                </a:solidFill>
+              <a:rPr lang="en-US" sz="2800" b="1" i="0" dirty="0">
                 <a:effectLst/>
                 <a:latin typeface="DeepSeek-CJK-patch"/>
               </a:rPr>
-              <a:t>Types:</a:t>
-            </a:r>
-            <a:endParaRPr lang="en-US" b="0" i="0" dirty="0">
-              <a:solidFill>
-                <a:srgbClr val="404040"/>
-              </a:solidFill>
+              <a:t>Examples:</a:t>
+            </a:r>
+            <a:endParaRPr lang="en-US" sz="2800" b="0" i="0" dirty="0">
               <a:effectLst/>
               <a:latin typeface="DeepSeek-CJK-patch"/>
             </a:endParaRPr>
@@ -18057,25 +17515,16 @@
               </a:spcBef>
             </a:pPr>
             <a:r>
-              <a:rPr lang="en-US" b="1" i="0" dirty="0">
-                <a:solidFill>
-                  <a:srgbClr val="404040"/>
-                </a:solidFill>
+              <a:rPr lang="en-US" sz="2400" b="1" i="0" dirty="0">
                 <a:effectLst/>
                 <a:latin typeface="DeepSeek-CJK-patch"/>
               </a:rPr>
-              <a:t>Utility Patents</a:t>
-            </a:r>
-            <a:r>
-              <a:rPr lang="en-US" b="0" i="0" dirty="0">
-                <a:solidFill>
-                  <a:srgbClr val="404040"/>
-                </a:solidFill>
-                <a:effectLst/>
-                <a:latin typeface="DeepSeek-CJK-patch"/>
-              </a:rPr>
-              <a:t> – Functional inventions (e.g., machines, chemicals, software algorithms).</a:t>
-            </a:r>
+              <a:t>Coca-Cola’s secret formula</a:t>
+            </a:r>
+            <a:endParaRPr lang="en-US" sz="2400" b="0" i="0" dirty="0">
+              <a:effectLst/>
+              <a:latin typeface="DeepSeek-CJK-patch"/>
+            </a:endParaRPr>
           </a:p>
           <a:p>
             <a:pPr marL="1200150" lvl="2" indent="-285750">
@@ -18084,224 +17533,26 @@
               </a:spcBef>
             </a:pPr>
             <a:r>
-              <a:rPr lang="en-US" b="1" i="0" dirty="0">
-                <a:solidFill>
-                  <a:srgbClr val="404040"/>
-                </a:solidFill>
+              <a:rPr lang="en-US" sz="2400" b="1" i="0" dirty="0">
                 <a:effectLst/>
                 <a:latin typeface="DeepSeek-CJK-patch"/>
               </a:rPr>
-              <a:t>Design Patents</a:t>
-            </a:r>
-            <a:r>
-              <a:rPr lang="en-US" b="0" i="0" dirty="0">
-                <a:solidFill>
-                  <a:srgbClr val="404040"/>
-                </a:solidFill>
-                <a:effectLst/>
-                <a:latin typeface="DeepSeek-CJK-patch"/>
-              </a:rPr>
-              <a:t> – Protects the </a:t>
-            </a:r>
-            <a:r>
-              <a:rPr lang="en-US" b="1" i="0" dirty="0">
-                <a:solidFill>
-                  <a:srgbClr val="404040"/>
-                </a:solidFill>
-                <a:effectLst/>
-                <a:latin typeface="DeepSeek-CJK-patch"/>
-              </a:rPr>
-              <a:t>appearance</a:t>
-            </a:r>
-            <a:r>
-              <a:rPr lang="en-US" b="0" i="0" dirty="0">
-                <a:solidFill>
-                  <a:srgbClr val="404040"/>
-                </a:solidFill>
-                <a:effectLst/>
-                <a:latin typeface="DeepSeek-CJK-patch"/>
-              </a:rPr>
-              <a:t> of a product (e.g., iPhone design).</a:t>
-            </a:r>
-          </a:p>
-          <a:p>
-            <a:pPr marL="1200150" lvl="2" indent="-285750">
-              <a:spcBef>
-                <a:spcPts val="300"/>
-              </a:spcBef>
-            </a:pPr>
-            <a:r>
-              <a:rPr lang="en-US" b="1" i="0" dirty="0">
-                <a:solidFill>
-                  <a:srgbClr val="404040"/>
-                </a:solidFill>
-                <a:effectLst/>
-                <a:latin typeface="DeepSeek-CJK-patch"/>
-              </a:rPr>
-              <a:t>Plant Patents</a:t>
-            </a:r>
-            <a:r>
-              <a:rPr lang="en-US" b="0" i="0" dirty="0">
-                <a:solidFill>
-                  <a:srgbClr val="404040"/>
-                </a:solidFill>
-                <a:effectLst/>
-                <a:latin typeface="DeepSeek-CJK-patch"/>
-              </a:rPr>
-              <a:t> – New plant varieties.</a:t>
-            </a:r>
-          </a:p>
-          <a:p>
-            <a:pPr lvl="1">
-              <a:spcBef>
-                <a:spcPts val="300"/>
-              </a:spcBef>
-              <a:spcAft>
-                <a:spcPts val="300"/>
-              </a:spcAft>
-            </a:pPr>
-            <a:r>
-              <a:rPr lang="en-US" b="1" i="0" dirty="0">
-                <a:solidFill>
-                  <a:srgbClr val="404040"/>
-                </a:solidFill>
-                <a:effectLst/>
-                <a:latin typeface="DeepSeek-CJK-patch"/>
-              </a:rPr>
-              <a:t>Duration:</a:t>
-            </a:r>
-            <a:endParaRPr lang="en-US" b="0" i="0" dirty="0">
-              <a:solidFill>
-                <a:srgbClr val="404040"/>
-              </a:solidFill>
+              <a:t>Google’s search algorithm</a:t>
+            </a:r>
+            <a:endParaRPr lang="en-US" sz="2400" b="0" i="0" dirty="0">
               <a:effectLst/>
               <a:latin typeface="DeepSeek-CJK-patch"/>
             </a:endParaRPr>
           </a:p>
           <a:p>
-            <a:pPr marL="1200150" lvl="2" indent="-285750">
-              <a:spcBef>
-                <a:spcPts val="300"/>
-              </a:spcBef>
-            </a:pPr>
-            <a:r>
-              <a:rPr lang="en-US" b="1" i="0" dirty="0">
-                <a:solidFill>
-                  <a:srgbClr val="404040"/>
-                </a:solidFill>
-                <a:effectLst/>
-                <a:latin typeface="DeepSeek-CJK-patch"/>
-              </a:rPr>
-              <a:t>20 years</a:t>
-            </a:r>
-            <a:r>
-              <a:rPr lang="en-US" b="0" i="0" dirty="0">
-                <a:solidFill>
-                  <a:srgbClr val="404040"/>
-                </a:solidFill>
-                <a:effectLst/>
-                <a:latin typeface="DeepSeek-CJK-patch"/>
-              </a:rPr>
-              <a:t> (utility patents)</a:t>
-            </a:r>
-          </a:p>
-          <a:p>
-            <a:pPr marL="1200150" lvl="2" indent="-285750">
-              <a:spcBef>
-                <a:spcPts val="300"/>
-              </a:spcBef>
-            </a:pPr>
-            <a:r>
-              <a:rPr lang="en-US" b="1" i="0" dirty="0">
-                <a:solidFill>
-                  <a:srgbClr val="404040"/>
-                </a:solidFill>
-                <a:effectLst/>
-                <a:latin typeface="DeepSeek-CJK-patch"/>
-              </a:rPr>
-              <a:t>15 years</a:t>
-            </a:r>
-            <a:r>
-              <a:rPr lang="en-US" b="0" i="0" dirty="0">
-                <a:solidFill>
-                  <a:srgbClr val="404040"/>
-                </a:solidFill>
-                <a:effectLst/>
-                <a:latin typeface="DeepSeek-CJK-patch"/>
-              </a:rPr>
-              <a:t> (design patents in the U.S.)</a:t>
-            </a:r>
-          </a:p>
-          <a:p>
-            <a:pPr lvl="1">
-              <a:spcBef>
-                <a:spcPts val="300"/>
-              </a:spcBef>
-              <a:spcAft>
-                <a:spcPts val="300"/>
-              </a:spcAft>
-            </a:pPr>
-            <a:r>
-              <a:rPr lang="en-US" b="1" i="0" dirty="0">
-                <a:solidFill>
-                  <a:srgbClr val="404040"/>
-                </a:solidFill>
-                <a:effectLst/>
-                <a:latin typeface="DeepSeek-CJK-patch"/>
-              </a:rPr>
-              <a:t>Examples:</a:t>
-            </a:r>
-            <a:endParaRPr lang="en-US" b="0" i="0" dirty="0">
-              <a:solidFill>
-                <a:srgbClr val="404040"/>
-              </a:solidFill>
-              <a:effectLst/>
-              <a:latin typeface="DeepSeek-CJK-patch"/>
-            </a:endParaRPr>
-          </a:p>
-          <a:p>
-            <a:pPr marL="1200150" lvl="2" indent="-285750">
-              <a:spcBef>
-                <a:spcPts val="300"/>
-              </a:spcBef>
-            </a:pPr>
-            <a:r>
-              <a:rPr lang="en-US" b="0" i="0" dirty="0">
-                <a:solidFill>
-                  <a:srgbClr val="404040"/>
-                </a:solidFill>
-                <a:effectLst/>
-                <a:latin typeface="DeepSeek-CJK-patch"/>
-              </a:rPr>
-              <a:t>Thomas Edison’s light bulb patent</a:t>
-            </a:r>
-          </a:p>
-          <a:p>
-            <a:pPr marL="1200150" lvl="2" indent="-285750">
-              <a:spcBef>
-                <a:spcPts val="300"/>
-              </a:spcBef>
-            </a:pPr>
-            <a:r>
-              <a:rPr lang="en-US" b="0" i="0" dirty="0">
-                <a:solidFill>
-                  <a:srgbClr val="404040"/>
-                </a:solidFill>
-                <a:effectLst/>
-                <a:latin typeface="DeepSeek-CJK-patch"/>
-              </a:rPr>
-              <a:t>Pfizer’s COVID-19 vaccine formula</a:t>
-            </a:r>
-          </a:p>
-          <a:p>
-            <a:endParaRPr lang="en-US" dirty="0"/>
+            <a:endParaRPr lang="en-US" sz="3200" dirty="0"/>
           </a:p>
         </p:txBody>
       </p:sp>
     </p:spTree>
     <p:extLst>
       <p:ext uri="{BB962C8B-B14F-4D97-AF65-F5344CB8AC3E}">
-        <p14:creationId xmlns:p14="http://schemas.microsoft.com/office/powerpoint/2010/main" val="1164118545"/>
+        <p14:creationId xmlns:p14="http://schemas.microsoft.com/office/powerpoint/2010/main" val="3519460556"/>
       </p:ext>
     </p:extLst>
   </p:cSld>
@@ -18330,566 +17581,6 @@
       </p:grpSpPr>
       <p:sp>
         <p:nvSpPr>
-          <p:cNvPr id="2" name="Title 1">
-            <a:extLst>
-              <a:ext uri="{FF2B5EF4-FFF2-40B4-BE49-F238E27FC236}">
-                <a16:creationId xmlns:a16="http://schemas.microsoft.com/office/drawing/2014/main" id="{A486519A-2106-36E8-ECF3-0FCEC9D47263}"/>
-              </a:ext>
-            </a:extLst>
-          </p:cNvPr>
-          <p:cNvSpPr>
-            <a:spLocks noGrp="1"/>
-          </p:cNvSpPr>
-          <p:nvPr>
-            <p:ph type="title"/>
-          </p:nvPr>
-        </p:nvSpPr>
-        <p:spPr/>
-        <p:txBody>
-          <a:bodyPr/>
-          <a:lstStyle/>
-          <a:p>
-            <a:endParaRPr lang="en-US"/>
-          </a:p>
-        </p:txBody>
-      </p:sp>
-      <p:sp>
-        <p:nvSpPr>
-          <p:cNvPr id="3" name="Content Placeholder 2">
-            <a:extLst>
-              <a:ext uri="{FF2B5EF4-FFF2-40B4-BE49-F238E27FC236}">
-                <a16:creationId xmlns:a16="http://schemas.microsoft.com/office/drawing/2014/main" id="{DABCB8A1-D72E-8B33-ED85-9A848E10581B}"/>
-              </a:ext>
-            </a:extLst>
-          </p:cNvPr>
-          <p:cNvSpPr>
-            <a:spLocks noGrp="1"/>
-          </p:cNvSpPr>
-          <p:nvPr>
-            <p:ph idx="1"/>
-          </p:nvPr>
-        </p:nvSpPr>
-        <p:spPr/>
-        <p:txBody>
-          <a:bodyPr/>
-          <a:lstStyle/>
-          <a:p>
-            <a:pPr algn="l">
-              <a:buNone/>
-            </a:pPr>
-            <a:r>
-              <a:rPr lang="en-US" b="1" i="0" dirty="0">
-                <a:solidFill>
-                  <a:srgbClr val="404040"/>
-                </a:solidFill>
-                <a:effectLst/>
-                <a:latin typeface="DeepSeek-CJK-patch"/>
-              </a:rPr>
-              <a:t>C. Trademarks</a:t>
-            </a:r>
-          </a:p>
-          <a:p>
-            <a:pPr lvl="1"/>
-            <a:r>
-              <a:rPr lang="en-US" b="1" i="0" dirty="0">
-                <a:solidFill>
-                  <a:srgbClr val="404040"/>
-                </a:solidFill>
-                <a:effectLst/>
-                <a:latin typeface="DeepSeek-CJK-patch"/>
-              </a:rPr>
-              <a:t>Protects:</a:t>
-            </a:r>
-            <a:r>
-              <a:rPr lang="en-US" b="0" i="0" dirty="0">
-                <a:solidFill>
-                  <a:srgbClr val="404040"/>
-                </a:solidFill>
-                <a:effectLst/>
-                <a:latin typeface="DeepSeek-CJK-patch"/>
-              </a:rPr>
-              <a:t> Brand identities (logos, names, slogans, sounds, colors).</a:t>
-            </a:r>
-          </a:p>
-          <a:p>
-            <a:pPr lvl="1">
-              <a:spcBef>
-                <a:spcPts val="300"/>
-              </a:spcBef>
-            </a:pPr>
-            <a:r>
-              <a:rPr lang="en-US" b="1" i="0" dirty="0">
-                <a:solidFill>
-                  <a:srgbClr val="404040"/>
-                </a:solidFill>
-                <a:effectLst/>
-                <a:latin typeface="DeepSeek-CJK-patch"/>
-              </a:rPr>
-              <a:t>Purpose:</a:t>
-            </a:r>
-            <a:r>
-              <a:rPr lang="en-US" b="0" i="0" dirty="0">
-                <a:solidFill>
-                  <a:srgbClr val="404040"/>
-                </a:solidFill>
-                <a:effectLst/>
-                <a:latin typeface="DeepSeek-CJK-patch"/>
-              </a:rPr>
-              <a:t> Prevents consumer confusion and protects brand reputation.</a:t>
-            </a:r>
-          </a:p>
-          <a:p>
-            <a:pPr lvl="1">
-              <a:spcBef>
-                <a:spcPts val="300"/>
-              </a:spcBef>
-            </a:pPr>
-            <a:r>
-              <a:rPr lang="en-US" b="1" i="0" dirty="0">
-                <a:solidFill>
-                  <a:srgbClr val="404040"/>
-                </a:solidFill>
-                <a:effectLst/>
-                <a:latin typeface="DeepSeek-CJK-patch"/>
-              </a:rPr>
-              <a:t>Duration:</a:t>
-            </a:r>
-            <a:r>
-              <a:rPr lang="en-US" b="0" i="0" dirty="0">
-                <a:solidFill>
-                  <a:srgbClr val="404040"/>
-                </a:solidFill>
-                <a:effectLst/>
-                <a:latin typeface="DeepSeek-CJK-patch"/>
-              </a:rPr>
-              <a:t> </a:t>
-            </a:r>
-            <a:r>
-              <a:rPr lang="en-US" b="1" i="0" dirty="0">
-                <a:solidFill>
-                  <a:srgbClr val="404040"/>
-                </a:solidFill>
-                <a:effectLst/>
-                <a:latin typeface="DeepSeek-CJK-patch"/>
-              </a:rPr>
-              <a:t>Indefinite</a:t>
-            </a:r>
-            <a:r>
-              <a:rPr lang="en-US" b="0" i="0" dirty="0">
-                <a:solidFill>
-                  <a:srgbClr val="404040"/>
-                </a:solidFill>
-                <a:effectLst/>
-                <a:latin typeface="DeepSeek-CJK-patch"/>
-              </a:rPr>
-              <a:t> (if renewed periodically).</a:t>
-            </a:r>
-          </a:p>
-          <a:p>
-            <a:pPr lvl="1">
-              <a:spcBef>
-                <a:spcPts val="300"/>
-              </a:spcBef>
-              <a:spcAft>
-                <a:spcPts val="300"/>
-              </a:spcAft>
-            </a:pPr>
-            <a:r>
-              <a:rPr lang="en-US" b="1" i="0" dirty="0">
-                <a:solidFill>
-                  <a:srgbClr val="404040"/>
-                </a:solidFill>
-                <a:effectLst/>
-                <a:latin typeface="DeepSeek-CJK-patch"/>
-              </a:rPr>
-              <a:t>Examples:</a:t>
-            </a:r>
-            <a:endParaRPr lang="en-US" b="0" i="0" dirty="0">
-              <a:solidFill>
-                <a:srgbClr val="404040"/>
-              </a:solidFill>
-              <a:effectLst/>
-              <a:latin typeface="DeepSeek-CJK-patch"/>
-            </a:endParaRPr>
-          </a:p>
-          <a:p>
-            <a:pPr marL="1200150" lvl="2" indent="-285750">
-              <a:spcBef>
-                <a:spcPts val="300"/>
-              </a:spcBef>
-            </a:pPr>
-            <a:r>
-              <a:rPr lang="en-US" b="1" i="0" dirty="0">
-                <a:solidFill>
-                  <a:srgbClr val="404040"/>
-                </a:solidFill>
-                <a:effectLst/>
-                <a:latin typeface="DeepSeek-CJK-patch"/>
-              </a:rPr>
-              <a:t>Nike’s "Swoosh" logo</a:t>
-            </a:r>
-            <a:endParaRPr lang="en-US" b="0" i="0" dirty="0">
-              <a:solidFill>
-                <a:srgbClr val="404040"/>
-              </a:solidFill>
-              <a:effectLst/>
-              <a:latin typeface="DeepSeek-CJK-patch"/>
-            </a:endParaRPr>
-          </a:p>
-          <a:p>
-            <a:pPr marL="1200150" lvl="2" indent="-285750">
-              <a:spcBef>
-                <a:spcPts val="300"/>
-              </a:spcBef>
-            </a:pPr>
-            <a:r>
-              <a:rPr lang="en-US" b="1" i="0" dirty="0">
-                <a:solidFill>
-                  <a:srgbClr val="404040"/>
-                </a:solidFill>
-                <a:effectLst/>
-                <a:latin typeface="DeepSeek-CJK-patch"/>
-              </a:rPr>
-              <a:t>McDonald’s "I’m Lovin’ It" jingle</a:t>
-            </a:r>
-            <a:endParaRPr lang="en-US" b="0" i="0" dirty="0">
-              <a:solidFill>
-                <a:srgbClr val="404040"/>
-              </a:solidFill>
-              <a:effectLst/>
-              <a:latin typeface="DeepSeek-CJK-patch"/>
-            </a:endParaRPr>
-          </a:p>
-          <a:p>
-            <a:pPr lvl="1"/>
-            <a:endParaRPr lang="en-US" dirty="0"/>
-          </a:p>
-        </p:txBody>
-      </p:sp>
-    </p:spTree>
-    <p:extLst>
-      <p:ext uri="{BB962C8B-B14F-4D97-AF65-F5344CB8AC3E}">
-        <p14:creationId xmlns:p14="http://schemas.microsoft.com/office/powerpoint/2010/main" val="1445322230"/>
-      </p:ext>
-    </p:extLst>
-  </p:cSld>
-  <p:clrMapOvr>
-    <a:masterClrMapping/>
-  </p:clrMapOvr>
-</p:sld>
-</file>
-
-<file path=ppt/slides/slide27.xml><?xml version="1.0" encoding="utf-8"?>
-<p:sld xmlns:a="http://schemas.openxmlformats.org/drawingml/2006/main" xmlns:r="http://schemas.openxmlformats.org/officeDocument/2006/relationships" xmlns:p="http://schemas.openxmlformats.org/presentationml/2006/main">
-  <p:cSld>
-    <p:spTree>
-      <p:nvGrpSpPr>
-        <p:cNvPr id="1" name=""/>
-        <p:cNvGrpSpPr/>
-        <p:nvPr/>
-      </p:nvGrpSpPr>
-      <p:grpSpPr>
-        <a:xfrm>
-          <a:off x="0" y="0"/>
-          <a:ext cx="0" cy="0"/>
-          <a:chOff x="0" y="0"/>
-          <a:chExt cx="0" cy="0"/>
-        </a:xfrm>
-      </p:grpSpPr>
-      <p:sp>
-        <p:nvSpPr>
-          <p:cNvPr id="2" name="Title 1">
-            <a:extLst>
-              <a:ext uri="{FF2B5EF4-FFF2-40B4-BE49-F238E27FC236}">
-                <a16:creationId xmlns:a16="http://schemas.microsoft.com/office/drawing/2014/main" id="{55D65BB1-1EA0-368E-96DB-0B7604FC82FE}"/>
-              </a:ext>
-            </a:extLst>
-          </p:cNvPr>
-          <p:cNvSpPr>
-            <a:spLocks noGrp="1"/>
-          </p:cNvSpPr>
-          <p:nvPr>
-            <p:ph type="title"/>
-          </p:nvPr>
-        </p:nvSpPr>
-        <p:spPr/>
-        <p:txBody>
-          <a:bodyPr/>
-          <a:lstStyle/>
-          <a:p>
-            <a:endParaRPr lang="en-US"/>
-          </a:p>
-        </p:txBody>
-      </p:sp>
-      <p:sp>
-        <p:nvSpPr>
-          <p:cNvPr id="3" name="Content Placeholder 2">
-            <a:extLst>
-              <a:ext uri="{FF2B5EF4-FFF2-40B4-BE49-F238E27FC236}">
-                <a16:creationId xmlns:a16="http://schemas.microsoft.com/office/drawing/2014/main" id="{EAC66BDF-A1E2-DBE6-DB4B-3F33200DA9A2}"/>
-              </a:ext>
-            </a:extLst>
-          </p:cNvPr>
-          <p:cNvSpPr>
-            <a:spLocks noGrp="1"/>
-          </p:cNvSpPr>
-          <p:nvPr>
-            <p:ph idx="1"/>
-          </p:nvPr>
-        </p:nvSpPr>
-        <p:spPr/>
-        <p:txBody>
-          <a:bodyPr/>
-          <a:lstStyle/>
-          <a:p>
-            <a:pPr algn="l">
-              <a:buNone/>
-            </a:pPr>
-            <a:r>
-              <a:rPr lang="en-US" b="1" i="0" dirty="0">
-                <a:solidFill>
-                  <a:srgbClr val="404040"/>
-                </a:solidFill>
-                <a:effectLst/>
-                <a:latin typeface="DeepSeek-CJK-patch"/>
-              </a:rPr>
-              <a:t>D. Trade Secrets</a:t>
-            </a:r>
-          </a:p>
-          <a:p>
-            <a:pPr lvl="1"/>
-            <a:r>
-              <a:rPr lang="en-US" b="1" i="0" dirty="0">
-                <a:solidFill>
-                  <a:srgbClr val="404040"/>
-                </a:solidFill>
-                <a:effectLst/>
-                <a:latin typeface="DeepSeek-CJK-patch"/>
-              </a:rPr>
-              <a:t>Protects:</a:t>
-            </a:r>
-            <a:r>
-              <a:rPr lang="en-US" b="0" i="0" dirty="0">
-                <a:solidFill>
-                  <a:srgbClr val="404040"/>
-                </a:solidFill>
-                <a:effectLst/>
-                <a:latin typeface="DeepSeek-CJK-patch"/>
-              </a:rPr>
-              <a:t> Confidential business information that provides a competitive edge.</a:t>
-            </a:r>
-          </a:p>
-          <a:p>
-            <a:pPr lvl="1">
-              <a:spcBef>
-                <a:spcPts val="300"/>
-              </a:spcBef>
-            </a:pPr>
-            <a:r>
-              <a:rPr lang="en-US" b="1" i="0" dirty="0">
-                <a:solidFill>
-                  <a:srgbClr val="404040"/>
-                </a:solidFill>
-                <a:effectLst/>
-                <a:latin typeface="DeepSeek-CJK-patch"/>
-              </a:rPr>
-              <a:t>No registration required</a:t>
-            </a:r>
-            <a:r>
-              <a:rPr lang="en-US" b="0" i="0" dirty="0">
-                <a:solidFill>
-                  <a:srgbClr val="404040"/>
-                </a:solidFill>
-                <a:effectLst/>
-                <a:latin typeface="DeepSeek-CJK-patch"/>
-              </a:rPr>
-              <a:t> but must be actively protected (e.g., NDAs).</a:t>
-            </a:r>
-          </a:p>
-          <a:p>
-            <a:pPr lvl="1">
-              <a:spcBef>
-                <a:spcPts val="300"/>
-              </a:spcBef>
-            </a:pPr>
-            <a:r>
-              <a:rPr lang="en-US" b="1" i="0" dirty="0">
-                <a:solidFill>
-                  <a:srgbClr val="404040"/>
-                </a:solidFill>
-                <a:effectLst/>
-                <a:latin typeface="DeepSeek-CJK-patch"/>
-              </a:rPr>
-              <a:t>Duration:</a:t>
-            </a:r>
-            <a:r>
-              <a:rPr lang="en-US" b="0" i="0" dirty="0">
-                <a:solidFill>
-                  <a:srgbClr val="404040"/>
-                </a:solidFill>
-                <a:effectLst/>
-                <a:latin typeface="DeepSeek-CJK-patch"/>
-              </a:rPr>
-              <a:t> </a:t>
-            </a:r>
-            <a:r>
-              <a:rPr lang="en-US" b="1" i="0" dirty="0">
-                <a:solidFill>
-                  <a:srgbClr val="404040"/>
-                </a:solidFill>
-                <a:effectLst/>
-                <a:latin typeface="DeepSeek-CJK-patch"/>
-              </a:rPr>
-              <a:t>Unlimited</a:t>
-            </a:r>
-            <a:r>
-              <a:rPr lang="en-US" b="0" i="0" dirty="0">
-                <a:solidFill>
-                  <a:srgbClr val="404040"/>
-                </a:solidFill>
-                <a:effectLst/>
-                <a:latin typeface="DeepSeek-CJK-patch"/>
-              </a:rPr>
-              <a:t> (as long as secrecy is maintained).</a:t>
-            </a:r>
-          </a:p>
-          <a:p>
-            <a:pPr lvl="1">
-              <a:spcBef>
-                <a:spcPts val="300"/>
-              </a:spcBef>
-              <a:spcAft>
-                <a:spcPts val="300"/>
-              </a:spcAft>
-            </a:pPr>
-            <a:r>
-              <a:rPr lang="en-US" b="1" i="0" dirty="0">
-                <a:solidFill>
-                  <a:srgbClr val="404040"/>
-                </a:solidFill>
-                <a:effectLst/>
-                <a:latin typeface="DeepSeek-CJK-patch"/>
-              </a:rPr>
-              <a:t>Examples:</a:t>
-            </a:r>
-            <a:endParaRPr lang="en-US" b="0" i="0" dirty="0">
-              <a:solidFill>
-                <a:srgbClr val="404040"/>
-              </a:solidFill>
-              <a:effectLst/>
-              <a:latin typeface="DeepSeek-CJK-patch"/>
-            </a:endParaRPr>
-          </a:p>
-          <a:p>
-            <a:pPr marL="1200150" lvl="2" indent="-285750">
-              <a:spcBef>
-                <a:spcPts val="300"/>
-              </a:spcBef>
-            </a:pPr>
-            <a:r>
-              <a:rPr lang="en-US" b="1" i="0" dirty="0">
-                <a:solidFill>
-                  <a:srgbClr val="404040"/>
-                </a:solidFill>
-                <a:effectLst/>
-                <a:latin typeface="DeepSeek-CJK-patch"/>
-              </a:rPr>
-              <a:t>Coca-Cola’s secret formula</a:t>
-            </a:r>
-            <a:endParaRPr lang="en-US" b="0" i="0" dirty="0">
-              <a:solidFill>
-                <a:srgbClr val="404040"/>
-              </a:solidFill>
-              <a:effectLst/>
-              <a:latin typeface="DeepSeek-CJK-patch"/>
-            </a:endParaRPr>
-          </a:p>
-          <a:p>
-            <a:pPr marL="1200150" lvl="2" indent="-285750">
-              <a:spcBef>
-                <a:spcPts val="300"/>
-              </a:spcBef>
-            </a:pPr>
-            <a:r>
-              <a:rPr lang="en-US" b="1" i="0" dirty="0">
-                <a:solidFill>
-                  <a:srgbClr val="404040"/>
-                </a:solidFill>
-                <a:effectLst/>
-                <a:latin typeface="DeepSeek-CJK-patch"/>
-              </a:rPr>
-              <a:t>Google’s search algorithm</a:t>
-            </a:r>
-            <a:endParaRPr lang="en-US" b="0" i="0" dirty="0">
-              <a:solidFill>
-                <a:srgbClr val="404040"/>
-              </a:solidFill>
-              <a:effectLst/>
-              <a:latin typeface="DeepSeek-CJK-patch"/>
-            </a:endParaRPr>
-          </a:p>
-          <a:p>
-            <a:endParaRPr lang="en-US" dirty="0"/>
-          </a:p>
-        </p:txBody>
-      </p:sp>
-    </p:spTree>
-    <p:extLst>
-      <p:ext uri="{BB962C8B-B14F-4D97-AF65-F5344CB8AC3E}">
-        <p14:creationId xmlns:p14="http://schemas.microsoft.com/office/powerpoint/2010/main" val="3519460556"/>
-      </p:ext>
-    </p:extLst>
-  </p:cSld>
-  <p:clrMapOvr>
-    <a:masterClrMapping/>
-  </p:clrMapOvr>
-</p:sld>
-</file>
-
-<file path=ppt/slides/slide28.xml><?xml version="1.0" encoding="utf-8"?>
-<p:sld xmlns:a="http://schemas.openxmlformats.org/drawingml/2006/main" xmlns:r="http://schemas.openxmlformats.org/officeDocument/2006/relationships" xmlns:p="http://schemas.openxmlformats.org/presentationml/2006/main">
-  <p:cSld>
-    <p:spTree>
-      <p:nvGrpSpPr>
-        <p:cNvPr id="1" name=""/>
-        <p:cNvGrpSpPr/>
-        <p:nvPr/>
-      </p:nvGrpSpPr>
-      <p:grpSpPr>
-        <a:xfrm>
-          <a:off x="0" y="0"/>
-          <a:ext cx="0" cy="0"/>
-          <a:chOff x="0" y="0"/>
-          <a:chExt cx="0" cy="0"/>
-        </a:xfrm>
-      </p:grpSpPr>
-      <p:sp>
-        <p:nvSpPr>
-          <p:cNvPr id="2" name="Title 1">
-            <a:extLst>
-              <a:ext uri="{FF2B5EF4-FFF2-40B4-BE49-F238E27FC236}">
-                <a16:creationId xmlns:a16="http://schemas.microsoft.com/office/drawing/2014/main" id="{2DDA2746-04A6-0D60-C336-F973B59D6504}"/>
-              </a:ext>
-            </a:extLst>
-          </p:cNvPr>
-          <p:cNvSpPr>
-            <a:spLocks noGrp="1"/>
-          </p:cNvSpPr>
-          <p:nvPr>
-            <p:ph type="title"/>
-          </p:nvPr>
-        </p:nvSpPr>
-        <p:spPr/>
-        <p:txBody>
-          <a:bodyPr/>
-          <a:lstStyle/>
-          <a:p>
-            <a:endParaRPr lang="en-US"/>
-          </a:p>
-        </p:txBody>
-      </p:sp>
-      <p:sp>
-        <p:nvSpPr>
           <p:cNvPr id="3" name="Content Placeholder 2">
             <a:extLst>
               <a:ext uri="{FF2B5EF4-FFF2-40B4-BE49-F238E27FC236}">
@@ -18914,9 +17605,6 @@
             </a:pPr>
             <a:r>
               <a:rPr lang="en-US" b="1" i="0" dirty="0">
-                <a:solidFill>
-                  <a:srgbClr val="404040"/>
-                </a:solidFill>
                 <a:effectLst/>
                 <a:latin typeface="DeepSeek-CJK-patch"/>
               </a:rPr>
@@ -18927,9 +17615,6 @@
             <a:pPr lvl="1"/>
             <a:r>
               <a:rPr lang="en-US" b="1" i="0" dirty="0">
-                <a:solidFill>
-                  <a:srgbClr val="404040"/>
-                </a:solidFill>
                 <a:effectLst/>
                 <a:latin typeface="DeepSeek-CJK-patch"/>
               </a:rPr>
@@ -18937,9 +17622,6 @@
             </a:r>
             <a:r>
               <a:rPr lang="en-US" b="0" i="0" dirty="0">
-                <a:solidFill>
-                  <a:srgbClr val="404040"/>
-                </a:solidFill>
                 <a:effectLst/>
                 <a:latin typeface="DeepSeek-CJK-patch"/>
               </a:rPr>
@@ -18954,9 +17636,6 @@
             </a:pPr>
             <a:r>
               <a:rPr lang="en-US" b="1" i="0" dirty="0">
-                <a:solidFill>
-                  <a:srgbClr val="404040"/>
-                </a:solidFill>
                 <a:effectLst/>
                 <a:latin typeface="DeepSeek-CJK-patch"/>
               </a:rPr>
@@ -18964,9 +17643,6 @@
             </a:r>
             <a:r>
               <a:rPr lang="en-US" b="0" i="0" dirty="0">
-                <a:solidFill>
-                  <a:srgbClr val="404040"/>
-                </a:solidFill>
                 <a:effectLst/>
                 <a:latin typeface="DeepSeek-CJK-patch"/>
               </a:rPr>
@@ -18974,9 +17650,6 @@
             </a:r>
             <a:r>
               <a:rPr lang="en-US" b="1" i="0" dirty="0">
-                <a:solidFill>
-                  <a:srgbClr val="404040"/>
-                </a:solidFill>
                 <a:effectLst/>
                 <a:latin typeface="DeepSeek-CJK-patch"/>
               </a:rPr>
@@ -18984,9 +17657,6 @@
             </a:r>
             <a:r>
               <a:rPr lang="en-US" b="0" i="0" dirty="0">
-                <a:solidFill>
-                  <a:srgbClr val="404040"/>
-                </a:solidFill>
                 <a:effectLst/>
                 <a:latin typeface="DeepSeek-CJK-patch"/>
               </a:rPr>
@@ -19001,9 +17671,6 @@
             </a:pPr>
             <a:r>
               <a:rPr lang="en-US" b="1" i="0" dirty="0">
-                <a:solidFill>
-                  <a:srgbClr val="404040"/>
-                </a:solidFill>
                 <a:effectLst/>
                 <a:latin typeface="DeepSeek-CJK-patch"/>
               </a:rPr>
@@ -19011,9 +17678,6 @@
             </a:r>
             <a:r>
               <a:rPr lang="en-US" b="0" i="0" dirty="0">
-                <a:solidFill>
-                  <a:srgbClr val="404040"/>
-                </a:solidFill>
                 <a:effectLst/>
                 <a:latin typeface="DeepSeek-CJK-patch"/>
               </a:rPr>
@@ -19021,9 +17685,6 @@
             </a:r>
             <a:r>
               <a:rPr lang="en-US" b="1" i="0" dirty="0">
-                <a:solidFill>
-                  <a:srgbClr val="404040"/>
-                </a:solidFill>
                 <a:effectLst/>
                 <a:latin typeface="DeepSeek-CJK-patch"/>
               </a:rPr>
@@ -19031,9 +17692,6 @@
             </a:r>
             <a:r>
               <a:rPr lang="en-US" b="1" i="0" dirty="0" err="1">
-                <a:solidFill>
-                  <a:srgbClr val="404040"/>
-                </a:solidFill>
                 <a:effectLst/>
                 <a:latin typeface="DeepSeek-CJK-patch"/>
               </a:rPr>
@@ -19041,9 +17699,6 @@
             </a:r>
             <a:r>
               <a:rPr lang="en-US" b="0" i="0" dirty="0">
-                <a:solidFill>
-                  <a:srgbClr val="404040"/>
-                </a:solidFill>
                 <a:effectLst/>
                 <a:latin typeface="DeepSeek-CJK-patch"/>
               </a:rPr>
@@ -19058,9 +17713,6 @@
               <a:buNone/>
             </a:pPr>
             <a:endParaRPr lang="en-US" dirty="0">
-              <a:solidFill>
-                <a:srgbClr val="404040"/>
-              </a:solidFill>
               <a:latin typeface="DeepSeek-CJK-patch"/>
             </a:endParaRPr>
           </a:p>
@@ -19070,9 +17722,6 @@
             </a:pPr>
             <a:r>
               <a:rPr lang="en-US" b="1" i="0" dirty="0">
-                <a:solidFill>
-                  <a:srgbClr val="404040"/>
-                </a:solidFill>
                 <a:effectLst/>
                 <a:latin typeface="DeepSeek-CJK-patch"/>
               </a:rPr>
@@ -19083,9 +17732,6 @@
             <a:pPr lvl="1"/>
             <a:r>
               <a:rPr lang="en-US" b="1" i="0" dirty="0">
-                <a:solidFill>
-                  <a:srgbClr val="404040"/>
-                </a:solidFill>
                 <a:effectLst/>
                 <a:latin typeface="DeepSeek-CJK-patch"/>
               </a:rPr>
@@ -19093,9 +17739,6 @@
             </a:r>
             <a:r>
               <a:rPr lang="en-US" b="0" i="0" dirty="0">
-                <a:solidFill>
-                  <a:srgbClr val="404040"/>
-                </a:solidFill>
                 <a:effectLst/>
                 <a:latin typeface="DeepSeek-CJK-patch"/>
               </a:rPr>
@@ -19113,18 +17756,12 @@
             </a:pPr>
             <a:r>
               <a:rPr lang="en-US" b="1" i="0" dirty="0">
-                <a:solidFill>
-                  <a:srgbClr val="404040"/>
-                </a:solidFill>
                 <a:effectLst/>
                 <a:latin typeface="DeepSeek-CJK-patch"/>
               </a:rPr>
               <a:t>Examples:</a:t>
             </a:r>
             <a:endParaRPr lang="en-US" b="0" i="0" dirty="0">
-              <a:solidFill>
-                <a:srgbClr val="404040"/>
-              </a:solidFill>
               <a:effectLst/>
               <a:latin typeface="DeepSeek-CJK-patch"/>
             </a:endParaRPr>
@@ -19137,9 +17774,6 @@
             </a:pPr>
             <a:r>
               <a:rPr lang="en-US" b="1" i="0" dirty="0">
-                <a:solidFill>
-                  <a:srgbClr val="404040"/>
-                </a:solidFill>
                 <a:effectLst/>
                 <a:latin typeface="DeepSeek-CJK-patch"/>
               </a:rPr>
@@ -19147,9 +17781,6 @@
             </a:r>
             <a:r>
               <a:rPr lang="en-US" b="0" i="0" dirty="0">
-                <a:solidFill>
-                  <a:srgbClr val="404040"/>
-                </a:solidFill>
                 <a:effectLst/>
                 <a:latin typeface="DeepSeek-CJK-patch"/>
               </a:rPr>
@@ -19164,9 +17795,6 @@
             </a:pPr>
             <a:r>
               <a:rPr lang="en-US" b="1" i="0" dirty="0">
-                <a:solidFill>
-                  <a:srgbClr val="404040"/>
-                </a:solidFill>
                 <a:effectLst/>
                 <a:latin typeface="DeepSeek-CJK-patch"/>
               </a:rPr>
@@ -19174,9 +17802,6 @@
             </a:r>
             <a:r>
               <a:rPr lang="en-US" b="0" i="0" dirty="0">
-                <a:solidFill>
-                  <a:srgbClr val="404040"/>
-                </a:solidFill>
                 <a:effectLst/>
                 <a:latin typeface="DeepSeek-CJK-patch"/>
               </a:rPr>
@@ -19191,9 +17816,6 @@
               <a:buNone/>
             </a:pPr>
             <a:endParaRPr lang="en-US" b="0" i="0" dirty="0">
-              <a:solidFill>
-                <a:srgbClr val="404040"/>
-              </a:solidFill>
               <a:effectLst/>
               <a:latin typeface="DeepSeek-CJK-patch"/>
             </a:endParaRPr>
@@ -19216,7 +17838,7 @@
 </p:sld>
 </file>
 
-<file path=ppt/slides/slide29.xml><?xml version="1.0" encoding="utf-8"?>
+<file path=ppt/slides/slide27.xml><?xml version="1.0" encoding="utf-8"?>
 <p:sld xmlns:a="http://schemas.openxmlformats.org/drawingml/2006/main" xmlns:r="http://schemas.openxmlformats.org/officeDocument/2006/relationships" xmlns:p="http://schemas.openxmlformats.org/presentationml/2006/main">
   <p:cSld>
     <p:bg>
@@ -19925,222 +18547,7 @@
 </p:sld>
 </file>
 
-<file path=ppt/slides/slide3.xml><?xml version="1.0" encoding="utf-8"?>
-<p:sld xmlns:a="http://schemas.openxmlformats.org/drawingml/2006/main" xmlns:r="http://schemas.openxmlformats.org/officeDocument/2006/relationships" xmlns:p="http://schemas.openxmlformats.org/presentationml/2006/main">
-  <p:cSld>
-    <p:spTree>
-      <p:nvGrpSpPr>
-        <p:cNvPr id="1" name=""/>
-        <p:cNvGrpSpPr/>
-        <p:nvPr/>
-      </p:nvGrpSpPr>
-      <p:grpSpPr>
-        <a:xfrm>
-          <a:off x="0" y="0"/>
-          <a:ext cx="0" cy="0"/>
-          <a:chOff x="0" y="0"/>
-          <a:chExt cx="0" cy="0"/>
-        </a:xfrm>
-      </p:grpSpPr>
-      <p:sp>
-        <p:nvSpPr>
-          <p:cNvPr id="2" name="Title 1">
-            <a:extLst>
-              <a:ext uri="{FF2B5EF4-FFF2-40B4-BE49-F238E27FC236}">
-                <a16:creationId xmlns:a16="http://schemas.microsoft.com/office/drawing/2014/main" id="{678D3178-E69D-57AE-18DB-80D35C4C1CF2}"/>
-              </a:ext>
-            </a:extLst>
-          </p:cNvPr>
-          <p:cNvSpPr>
-            <a:spLocks noGrp="1"/>
-          </p:cNvSpPr>
-          <p:nvPr>
-            <p:ph type="title"/>
-          </p:nvPr>
-        </p:nvSpPr>
-        <p:spPr/>
-        <p:txBody>
-          <a:bodyPr/>
-          <a:lstStyle/>
-          <a:p>
-            <a:r>
-              <a:rPr lang="en-US" dirty="0"/>
-              <a:t>Key Areas Covered by Cyber Law</a:t>
-            </a:r>
-          </a:p>
-        </p:txBody>
-      </p:sp>
-      <p:sp>
-        <p:nvSpPr>
-          <p:cNvPr id="3" name="Content Placeholder 2">
-            <a:extLst>
-              <a:ext uri="{FF2B5EF4-FFF2-40B4-BE49-F238E27FC236}">
-                <a16:creationId xmlns:a16="http://schemas.microsoft.com/office/drawing/2014/main" id="{B3832E31-83F3-D879-D7FC-79B878BFC86C}"/>
-              </a:ext>
-            </a:extLst>
-          </p:cNvPr>
-          <p:cNvSpPr>
-            <a:spLocks noGrp="1"/>
-          </p:cNvSpPr>
-          <p:nvPr>
-            <p:ph idx="1"/>
-          </p:nvPr>
-        </p:nvSpPr>
-        <p:spPr/>
-        <p:txBody>
-          <a:bodyPr>
-            <a:normAutofit fontScale="70000" lnSpcReduction="20000"/>
-          </a:bodyPr>
-          <a:lstStyle/>
-          <a:p>
-            <a:pPr marL="0" indent="0">
-              <a:buNone/>
-            </a:pPr>
-            <a:r>
-              <a:rPr lang="en-US" b="1" dirty="0"/>
-              <a:t>Cyber Crime:</a:t>
-            </a:r>
-            <a:r>
-              <a:rPr lang="en-US" dirty="0"/>
-              <a:t> </a:t>
-            </a:r>
-          </a:p>
-          <a:p>
-            <a:pPr lvl="1"/>
-            <a:r>
-              <a:rPr lang="en-US" dirty="0"/>
-              <a:t>Hacking, phishing, identity theft, cyberstalking, and online fraud.</a:t>
-            </a:r>
-          </a:p>
-          <a:p>
-            <a:pPr>
-              <a:buNone/>
-            </a:pPr>
-            <a:r>
-              <a:rPr lang="en-US" b="1" dirty="0"/>
-              <a:t>Data Protection &amp; Privacy</a:t>
-            </a:r>
-            <a:endParaRPr lang="en-US" dirty="0"/>
-          </a:p>
-          <a:p>
-            <a:pPr lvl="1"/>
-            <a:r>
-              <a:rPr lang="en-US" dirty="0"/>
-              <a:t>Laws that protect personal and sensitive data (e.g., GDPR, HIPAA).</a:t>
-            </a:r>
-          </a:p>
-          <a:p>
-            <a:pPr>
-              <a:buNone/>
-            </a:pPr>
-            <a:r>
-              <a:rPr lang="en-US" b="1" dirty="0"/>
-              <a:t>Intellectual Property</a:t>
-            </a:r>
-            <a:endParaRPr lang="en-US" dirty="0"/>
-          </a:p>
-          <a:p>
-            <a:pPr>
-              <a:buFont typeface="Arial" panose="020B0604020202020204" pitchFamily="34" charset="0"/>
-              <a:buChar char="•"/>
-            </a:pPr>
-            <a:r>
-              <a:rPr lang="en-US" dirty="0"/>
-              <a:t>Protecting digital content like software, music, videos, and code from theft or misuse.</a:t>
-            </a:r>
-          </a:p>
-          <a:p>
-            <a:pPr>
-              <a:buNone/>
-            </a:pPr>
-            <a:r>
-              <a:rPr lang="en-US" b="1" dirty="0"/>
-              <a:t>Electronic Transactions</a:t>
-            </a:r>
-            <a:endParaRPr lang="en-US" dirty="0"/>
-          </a:p>
-          <a:p>
-            <a:pPr>
-              <a:buFont typeface="Arial" panose="020B0604020202020204" pitchFamily="34" charset="0"/>
-              <a:buChar char="•"/>
-            </a:pPr>
-            <a:r>
-              <a:rPr lang="en-US" dirty="0"/>
-              <a:t>Legal recognition of digital contracts, e-signatures, and e-commerce rules</a:t>
-            </a:r>
-          </a:p>
-          <a:p>
-            <a:pPr>
-              <a:buNone/>
-            </a:pPr>
-            <a:r>
-              <a:rPr lang="en-US" b="1" dirty="0"/>
-              <a:t>Freedom of Speech &amp; Content Regulation</a:t>
-            </a:r>
-            <a:endParaRPr lang="en-US" dirty="0"/>
-          </a:p>
-          <a:p>
-            <a:pPr>
-              <a:buFont typeface="Arial" panose="020B0604020202020204" pitchFamily="34" charset="0"/>
-              <a:buChar char="•"/>
-            </a:pPr>
-            <a:r>
-              <a:rPr lang="en-US" dirty="0"/>
-              <a:t>Managing online expression while preventing abuse, misinformation, and hate speech.</a:t>
-            </a:r>
-          </a:p>
-          <a:p>
-            <a:pPr>
-              <a:buNone/>
-            </a:pPr>
-            <a:r>
-              <a:rPr lang="en-US" b="1" dirty="0"/>
-              <a:t>Jurisdiction and Cross-Border Issues</a:t>
-            </a:r>
-            <a:endParaRPr lang="en-US" dirty="0"/>
-          </a:p>
-          <a:p>
-            <a:pPr>
-              <a:buFont typeface="Arial" panose="020B0604020202020204" pitchFamily="34" charset="0"/>
-              <a:buChar char="•"/>
-            </a:pPr>
-            <a:r>
-              <a:rPr lang="en-US" dirty="0"/>
-              <a:t>Handling cases where the offender and victim are in different countries.</a:t>
-            </a:r>
-          </a:p>
-          <a:p>
-            <a:pPr>
-              <a:buFont typeface="Arial" panose="020B0604020202020204" pitchFamily="34" charset="0"/>
-              <a:buChar char="•"/>
-            </a:pPr>
-            <a:endParaRPr lang="en-US" dirty="0"/>
-          </a:p>
-          <a:p>
-            <a:pPr marL="0" indent="0">
-              <a:buNone/>
-            </a:pPr>
-            <a:endParaRPr lang="en-US" dirty="0"/>
-          </a:p>
-          <a:p>
-            <a:endParaRPr lang="en-US" dirty="0"/>
-          </a:p>
-        </p:txBody>
-      </p:sp>
-    </p:spTree>
-    <p:extLst>
-      <p:ext uri="{BB962C8B-B14F-4D97-AF65-F5344CB8AC3E}">
-        <p14:creationId xmlns:p14="http://schemas.microsoft.com/office/powerpoint/2010/main" val="1508559947"/>
-      </p:ext>
-    </p:extLst>
-  </p:cSld>
-  <p:clrMapOvr>
-    <a:masterClrMapping/>
-  </p:clrMapOvr>
-</p:sld>
-</file>
-
-<file path=ppt/slides/slide30.xml><?xml version="1.0" encoding="utf-8"?>
+<file path=ppt/slides/slide28.xml><?xml version="1.0" encoding="utf-8"?>
 <p:sld xmlns:a="http://schemas.openxmlformats.org/drawingml/2006/main" xmlns:r="http://schemas.openxmlformats.org/officeDocument/2006/relationships" xmlns:p="http://schemas.openxmlformats.org/presentationml/2006/main">
   <p:cSld>
     <p:spTree>
@@ -20302,7 +18709,7 @@
 </p:sld>
 </file>
 
-<file path=ppt/slides/slide31.xml><?xml version="1.0" encoding="utf-8"?>
+<file path=ppt/slides/slide29.xml><?xml version="1.0" encoding="utf-8"?>
 <p:sld xmlns:a="http://schemas.openxmlformats.org/drawingml/2006/main" xmlns:r="http://schemas.openxmlformats.org/officeDocument/2006/relationships" xmlns:p="http://schemas.openxmlformats.org/presentationml/2006/main">
   <p:cSld>
     <p:spTree>
@@ -20522,7 +18929,232 @@
 </p:sld>
 </file>
 
-<file path=ppt/slides/slide32.xml><?xml version="1.0" encoding="utf-8"?>
+<file path=ppt/slides/slide3.xml><?xml version="1.0" encoding="utf-8"?>
+<p:sld xmlns:a="http://schemas.openxmlformats.org/drawingml/2006/main" xmlns:r="http://schemas.openxmlformats.org/officeDocument/2006/relationships" xmlns:p="http://schemas.openxmlformats.org/presentationml/2006/main">
+  <p:cSld>
+    <p:spTree>
+      <p:nvGrpSpPr>
+        <p:cNvPr id="1" name=""/>
+        <p:cNvGrpSpPr/>
+        <p:nvPr/>
+      </p:nvGrpSpPr>
+      <p:grpSpPr>
+        <a:xfrm>
+          <a:off x="0" y="0"/>
+          <a:ext cx="0" cy="0"/>
+          <a:chOff x="0" y="0"/>
+          <a:chExt cx="0" cy="0"/>
+        </a:xfrm>
+      </p:grpSpPr>
+      <p:sp>
+        <p:nvSpPr>
+          <p:cNvPr id="2" name="Title 1">
+            <a:extLst>
+              <a:ext uri="{FF2B5EF4-FFF2-40B4-BE49-F238E27FC236}">
+                <a16:creationId xmlns:a16="http://schemas.microsoft.com/office/drawing/2014/main" id="{678D3178-E69D-57AE-18DB-80D35C4C1CF2}"/>
+              </a:ext>
+            </a:extLst>
+          </p:cNvPr>
+          <p:cNvSpPr>
+            <a:spLocks noGrp="1"/>
+          </p:cNvSpPr>
+          <p:nvPr>
+            <p:ph type="title"/>
+          </p:nvPr>
+        </p:nvSpPr>
+        <p:spPr>
+          <a:xfrm>
+            <a:off x="838200" y="0"/>
+            <a:ext cx="10515600" cy="1325563"/>
+          </a:xfrm>
+        </p:spPr>
+        <p:txBody>
+          <a:bodyPr/>
+          <a:lstStyle/>
+          <a:p>
+            <a:r>
+              <a:rPr lang="en-US" dirty="0"/>
+              <a:t>Key Areas Covered by Cyber Law</a:t>
+            </a:r>
+          </a:p>
+        </p:txBody>
+      </p:sp>
+      <p:sp>
+        <p:nvSpPr>
+          <p:cNvPr id="3" name="Content Placeholder 2">
+            <a:extLst>
+              <a:ext uri="{FF2B5EF4-FFF2-40B4-BE49-F238E27FC236}">
+                <a16:creationId xmlns:a16="http://schemas.microsoft.com/office/drawing/2014/main" id="{B3832E31-83F3-D879-D7FC-79B878BFC86C}"/>
+              </a:ext>
+            </a:extLst>
+          </p:cNvPr>
+          <p:cNvSpPr>
+            <a:spLocks noGrp="1"/>
+          </p:cNvSpPr>
+          <p:nvPr>
+            <p:ph idx="1"/>
+          </p:nvPr>
+        </p:nvSpPr>
+        <p:spPr>
+          <a:xfrm>
+            <a:off x="838200" y="1462069"/>
+            <a:ext cx="10515600" cy="4894664"/>
+          </a:xfrm>
+        </p:spPr>
+        <p:txBody>
+          <a:bodyPr>
+            <a:normAutofit fontScale="85000" lnSpcReduction="20000"/>
+          </a:bodyPr>
+          <a:lstStyle/>
+          <a:p>
+            <a:pPr marL="0" indent="0">
+              <a:buNone/>
+            </a:pPr>
+            <a:r>
+              <a:rPr lang="en-US" b="1" dirty="0"/>
+              <a:t>Cyber Crime:</a:t>
+            </a:r>
+            <a:r>
+              <a:rPr lang="en-US" dirty="0"/>
+              <a:t> </a:t>
+            </a:r>
+          </a:p>
+          <a:p>
+            <a:pPr lvl="1"/>
+            <a:r>
+              <a:rPr lang="en-US" dirty="0"/>
+              <a:t>Hacking, phishing, identity theft, cyberstalking, and online fraud.</a:t>
+            </a:r>
+          </a:p>
+          <a:p>
+            <a:pPr>
+              <a:buNone/>
+            </a:pPr>
+            <a:r>
+              <a:rPr lang="en-US" b="1" dirty="0"/>
+              <a:t>Data Protection &amp; Privacy</a:t>
+            </a:r>
+            <a:endParaRPr lang="en-US" dirty="0"/>
+          </a:p>
+          <a:p>
+            <a:pPr lvl="1"/>
+            <a:r>
+              <a:rPr lang="en-US" dirty="0"/>
+              <a:t>Laws that protect personal and sensitive data (e.g., GDPR, HIPAA).</a:t>
+            </a:r>
+          </a:p>
+          <a:p>
+            <a:pPr>
+              <a:buNone/>
+            </a:pPr>
+            <a:r>
+              <a:rPr lang="en-US" b="1" dirty="0"/>
+              <a:t>Intellectual Property</a:t>
+            </a:r>
+            <a:endParaRPr lang="en-US" dirty="0"/>
+          </a:p>
+          <a:p>
+            <a:pPr>
+              <a:buFont typeface="Arial" panose="020B0604020202020204" pitchFamily="34" charset="0"/>
+              <a:buChar char="•"/>
+            </a:pPr>
+            <a:r>
+              <a:rPr lang="en-US" dirty="0"/>
+              <a:t>Protecting digital content like software, music, videos, and code from theft or misuse.</a:t>
+            </a:r>
+          </a:p>
+          <a:p>
+            <a:pPr>
+              <a:buNone/>
+            </a:pPr>
+            <a:r>
+              <a:rPr lang="en-US" b="1" dirty="0"/>
+              <a:t>Electronic Transactions</a:t>
+            </a:r>
+            <a:endParaRPr lang="en-US" dirty="0"/>
+          </a:p>
+          <a:p>
+            <a:pPr>
+              <a:buFont typeface="Arial" panose="020B0604020202020204" pitchFamily="34" charset="0"/>
+              <a:buChar char="•"/>
+            </a:pPr>
+            <a:r>
+              <a:rPr lang="en-US" dirty="0"/>
+              <a:t>Legal recognition of digital contracts, e-signatures, and e-commerce rules</a:t>
+            </a:r>
+          </a:p>
+          <a:p>
+            <a:pPr>
+              <a:buNone/>
+            </a:pPr>
+            <a:r>
+              <a:rPr lang="en-US" b="1" dirty="0"/>
+              <a:t>Freedom of Speech &amp; Content Regulation</a:t>
+            </a:r>
+            <a:endParaRPr lang="en-US" dirty="0"/>
+          </a:p>
+          <a:p>
+            <a:pPr>
+              <a:buFont typeface="Arial" panose="020B0604020202020204" pitchFamily="34" charset="0"/>
+              <a:buChar char="•"/>
+            </a:pPr>
+            <a:r>
+              <a:rPr lang="en-US" dirty="0"/>
+              <a:t>Managing online expression while preventing abuse, misinformation, and hate speech.</a:t>
+            </a:r>
+          </a:p>
+          <a:p>
+            <a:pPr>
+              <a:buNone/>
+            </a:pPr>
+            <a:r>
+              <a:rPr lang="en-US" b="1" dirty="0"/>
+              <a:t>Jurisdiction and Cross-Border Issues</a:t>
+            </a:r>
+            <a:endParaRPr lang="en-US" dirty="0"/>
+          </a:p>
+          <a:p>
+            <a:pPr>
+              <a:buFont typeface="Arial" panose="020B0604020202020204" pitchFamily="34" charset="0"/>
+              <a:buChar char="•"/>
+            </a:pPr>
+            <a:r>
+              <a:rPr lang="en-US" dirty="0"/>
+              <a:t>Handling cases where the offender and victim are in different countries.</a:t>
+            </a:r>
+          </a:p>
+          <a:p>
+            <a:pPr>
+              <a:buFont typeface="Arial" panose="020B0604020202020204" pitchFamily="34" charset="0"/>
+              <a:buChar char="•"/>
+            </a:pPr>
+            <a:endParaRPr lang="en-US" dirty="0"/>
+          </a:p>
+          <a:p>
+            <a:pPr marL="0" indent="0">
+              <a:buNone/>
+            </a:pPr>
+            <a:endParaRPr lang="en-US" dirty="0"/>
+          </a:p>
+          <a:p>
+            <a:endParaRPr lang="en-US" dirty="0"/>
+          </a:p>
+        </p:txBody>
+      </p:sp>
+    </p:spTree>
+    <p:extLst>
+      <p:ext uri="{BB962C8B-B14F-4D97-AF65-F5344CB8AC3E}">
+        <p14:creationId xmlns:p14="http://schemas.microsoft.com/office/powerpoint/2010/main" val="1508559947"/>
+      </p:ext>
+    </p:extLst>
+  </p:cSld>
+  <p:clrMapOvr>
+    <a:masterClrMapping/>
+  </p:clrMapOvr>
+</p:sld>
+</file>
+
+<file path=ppt/slides/slide30.xml><?xml version="1.0" encoding="utf-8"?>
 <p:sld xmlns:a="http://schemas.openxmlformats.org/drawingml/2006/main" xmlns:r="http://schemas.openxmlformats.org/officeDocument/2006/relationships" xmlns:p="http://schemas.openxmlformats.org/presentationml/2006/main">
   <p:cSld>
     <p:spTree>
@@ -20586,7 +19218,7 @@
         <p:spPr/>
         <p:txBody>
           <a:bodyPr>
-            <a:normAutofit fontScale="92500"/>
+            <a:normAutofit lnSpcReduction="10000"/>
           </a:bodyPr>
           <a:lstStyle/>
           <a:p>
@@ -20705,7 +19337,7 @@
 </p:sld>
 </file>
 
-<file path=ppt/slides/slide33.xml><?xml version="1.0" encoding="utf-8"?>
+<file path=ppt/slides/slide31.xml><?xml version="1.0" encoding="utf-8"?>
 <p:sld xmlns:a="http://schemas.openxmlformats.org/drawingml/2006/main" xmlns:r="http://schemas.openxmlformats.org/officeDocument/2006/relationships" xmlns:p="http://schemas.openxmlformats.org/presentationml/2006/main">
   <p:cSld>
     <p:spTree>
@@ -20722,31 +19354,6 @@
           <a:chExt cx="0" cy="0"/>
         </a:xfrm>
       </p:grpSpPr>
-      <p:sp>
-        <p:nvSpPr>
-          <p:cNvPr id="2" name="Title 1">
-            <a:extLst>
-              <a:ext uri="{FF2B5EF4-FFF2-40B4-BE49-F238E27FC236}">
-                <a16:creationId xmlns:a16="http://schemas.microsoft.com/office/drawing/2014/main" id="{6FDBE0F5-871C-3CFA-0154-1C21EC618362}"/>
-              </a:ext>
-            </a:extLst>
-          </p:cNvPr>
-          <p:cNvSpPr>
-            <a:spLocks noGrp="1"/>
-          </p:cNvSpPr>
-          <p:nvPr>
-            <p:ph type="title"/>
-          </p:nvPr>
-        </p:nvSpPr>
-        <p:spPr/>
-        <p:txBody>
-          <a:bodyPr/>
-          <a:lstStyle/>
-          <a:p>
-            <a:endParaRPr lang="en-US"/>
-          </a:p>
-        </p:txBody>
-      </p:sp>
       <p:sp>
         <p:nvSpPr>
           <p:cNvPr id="3" name="Content Placeholder 2">
@@ -20766,7 +19373,7 @@
         <p:spPr/>
         <p:txBody>
           <a:bodyPr>
-            <a:normAutofit lnSpcReduction="10000"/>
+            <a:normAutofit/>
           </a:bodyPr>
           <a:lstStyle/>
           <a:p>
@@ -20885,7 +19492,7 @@
 </p:sld>
 </file>
 
-<file path=ppt/slides/slide34.xml><?xml version="1.0" encoding="utf-8"?>
+<file path=ppt/slides/slide32.xml><?xml version="1.0" encoding="utf-8"?>
 <p:sld xmlns:a="http://schemas.openxmlformats.org/drawingml/2006/main" xmlns:r="http://schemas.openxmlformats.org/officeDocument/2006/relationships" xmlns:p="http://schemas.openxmlformats.org/presentationml/2006/main">
   <p:cSld>
     <p:spTree>
@@ -20902,31 +19509,6 @@
           <a:chExt cx="0" cy="0"/>
         </a:xfrm>
       </p:grpSpPr>
-      <p:sp>
-        <p:nvSpPr>
-          <p:cNvPr id="2" name="Title 1">
-            <a:extLst>
-              <a:ext uri="{FF2B5EF4-FFF2-40B4-BE49-F238E27FC236}">
-                <a16:creationId xmlns:a16="http://schemas.microsoft.com/office/drawing/2014/main" id="{55CF729C-C203-5B6E-14E1-B70FA2567E25}"/>
-              </a:ext>
-            </a:extLst>
-          </p:cNvPr>
-          <p:cNvSpPr>
-            <a:spLocks noGrp="1"/>
-          </p:cNvSpPr>
-          <p:nvPr>
-            <p:ph type="title"/>
-          </p:nvPr>
-        </p:nvSpPr>
-        <p:spPr/>
-        <p:txBody>
-          <a:bodyPr/>
-          <a:lstStyle/>
-          <a:p>
-            <a:endParaRPr lang="en-US"/>
-          </a:p>
-        </p:txBody>
-      </p:sp>
       <p:sp>
         <p:nvSpPr>
           <p:cNvPr id="3" name="Content Placeholder 2">
@@ -21054,7 +19636,7 @@
 </p:sld>
 </file>
 
-<file path=ppt/slides/slide35.xml><?xml version="1.0" encoding="utf-8"?>
+<file path=ppt/slides/slide33.xml><?xml version="1.0" encoding="utf-8"?>
 <p:sld xmlns:a="http://schemas.openxmlformats.org/drawingml/2006/main" xmlns:r="http://schemas.openxmlformats.org/officeDocument/2006/relationships" xmlns:p="http://schemas.openxmlformats.org/presentationml/2006/main">
   <p:cSld>
     <p:bg>
@@ -21767,7 +20349,7 @@
 </p:sld>
 </file>
 
-<file path=ppt/slides/slide36.xml><?xml version="1.0" encoding="utf-8"?>
+<file path=ppt/slides/slide34.xml><?xml version="1.0" encoding="utf-8"?>
 <p:sld xmlns:a="http://schemas.openxmlformats.org/drawingml/2006/main" xmlns:r="http://schemas.openxmlformats.org/officeDocument/2006/relationships" xmlns:p="http://schemas.openxmlformats.org/presentationml/2006/main">
   <p:cSld>
     <p:spTree>
@@ -21800,7 +20382,12 @@
             <p:ph type="title"/>
           </p:nvPr>
         </p:nvSpPr>
-        <p:spPr/>
+        <p:spPr>
+          <a:xfrm>
+            <a:off x="838200" y="0"/>
+            <a:ext cx="10515600" cy="1325563"/>
+          </a:xfrm>
+        </p:spPr>
         <p:txBody>
           <a:bodyPr/>
           <a:lstStyle/>
@@ -21830,13 +20417,13 @@
         </p:nvSpPr>
         <p:spPr>
           <a:xfrm>
-            <a:off x="425003" y="1825625"/>
-            <a:ext cx="10928797" cy="4351338"/>
+            <a:off x="425003" y="1484101"/>
+            <a:ext cx="11363045" cy="5103985"/>
           </a:xfrm>
         </p:spPr>
         <p:txBody>
           <a:bodyPr>
-            <a:normAutofit fontScale="70000" lnSpcReduction="20000"/>
+            <a:normAutofit fontScale="85000" lnSpcReduction="20000"/>
           </a:bodyPr>
           <a:lstStyle/>
           <a:p>
@@ -21996,11 +20583,6 @@
               <a:rPr lang="en-US" sz="2500" dirty="0"/>
               <a:t>Child pornography</a:t>
             </a:r>
-          </a:p>
-          <a:p>
-            <a:pPr marL="0" indent="0">
-              <a:buNone/>
-            </a:pPr>
             <a:endParaRPr lang="en-US" dirty="0"/>
           </a:p>
           <a:p>
@@ -22021,7 +20603,7 @@
 </p:sld>
 </file>
 
-<file path=ppt/slides/slide37.xml><?xml version="1.0" encoding="utf-8"?>
+<file path=ppt/slides/slide35.xml><?xml version="1.0" encoding="utf-8"?>
 <p:sld xmlns:a="http://schemas.openxmlformats.org/drawingml/2006/main" xmlns:r="http://schemas.openxmlformats.org/officeDocument/2006/relationships" xmlns:p="http://schemas.openxmlformats.org/presentationml/2006/main">
   <p:cSld>
     <p:spTree>
@@ -22084,7 +20666,9 @@
         </p:nvSpPr>
         <p:spPr/>
         <p:txBody>
-          <a:bodyPr/>
+          <a:bodyPr>
+            <a:normAutofit fontScale="77500" lnSpcReduction="20000"/>
+          </a:bodyPr>
           <a:lstStyle/>
           <a:p>
             <a:pPr marL="0" marR="0">
@@ -22097,29 +20681,29 @@
               <a:buNone/>
             </a:pPr>
             <a:r>
-              <a:rPr lang="en-US" sz="1800" kern="100" dirty="0">
+              <a:rPr lang="en-US" sz="2600" kern="100" dirty="0">
                 <a:effectLst/>
-                <a:latin typeface="Aptos" panose="020B0004020202020204" pitchFamily="34" charset="0"/>
+                <a:latin typeface="Arial" panose="020B0604020202020204" pitchFamily="34" charset="0"/>
                 <a:ea typeface="Aptos" panose="020B0004020202020204" pitchFamily="34" charset="0"/>
-                <a:cs typeface="Times New Roman" panose="02020603050405020304" pitchFamily="18" charset="0"/>
+                <a:cs typeface="Arial" panose="020B0604020202020204" pitchFamily="34" charset="0"/>
               </a:rPr>
               <a:t>The internet has become a </a:t>
             </a:r>
             <a:r>
-              <a:rPr lang="en-US" sz="1800" b="1" kern="100" dirty="0">
+              <a:rPr lang="en-US" sz="2600" b="1" kern="100" dirty="0">
                 <a:effectLst/>
-                <a:latin typeface="Aptos" panose="020B0004020202020204" pitchFamily="34" charset="0"/>
+                <a:latin typeface="Arial" panose="020B0604020202020204" pitchFamily="34" charset="0"/>
                 <a:ea typeface="Aptos" panose="020B0004020202020204" pitchFamily="34" charset="0"/>
-                <a:cs typeface="Times New Roman" panose="02020603050405020304" pitchFamily="18" charset="0"/>
+                <a:cs typeface="Arial" panose="020B0604020202020204" pitchFamily="34" charset="0"/>
               </a:rPr>
               <a:t>global platform for expression</a:t>
             </a:r>
             <a:r>
-              <a:rPr lang="en-US" sz="1800" kern="100" dirty="0">
+              <a:rPr lang="en-US" sz="2600" kern="100" dirty="0">
                 <a:effectLst/>
-                <a:latin typeface="Aptos" panose="020B0004020202020204" pitchFamily="34" charset="0"/>
+                <a:latin typeface="Arial" panose="020B0604020202020204" pitchFamily="34" charset="0"/>
                 <a:ea typeface="Aptos" panose="020B0004020202020204" pitchFamily="34" charset="0"/>
-                <a:cs typeface="Times New Roman" panose="02020603050405020304" pitchFamily="18" charset="0"/>
+                <a:cs typeface="Arial" panose="020B0604020202020204" pitchFamily="34" charset="0"/>
               </a:rPr>
               <a:t> (social media, blogs, video platforms, etc.).</a:t>
             </a:r>
@@ -22135,19 +20719,19 @@
               <a:buNone/>
             </a:pPr>
             <a:r>
-              <a:rPr lang="en-US" sz="1800" b="1" kern="100" dirty="0">
+              <a:rPr lang="en-US" sz="2600" b="1" kern="100" dirty="0">
                 <a:effectLst/>
-                <a:latin typeface="Aptos" panose="020B0004020202020204" pitchFamily="34" charset="0"/>
+                <a:latin typeface="Arial" panose="020B0604020202020204" pitchFamily="34" charset="0"/>
                 <a:ea typeface="Aptos" panose="020B0004020202020204" pitchFamily="34" charset="0"/>
-                <a:cs typeface="Times New Roman" panose="02020603050405020304" pitchFamily="18" charset="0"/>
+                <a:cs typeface="Arial" panose="020B0604020202020204" pitchFamily="34" charset="0"/>
               </a:rPr>
               <a:t>Benefits:</a:t>
             </a:r>
-            <a:endParaRPr lang="en-US" sz="1800" kern="100" dirty="0">
+            <a:endParaRPr lang="en-US" sz="2600" kern="100" dirty="0">
               <a:effectLst/>
-              <a:latin typeface="Aptos" panose="020B0004020202020204" pitchFamily="34" charset="0"/>
+              <a:latin typeface="Arial" panose="020B0604020202020204" pitchFamily="34" charset="0"/>
               <a:ea typeface="Aptos" panose="020B0004020202020204" pitchFamily="34" charset="0"/>
-              <a:cs typeface="Times New Roman" panose="02020603050405020304" pitchFamily="18" charset="0"/>
+              <a:cs typeface="Arial" panose="020B0604020202020204" pitchFamily="34" charset="0"/>
             </a:endParaRPr>
           </a:p>
           <a:p>
@@ -22166,11 +20750,11 @@
               </a:tabLst>
             </a:pPr>
             <a:r>
-              <a:rPr lang="en-US" sz="1800" kern="100" dirty="0">
+              <a:rPr lang="en-US" sz="2600" kern="100" dirty="0">
                 <a:effectLst/>
-                <a:latin typeface="Aptos" panose="020B0004020202020204" pitchFamily="34" charset="0"/>
+                <a:latin typeface="Arial" panose="020B0604020202020204" pitchFamily="34" charset="0"/>
                 <a:ea typeface="Aptos" panose="020B0004020202020204" pitchFamily="34" charset="0"/>
-                <a:cs typeface="Times New Roman" panose="02020603050405020304" pitchFamily="18" charset="0"/>
+                <a:cs typeface="Arial" panose="020B0604020202020204" pitchFamily="34" charset="0"/>
               </a:rPr>
               <a:t>Broadens access to opinions and information</a:t>
             </a:r>
@@ -22191,11 +20775,11 @@
               </a:tabLst>
             </a:pPr>
             <a:r>
-              <a:rPr lang="en-US" sz="1800" kern="100" dirty="0">
+              <a:rPr lang="en-US" sz="2600" kern="100" dirty="0">
                 <a:effectLst/>
-                <a:latin typeface="Aptos" panose="020B0004020202020204" pitchFamily="34" charset="0"/>
+                <a:latin typeface="Arial" panose="020B0604020202020204" pitchFamily="34" charset="0"/>
                 <a:ea typeface="Aptos" panose="020B0004020202020204" pitchFamily="34" charset="0"/>
-                <a:cs typeface="Times New Roman" panose="02020603050405020304" pitchFamily="18" charset="0"/>
+                <a:cs typeface="Arial" panose="020B0604020202020204" pitchFamily="34" charset="0"/>
               </a:rPr>
               <a:t>Allows activism and political discourse</a:t>
             </a:r>
@@ -22211,19 +20795,19 @@
               <a:buNone/>
             </a:pPr>
             <a:r>
-              <a:rPr lang="en-US" sz="1800" b="1" kern="100" dirty="0">
+              <a:rPr lang="en-US" sz="2600" b="1" kern="100" dirty="0">
                 <a:effectLst/>
-                <a:latin typeface="Aptos" panose="020B0004020202020204" pitchFamily="34" charset="0"/>
+                <a:latin typeface="Arial" panose="020B0604020202020204" pitchFamily="34" charset="0"/>
                 <a:ea typeface="Aptos" panose="020B0004020202020204" pitchFamily="34" charset="0"/>
-                <a:cs typeface="Times New Roman" panose="02020603050405020304" pitchFamily="18" charset="0"/>
+                <a:cs typeface="Arial" panose="020B0604020202020204" pitchFamily="34" charset="0"/>
               </a:rPr>
               <a:t>Risks:</a:t>
             </a:r>
-            <a:endParaRPr lang="en-US" sz="1800" kern="100" dirty="0">
+            <a:endParaRPr lang="en-US" sz="2600" kern="100" dirty="0">
               <a:effectLst/>
-              <a:latin typeface="Aptos" panose="020B0004020202020204" pitchFamily="34" charset="0"/>
+              <a:latin typeface="Arial" panose="020B0604020202020204" pitchFamily="34" charset="0"/>
               <a:ea typeface="Aptos" panose="020B0004020202020204" pitchFamily="34" charset="0"/>
-              <a:cs typeface="Times New Roman" panose="02020603050405020304" pitchFamily="18" charset="0"/>
+              <a:cs typeface="Arial" panose="020B0604020202020204" pitchFamily="34" charset="0"/>
             </a:endParaRPr>
           </a:p>
           <a:p>
@@ -22242,11 +20826,11 @@
               </a:tabLst>
             </a:pPr>
             <a:r>
-              <a:rPr lang="en-US" sz="1800" kern="100" dirty="0">
+              <a:rPr lang="en-US" sz="2600" kern="100" dirty="0">
                 <a:effectLst/>
-                <a:latin typeface="Aptos" panose="020B0004020202020204" pitchFamily="34" charset="0"/>
+                <a:latin typeface="Arial" panose="020B0604020202020204" pitchFamily="34" charset="0"/>
                 <a:ea typeface="Aptos" panose="020B0004020202020204" pitchFamily="34" charset="0"/>
-                <a:cs typeface="Times New Roman" panose="02020603050405020304" pitchFamily="18" charset="0"/>
+                <a:cs typeface="Arial" panose="020B0604020202020204" pitchFamily="34" charset="0"/>
               </a:rPr>
               <a:t>Spread of misinformation</a:t>
             </a:r>
@@ -22267,11 +20851,11 @@
               </a:tabLst>
             </a:pPr>
             <a:r>
-              <a:rPr lang="en-US" sz="1800" kern="100" dirty="0">
+              <a:rPr lang="en-US" sz="2600" kern="100" dirty="0">
                 <a:effectLst/>
-                <a:latin typeface="Aptos" panose="020B0004020202020204" pitchFamily="34" charset="0"/>
+                <a:latin typeface="Arial" panose="020B0604020202020204" pitchFamily="34" charset="0"/>
                 <a:ea typeface="Aptos" panose="020B0004020202020204" pitchFamily="34" charset="0"/>
-                <a:cs typeface="Times New Roman" panose="02020603050405020304" pitchFamily="18" charset="0"/>
+                <a:cs typeface="Arial" panose="020B0604020202020204" pitchFamily="34" charset="0"/>
               </a:rPr>
               <a:t>Online harassment, cyberbullying</a:t>
             </a:r>
@@ -22292,27 +20876,27 @@
               </a:tabLst>
             </a:pPr>
             <a:r>
-              <a:rPr lang="en-US" sz="1800" kern="100" dirty="0" err="1">
+              <a:rPr lang="en-US" sz="2600" kern="100" dirty="0" err="1">
                 <a:effectLst/>
-                <a:latin typeface="Aptos" panose="020B0004020202020204" pitchFamily="34" charset="0"/>
+                <a:latin typeface="Arial" panose="020B0604020202020204" pitchFamily="34" charset="0"/>
                 <a:ea typeface="Aptos" panose="020B0004020202020204" pitchFamily="34" charset="0"/>
-                <a:cs typeface="Times New Roman" panose="02020603050405020304" pitchFamily="18" charset="0"/>
+                <a:cs typeface="Arial" panose="020B0604020202020204" pitchFamily="34" charset="0"/>
               </a:rPr>
               <a:t>Ra</a:t>
             </a:r>
             <a:r>
-              <a:rPr lang="en-US" sz="1800" kern="100" dirty="0" err="1">
-                <a:latin typeface="Aptos" panose="020B0004020202020204" pitchFamily="34" charset="0"/>
+              <a:rPr lang="en-US" sz="2600" kern="100" dirty="0" err="1">
+                <a:latin typeface="Arial" panose="020B0604020202020204" pitchFamily="34" charset="0"/>
                 <a:ea typeface="Aptos" panose="020B0004020202020204" pitchFamily="34" charset="0"/>
-                <a:cs typeface="Times New Roman" panose="02020603050405020304" pitchFamily="18" charset="0"/>
+                <a:cs typeface="Arial" panose="020B0604020202020204" pitchFamily="34" charset="0"/>
               </a:rPr>
               <a:t>Radicalization</a:t>
             </a:r>
             <a:r>
-              <a:rPr lang="en-US" sz="1800" kern="100" dirty="0">
-                <a:latin typeface="Aptos" panose="020B0004020202020204" pitchFamily="34" charset="0"/>
+              <a:rPr lang="en-US" sz="2600" kern="100" dirty="0">
+                <a:latin typeface="Arial" panose="020B0604020202020204" pitchFamily="34" charset="0"/>
                 <a:ea typeface="Aptos" panose="020B0004020202020204" pitchFamily="34" charset="0"/>
-                <a:cs typeface="Times New Roman" panose="02020603050405020304" pitchFamily="18" charset="0"/>
+                <a:cs typeface="Arial" panose="020B0604020202020204" pitchFamily="34" charset="0"/>
               </a:rPr>
               <a:t> and extremist propaganda</a:t>
             </a:r>
@@ -22357,7 +20941,7 @@
 </p:sld>
 </file>
 
-<file path=ppt/slides/slide38.xml><?xml version="1.0" encoding="utf-8"?>
+<file path=ppt/slides/slide36.xml><?xml version="1.0" encoding="utf-8"?>
 <p:sld xmlns:a="http://schemas.openxmlformats.org/drawingml/2006/main" xmlns:r="http://schemas.openxmlformats.org/officeDocument/2006/relationships" xmlns:p="http://schemas.openxmlformats.org/presentationml/2006/main">
   <p:cSld>
     <p:spTree>
@@ -22651,7 +21235,7 @@
 </p:sld>
 </file>
 
-<file path=ppt/slides/slide39.xml><?xml version="1.0" encoding="utf-8"?>
+<file path=ppt/slides/slide37.xml><?xml version="1.0" encoding="utf-8"?>
 <p:sld xmlns:a="http://schemas.openxmlformats.org/drawingml/2006/main" xmlns:r="http://schemas.openxmlformats.org/officeDocument/2006/relationships" xmlns:p="http://schemas.openxmlformats.org/presentationml/2006/main">
   <p:cSld>
     <p:bg>
@@ -23701,271 +22285,7 @@
 </p:sld>
 </file>
 
-<file path=ppt/slides/slide4.xml><?xml version="1.0" encoding="utf-8"?>
-<p:sld xmlns:a="http://schemas.openxmlformats.org/drawingml/2006/main" xmlns:r="http://schemas.openxmlformats.org/officeDocument/2006/relationships" xmlns:p="http://schemas.openxmlformats.org/presentationml/2006/main">
-  <p:cSld>
-    <p:bg>
-      <p:bgPr>
-        <a:solidFill>
-          <a:srgbClr val="000000"/>
-        </a:solidFill>
-        <a:effectLst/>
-      </p:bgPr>
-    </p:bg>
-    <p:spTree>
-      <p:nvGrpSpPr>
-        <p:cNvPr id="1" name=""/>
-        <p:cNvGrpSpPr/>
-        <p:nvPr/>
-      </p:nvGrpSpPr>
-      <p:grpSpPr>
-        <a:xfrm>
-          <a:off x="0" y="0"/>
-          <a:ext cx="0" cy="0"/>
-          <a:chOff x="0" y="0"/>
-          <a:chExt cx="0" cy="0"/>
-        </a:xfrm>
-      </p:grpSpPr>
-      <p:sp>
-        <p:nvSpPr>
-          <p:cNvPr id="8" name="Rectangle 7">
-            <a:extLst>
-              <a:ext uri="{FF2B5EF4-FFF2-40B4-BE49-F238E27FC236}">
-                <a16:creationId xmlns:a16="http://schemas.microsoft.com/office/drawing/2014/main" id="{71B2258F-86CA-4D4D-8270-BC05FCDEBFB3}"/>
-              </a:ext>
-              <a:ext uri="{C183D7F6-B498-43B3-948B-1728B52AA6E4}">
-                <adec:decorative xmlns:adec="http://schemas.microsoft.com/office/drawing/2017/decorative" val="1"/>
-              </a:ext>
-            </a:extLst>
-          </p:cNvPr>
-          <p:cNvSpPr>
-            <a:spLocks noGrp="1" noRot="1" noChangeAspect="1" noMove="1" noResize="1" noEditPoints="1" noAdjustHandles="1" noChangeArrowheads="1" noChangeShapeType="1" noTextEdit="1"/>
-          </p:cNvSpPr>
-          <p:nvPr>
-            <p:extLst>
-              <p:ext uri="{386F3935-93C4-4BCD-93E2-E3B085C9AB24}">
-                <p16:designElem xmlns:p16="http://schemas.microsoft.com/office/powerpoint/2015/main" val="1"/>
-              </p:ext>
-            </p:extLst>
-          </p:nvPr>
-        </p:nvSpPr>
-        <p:spPr>
-          <a:xfrm>
-            <a:off x="0" y="0"/>
-            <a:ext cx="12192000" cy="6857999"/>
-          </a:xfrm>
-          <a:prstGeom prst="rect">
-            <a:avLst/>
-          </a:prstGeom>
-          <a:solidFill>
-            <a:srgbClr val="000000"/>
-          </a:solidFill>
-          <a:ln>
-            <a:noFill/>
-          </a:ln>
-        </p:spPr>
-        <p:style>
-          <a:lnRef idx="2">
-            <a:schemeClr val="accent1">
-              <a:shade val="50000"/>
-            </a:schemeClr>
-          </a:lnRef>
-          <a:fillRef idx="1">
-            <a:schemeClr val="accent1"/>
-          </a:fillRef>
-          <a:effectRef idx="0">
-            <a:schemeClr val="accent1"/>
-          </a:effectRef>
-          <a:fontRef idx="minor">
-            <a:schemeClr val="lt1"/>
-          </a:fontRef>
-        </p:style>
-        <p:txBody>
-          <a:bodyPr rtlCol="0" anchor="ctr"/>
-          <a:lstStyle/>
-          <a:p>
-            <a:pPr algn="ctr"/>
-            <a:endParaRPr lang="en-US"/>
-          </a:p>
-        </p:txBody>
-      </p:sp>
-      <p:pic>
-        <p:nvPicPr>
-          <p:cNvPr id="4" name="Picture 3" descr="Transparent padlock">
-            <a:extLst>
-              <a:ext uri="{FF2B5EF4-FFF2-40B4-BE49-F238E27FC236}">
-                <a16:creationId xmlns:a16="http://schemas.microsoft.com/office/drawing/2014/main" id="{994F0602-A408-5F25-DD13-F7751E2289DC}"/>
-              </a:ext>
-            </a:extLst>
-          </p:cNvPr>
-          <p:cNvPicPr>
-            <a:picLocks noChangeAspect="1"/>
-          </p:cNvPicPr>
-          <p:nvPr/>
-        </p:nvPicPr>
-        <p:blipFill>
-          <a:blip r:embed="rId2">
-            <a:alphaModFix amt="50000"/>
-          </a:blip>
-          <a:srcRect t="14122"/>
-          <a:stretch/>
-        </p:blipFill>
-        <p:spPr>
-          <a:xfrm>
-            <a:off x="20" y="1"/>
-            <a:ext cx="12191980" cy="6857999"/>
-          </a:xfrm>
-          <a:prstGeom prst="rect">
-            <a:avLst/>
-          </a:prstGeom>
-        </p:spPr>
-      </p:pic>
-      <p:sp>
-        <p:nvSpPr>
-          <p:cNvPr id="2" name="Title 1">
-            <a:extLst>
-              <a:ext uri="{FF2B5EF4-FFF2-40B4-BE49-F238E27FC236}">
-                <a16:creationId xmlns:a16="http://schemas.microsoft.com/office/drawing/2014/main" id="{74880993-28B3-31BD-6B95-D1325817892F}"/>
-              </a:ext>
-            </a:extLst>
-          </p:cNvPr>
-          <p:cNvSpPr>
-            <a:spLocks noGrp="1"/>
-          </p:cNvSpPr>
-          <p:nvPr>
-            <p:ph type="title" idx="4294967295"/>
-          </p:nvPr>
-        </p:nvSpPr>
-        <p:spPr>
-          <a:xfrm>
-            <a:off x="1524000" y="1122362"/>
-            <a:ext cx="9144000" cy="2900518"/>
-          </a:xfrm>
-        </p:spPr>
-        <p:txBody>
-          <a:bodyPr vert="horz" lIns="91440" tIns="45720" rIns="91440" bIns="45720" rtlCol="0" anchor="b">
-            <a:normAutofit/>
-          </a:bodyPr>
-          <a:lstStyle/>
-          <a:p>
-            <a:pPr algn="ctr"/>
-            <a:r>
-              <a:rPr lang="en-US" sz="6000" dirty="0">
-                <a:solidFill>
-                  <a:srgbClr val="FFFFFF"/>
-                </a:solidFill>
-              </a:rPr>
-              <a:t>Data Protection and Privacy</a:t>
-            </a:r>
-          </a:p>
-        </p:txBody>
-      </p:sp>
-    </p:spTree>
-    <p:extLst>
-      <p:ext uri="{BB962C8B-B14F-4D97-AF65-F5344CB8AC3E}">
-        <p14:creationId xmlns:p14="http://schemas.microsoft.com/office/powerpoint/2010/main" val="2261891213"/>
-      </p:ext>
-    </p:extLst>
-  </p:cSld>
-  <p:clrMapOvr>
-    <a:overrideClrMapping bg1="dk1" tx1="lt1" bg2="dk2" tx2="lt2" accent1="accent1" accent2="accent2" accent3="accent3" accent4="accent4" accent5="accent5" accent6="accent6" hlink="hlink" folHlink="folHlink"/>
-  </p:clrMapOvr>
-  <p:timing>
-    <p:tnLst>
-      <p:par>
-        <p:cTn id="1" dur="indefinite" restart="never" nodeType="tmRoot">
-          <p:childTnLst>
-            <p:seq concurrent="1" nextAc="seek">
-              <p:cTn id="2" dur="indefinite" nodeType="mainSeq">
-                <p:childTnLst>
-                  <p:par>
-                    <p:cTn id="3" fill="hold">
-                      <p:stCondLst>
-                        <p:cond delay="indefinite"/>
-                        <p:cond evt="onBegin" delay="0">
-                          <p:tn val="2"/>
-                        </p:cond>
-                      </p:stCondLst>
-                      <p:childTnLst>
-                        <p:par>
-                          <p:cTn id="4" fill="hold">
-                            <p:stCondLst>
-                              <p:cond delay="0"/>
-                            </p:stCondLst>
-                            <p:childTnLst>
-                              <p:par>
-                                <p:cTn id="5" presetID="10" presetClass="entr" presetSubtype="0" fill="hold" grpId="0" nodeType="withEffect">
-                                  <p:stCondLst>
-                                    <p:cond delay="1000"/>
-                                  </p:stCondLst>
-                                  <p:iterate>
-                                    <p:tmPct val="10000"/>
-                                  </p:iterate>
-                                  <p:childTnLst>
-                                    <p:set>
-                                      <p:cBhvr>
-                                        <p:cTn id="6" dur="1" fill="hold">
-                                          <p:stCondLst>
-                                            <p:cond delay="0"/>
-                                          </p:stCondLst>
-                                        </p:cTn>
-                                        <p:tgtEl>
-                                          <p:spTgt spid="2"/>
-                                        </p:tgtEl>
-                                        <p:attrNameLst>
-                                          <p:attrName>style.visibility</p:attrName>
-                                        </p:attrNameLst>
-                                      </p:cBhvr>
-                                      <p:to>
-                                        <p:strVal val="visible"/>
-                                      </p:to>
-                                    </p:set>
-                                    <p:animEffect transition="in" filter="fade">
-                                      <p:cBhvr>
-                                        <p:cTn id="7" dur="700"/>
-                                        <p:tgtEl>
-                                          <p:spTgt spid="2"/>
-                                        </p:tgtEl>
-                                      </p:cBhvr>
-                                    </p:animEffect>
-                                  </p:childTnLst>
-                                </p:cTn>
-                              </p:par>
-                            </p:childTnLst>
-                          </p:cTn>
-                        </p:par>
-                      </p:childTnLst>
-                    </p:cTn>
-                  </p:par>
-                </p:childTnLst>
-              </p:cTn>
-              <p:prevCondLst>
-                <p:cond evt="onPrev" delay="0">
-                  <p:tgtEl>
-                    <p:sldTgt/>
-                  </p:tgtEl>
-                </p:cond>
-              </p:prevCondLst>
-              <p:nextCondLst>
-                <p:cond evt="onNext" delay="0">
-                  <p:tgtEl>
-                    <p:sldTgt/>
-                  </p:tgtEl>
-                </p:cond>
-              </p:nextCondLst>
-            </p:seq>
-          </p:childTnLst>
-        </p:cTn>
-      </p:par>
-    </p:tnLst>
-    <p:bldLst>
-      <p:bldP spid="2" grpId="0"/>
-    </p:bldLst>
-  </p:timing>
-</p:sld>
-</file>
-
-<file path=ppt/slides/slide40.xml><?xml version="1.0" encoding="utf-8"?>
+<file path=ppt/slides/slide38.xml><?xml version="1.0" encoding="utf-8"?>
 <p:sld xmlns:a="http://schemas.openxmlformats.org/drawingml/2006/main" xmlns:r="http://schemas.openxmlformats.org/officeDocument/2006/relationships" xmlns:p="http://schemas.openxmlformats.org/presentationml/2006/main">
   <p:cSld>
     <p:bg>
@@ -24943,7 +23263,7 @@
 </p:sld>
 </file>
 
-<file path=ppt/slides/slide41.xml><?xml version="1.0" encoding="utf-8"?>
+<file path=ppt/slides/slide39.xml><?xml version="1.0" encoding="utf-8"?>
 <p:sld xmlns:a="http://schemas.openxmlformats.org/drawingml/2006/main" xmlns:r="http://schemas.openxmlformats.org/officeDocument/2006/relationships" xmlns:p="http://schemas.openxmlformats.org/presentationml/2006/main">
   <p:cSld>
     <p:bg>
@@ -25997,7 +24317,551 @@
 </p:sld>
 </file>
 
-<file path=ppt/slides/slide42.xml><?xml version="1.0" encoding="utf-8"?>
+<file path=ppt/slides/slide4.xml><?xml version="1.0" encoding="utf-8"?>
+<p:sld xmlns:a="http://schemas.openxmlformats.org/drawingml/2006/main" xmlns:r="http://schemas.openxmlformats.org/officeDocument/2006/relationships" xmlns:p="http://schemas.openxmlformats.org/presentationml/2006/main">
+  <p:cSld>
+    <p:bg>
+      <p:bgPr>
+        <a:solidFill>
+          <a:schemeClr val="bg1"/>
+        </a:solidFill>
+        <a:effectLst/>
+      </p:bgPr>
+    </p:bg>
+    <p:spTree>
+      <p:nvGrpSpPr>
+        <p:cNvPr id="1" name=""/>
+        <p:cNvGrpSpPr/>
+        <p:nvPr/>
+      </p:nvGrpSpPr>
+      <p:grpSpPr>
+        <a:xfrm>
+          <a:off x="0" y="0"/>
+          <a:ext cx="0" cy="0"/>
+          <a:chOff x="0" y="0"/>
+          <a:chExt cx="0" cy="0"/>
+        </a:xfrm>
+      </p:grpSpPr>
+      <p:sp useBgFill="1">
+        <p:nvSpPr>
+          <p:cNvPr id="8" name="Rectangle 7">
+            <a:extLst>
+              <a:ext uri="{FF2B5EF4-FFF2-40B4-BE49-F238E27FC236}">
+                <a16:creationId xmlns:a16="http://schemas.microsoft.com/office/drawing/2014/main" id="{1B15ED52-F352-441B-82BF-E0EA34836D08}"/>
+              </a:ext>
+              <a:ext uri="{C183D7F6-B498-43B3-948B-1728B52AA6E4}">
+                <adec:decorative xmlns:adec="http://schemas.microsoft.com/office/drawing/2017/decorative" val="1"/>
+              </a:ext>
+            </a:extLst>
+          </p:cNvPr>
+          <p:cNvSpPr>
+            <a:spLocks noGrp="1" noRot="1" noChangeAspect="1" noMove="1" noResize="1" noEditPoints="1" noAdjustHandles="1" noChangeArrowheads="1" noChangeShapeType="1" noTextEdit="1"/>
+          </p:cNvSpPr>
+          <p:nvPr>
+            <p:extLst>
+              <p:ext uri="{386F3935-93C4-4BCD-93E2-E3B085C9AB24}">
+                <p16:designElem xmlns:p16="http://schemas.microsoft.com/office/powerpoint/2015/main" val="1"/>
+              </p:ext>
+            </p:extLst>
+          </p:nvPr>
+        </p:nvSpPr>
+        <p:spPr>
+          <a:xfrm>
+            <a:off x="0" y="0"/>
+            <a:ext cx="12192000" cy="6858000"/>
+          </a:xfrm>
+          <a:prstGeom prst="rect">
+            <a:avLst/>
+          </a:prstGeom>
+          <a:ln w="12700" cap="flat" cmpd="sng" algn="ctr">
+            <a:noFill/>
+            <a:prstDash val="solid"/>
+            <a:miter lim="800000"/>
+          </a:ln>
+          <a:effectLst/>
+          <a:extLst>
+            <a:ext uri="{91240B29-F687-4F45-9708-019B960494DF}">
+              <a14:hiddenLine xmlns:a14="http://schemas.microsoft.com/office/drawing/2010/main" w="12700" cap="flat" cmpd="sng" algn="ctr">
+                <a:solidFill>
+                  <a:schemeClr val="accent1">
+                    <a:shade val="50000"/>
+                  </a:schemeClr>
+                </a:solidFill>
+                <a:prstDash val="solid"/>
+                <a:miter lim="800000"/>
+              </a14:hiddenLine>
+            </a:ext>
+          </a:extLst>
+        </p:spPr>
+        <p:style>
+          <a:lnRef idx="2">
+            <a:schemeClr val="accent1">
+              <a:shade val="50000"/>
+            </a:schemeClr>
+          </a:lnRef>
+          <a:fillRef idx="1">
+            <a:schemeClr val="accent1"/>
+          </a:fillRef>
+          <a:effectRef idx="0">
+            <a:schemeClr val="accent1"/>
+          </a:effectRef>
+          <a:fontRef idx="minor">
+            <a:schemeClr val="lt1"/>
+          </a:fontRef>
+        </p:style>
+        <p:txBody>
+          <a:bodyPr rtlCol="0" anchor="ctr"/>
+          <a:lstStyle/>
+          <a:p>
+            <a:pPr algn="ctr"/>
+            <a:endParaRPr lang="en-US"/>
+          </a:p>
+        </p:txBody>
+      </p:sp>
+      <p:sp>
+        <p:nvSpPr>
+          <p:cNvPr id="10" name="Rectangle 9">
+            <a:extLst>
+              <a:ext uri="{FF2B5EF4-FFF2-40B4-BE49-F238E27FC236}">
+                <a16:creationId xmlns:a16="http://schemas.microsoft.com/office/drawing/2014/main" id="{3B2E3793-BFE6-45A2-9B7B-E18844431C99}"/>
+              </a:ext>
+              <a:ext uri="{C183D7F6-B498-43B3-948B-1728B52AA6E4}">
+                <adec:decorative xmlns:adec="http://schemas.microsoft.com/office/drawing/2017/decorative" val="1"/>
+              </a:ext>
+            </a:extLst>
+          </p:cNvPr>
+          <p:cNvSpPr>
+            <a:spLocks noGrp="1" noRot="1" noChangeAspect="1" noMove="1" noResize="1" noEditPoints="1" noAdjustHandles="1" noChangeArrowheads="1" noChangeShapeType="1" noTextEdit="1"/>
+          </p:cNvSpPr>
+          <p:nvPr>
+            <p:extLst>
+              <p:ext uri="{386F3935-93C4-4BCD-93E2-E3B085C9AB24}">
+                <p16:designElem xmlns:p16="http://schemas.microsoft.com/office/powerpoint/2015/main" val="1"/>
+              </p:ext>
+            </p:extLst>
+          </p:nvPr>
+        </p:nvSpPr>
+        <p:spPr>
+          <a:xfrm flipH="1">
+            <a:off x="-1" y="-1"/>
+            <a:ext cx="12191998" cy="1590742"/>
+          </a:xfrm>
+          <a:prstGeom prst="rect">
+            <a:avLst/>
+          </a:prstGeom>
+          <a:gradFill>
+            <a:gsLst>
+              <a:gs pos="0">
+                <a:srgbClr val="000000"/>
+              </a:gs>
+              <a:gs pos="100000">
+                <a:schemeClr val="accent1">
+                  <a:lumMod val="75000"/>
+                </a:schemeClr>
+              </a:gs>
+            </a:gsLst>
+            <a:lin ang="8400000" scaled="0"/>
+          </a:gradFill>
+          <a:ln>
+            <a:noFill/>
+          </a:ln>
+        </p:spPr>
+        <p:style>
+          <a:lnRef idx="2">
+            <a:schemeClr val="accent1">
+              <a:shade val="50000"/>
+            </a:schemeClr>
+          </a:lnRef>
+          <a:fillRef idx="1">
+            <a:schemeClr val="accent1"/>
+          </a:fillRef>
+          <a:effectRef idx="0">
+            <a:schemeClr val="accent1"/>
+          </a:effectRef>
+          <a:fontRef idx="minor">
+            <a:schemeClr val="lt1"/>
+          </a:fontRef>
+        </p:style>
+        <p:txBody>
+          <a:bodyPr rtlCol="0" anchor="ctr"/>
+          <a:lstStyle/>
+          <a:p>
+            <a:pPr algn="ctr"/>
+            <a:endParaRPr lang="en-US"/>
+          </a:p>
+        </p:txBody>
+      </p:sp>
+      <p:sp>
+        <p:nvSpPr>
+          <p:cNvPr id="12" name="Rectangle 11">
+            <a:extLst>
+              <a:ext uri="{FF2B5EF4-FFF2-40B4-BE49-F238E27FC236}">
+                <a16:creationId xmlns:a16="http://schemas.microsoft.com/office/drawing/2014/main" id="{BC4C4868-CB8F-4AF9-9CDB-8108F2C19B67}"/>
+              </a:ext>
+              <a:ext uri="{C183D7F6-B498-43B3-948B-1728B52AA6E4}">
+                <adec:decorative xmlns:adec="http://schemas.microsoft.com/office/drawing/2017/decorative" val="1"/>
+              </a:ext>
+            </a:extLst>
+          </p:cNvPr>
+          <p:cNvSpPr>
+            <a:spLocks noGrp="1" noRot="1" noChangeAspect="1" noMove="1" noResize="1" noEditPoints="1" noAdjustHandles="1" noChangeArrowheads="1" noChangeShapeType="1" noTextEdit="1"/>
+          </p:cNvSpPr>
+          <p:nvPr>
+            <p:extLst>
+              <p:ext uri="{386F3935-93C4-4BCD-93E2-E3B085C9AB24}">
+                <p16:designElem xmlns:p16="http://schemas.microsoft.com/office/powerpoint/2015/main" val="1"/>
+              </p:ext>
+            </p:extLst>
+          </p:nvPr>
+        </p:nvSpPr>
+        <p:spPr>
+          <a:xfrm rot="10800000" flipH="1">
+            <a:off x="-3" y="0"/>
+            <a:ext cx="8115306" cy="1590742"/>
+          </a:xfrm>
+          <a:prstGeom prst="rect">
+            <a:avLst/>
+          </a:prstGeom>
+          <a:gradFill>
+            <a:gsLst>
+              <a:gs pos="20000">
+                <a:schemeClr val="accent1">
+                  <a:alpha val="0"/>
+                </a:schemeClr>
+              </a:gs>
+              <a:gs pos="100000">
+                <a:schemeClr val="accent1">
+                  <a:lumMod val="50000"/>
+                  <a:alpha val="55000"/>
+                </a:schemeClr>
+              </a:gs>
+            </a:gsLst>
+            <a:lin ang="13800000" scaled="0"/>
+          </a:gradFill>
+          <a:ln>
+            <a:noFill/>
+          </a:ln>
+        </p:spPr>
+        <p:style>
+          <a:lnRef idx="2">
+            <a:schemeClr val="accent1">
+              <a:shade val="50000"/>
+            </a:schemeClr>
+          </a:lnRef>
+          <a:fillRef idx="1">
+            <a:schemeClr val="accent1"/>
+          </a:fillRef>
+          <a:effectRef idx="0">
+            <a:schemeClr val="accent1"/>
+          </a:effectRef>
+          <a:fontRef idx="minor">
+            <a:schemeClr val="lt1"/>
+          </a:fontRef>
+        </p:style>
+        <p:txBody>
+          <a:bodyPr rtlCol="0" anchor="ctr"/>
+          <a:lstStyle/>
+          <a:p>
+            <a:pPr algn="ctr"/>
+            <a:endParaRPr lang="en-US"/>
+          </a:p>
+        </p:txBody>
+      </p:sp>
+      <p:sp>
+        <p:nvSpPr>
+          <p:cNvPr id="14" name="Rectangle 13">
+            <a:extLst>
+              <a:ext uri="{FF2B5EF4-FFF2-40B4-BE49-F238E27FC236}">
+                <a16:creationId xmlns:a16="http://schemas.microsoft.com/office/drawing/2014/main" id="{375E0459-6403-40CD-989D-56A4407CA12E}"/>
+              </a:ext>
+              <a:ext uri="{C183D7F6-B498-43B3-948B-1728B52AA6E4}">
+                <adec:decorative xmlns:adec="http://schemas.microsoft.com/office/drawing/2017/decorative" val="1"/>
+              </a:ext>
+            </a:extLst>
+          </p:cNvPr>
+          <p:cNvSpPr>
+            <a:spLocks noGrp="1" noRot="1" noChangeAspect="1" noMove="1" noResize="1" noEditPoints="1" noAdjustHandles="1" noChangeArrowheads="1" noChangeShapeType="1" noTextEdit="1"/>
+          </p:cNvSpPr>
+          <p:nvPr>
+            <p:extLst>
+              <p:ext uri="{386F3935-93C4-4BCD-93E2-E3B085C9AB24}">
+                <p16:designElem xmlns:p16="http://schemas.microsoft.com/office/powerpoint/2015/main" val="1"/>
+              </p:ext>
+            </p:extLst>
+          </p:nvPr>
+        </p:nvSpPr>
+        <p:spPr>
+          <a:xfrm flipH="1">
+            <a:off x="8115299" y="-1"/>
+            <a:ext cx="4076698" cy="1590742"/>
+          </a:xfrm>
+          <a:prstGeom prst="rect">
+            <a:avLst/>
+          </a:prstGeom>
+          <a:gradFill>
+            <a:gsLst>
+              <a:gs pos="0">
+                <a:schemeClr val="accent1">
+                  <a:alpha val="66000"/>
+                </a:schemeClr>
+              </a:gs>
+              <a:gs pos="100000">
+                <a:srgbClr val="000000">
+                  <a:alpha val="30000"/>
+                </a:srgbClr>
+              </a:gs>
+            </a:gsLst>
+            <a:lin ang="13200000" scaled="0"/>
+          </a:gradFill>
+          <a:ln>
+            <a:noFill/>
+          </a:ln>
+        </p:spPr>
+        <p:style>
+          <a:lnRef idx="2">
+            <a:schemeClr val="accent1">
+              <a:shade val="50000"/>
+            </a:schemeClr>
+          </a:lnRef>
+          <a:fillRef idx="1">
+            <a:schemeClr val="accent1"/>
+          </a:fillRef>
+          <a:effectRef idx="0">
+            <a:schemeClr val="accent1"/>
+          </a:effectRef>
+          <a:fontRef idx="minor">
+            <a:schemeClr val="lt1"/>
+          </a:fontRef>
+        </p:style>
+        <p:txBody>
+          <a:bodyPr rtlCol="0" anchor="ctr"/>
+          <a:lstStyle/>
+          <a:p>
+            <a:pPr algn="ctr"/>
+            <a:endParaRPr lang="en-US"/>
+          </a:p>
+        </p:txBody>
+      </p:sp>
+      <p:sp>
+        <p:nvSpPr>
+          <p:cNvPr id="16" name="Rectangle 15">
+            <a:extLst>
+              <a:ext uri="{FF2B5EF4-FFF2-40B4-BE49-F238E27FC236}">
+                <a16:creationId xmlns:a16="http://schemas.microsoft.com/office/drawing/2014/main" id="{53E5B1A8-3AC9-4BD1-9BBC-78CA94F2D1BA}"/>
+              </a:ext>
+              <a:ext uri="{C183D7F6-B498-43B3-948B-1728B52AA6E4}">
+                <adec:decorative xmlns:adec="http://schemas.microsoft.com/office/drawing/2017/decorative" val="1"/>
+              </a:ext>
+            </a:extLst>
+          </p:cNvPr>
+          <p:cNvSpPr>
+            <a:spLocks noGrp="1" noRot="1" noChangeAspect="1" noMove="1" noResize="1" noEditPoints="1" noAdjustHandles="1" noChangeArrowheads="1" noChangeShapeType="1" noTextEdit="1"/>
+          </p:cNvSpPr>
+          <p:nvPr>
+            <p:extLst>
+              <p:ext uri="{386F3935-93C4-4BCD-93E2-E3B085C9AB24}">
+                <p16:designElem xmlns:p16="http://schemas.microsoft.com/office/powerpoint/2015/main" val="1"/>
+              </p:ext>
+            </p:extLst>
+          </p:nvPr>
+        </p:nvSpPr>
+        <p:spPr>
+          <a:xfrm>
+            <a:off x="459350" y="-1"/>
+            <a:ext cx="11732646" cy="1597433"/>
+          </a:xfrm>
+          <a:prstGeom prst="rect">
+            <a:avLst/>
+          </a:prstGeom>
+          <a:gradFill>
+            <a:gsLst>
+              <a:gs pos="50000">
+                <a:srgbClr val="000000">
+                  <a:alpha val="0"/>
+                </a:srgbClr>
+              </a:gs>
+              <a:gs pos="99000">
+                <a:schemeClr val="accent1">
+                  <a:lumMod val="50000"/>
+                  <a:alpha val="52000"/>
+                </a:schemeClr>
+              </a:gs>
+            </a:gsLst>
+            <a:lin ang="16800000" scaled="0"/>
+          </a:gradFill>
+          <a:ln>
+            <a:noFill/>
+          </a:ln>
+        </p:spPr>
+        <p:style>
+          <a:lnRef idx="2">
+            <a:schemeClr val="accent1">
+              <a:shade val="50000"/>
+            </a:schemeClr>
+          </a:lnRef>
+          <a:fillRef idx="1">
+            <a:schemeClr val="accent1"/>
+          </a:fillRef>
+          <a:effectRef idx="0">
+            <a:schemeClr val="accent1"/>
+          </a:effectRef>
+          <a:fontRef idx="minor">
+            <a:schemeClr val="lt1"/>
+          </a:fontRef>
+        </p:style>
+        <p:txBody>
+          <a:bodyPr rtlCol="0" anchor="ctr"/>
+          <a:lstStyle/>
+          <a:p>
+            <a:pPr algn="ctr"/>
+            <a:endParaRPr lang="en-US"/>
+          </a:p>
+        </p:txBody>
+      </p:sp>
+      <p:sp>
+        <p:nvSpPr>
+          <p:cNvPr id="3" name="Content Placeholder 2">
+            <a:extLst>
+              <a:ext uri="{FF2B5EF4-FFF2-40B4-BE49-F238E27FC236}">
+                <a16:creationId xmlns:a16="http://schemas.microsoft.com/office/drawing/2014/main" id="{2C3AC935-390B-3EB7-73E1-6E5F743C2160}"/>
+              </a:ext>
+            </a:extLst>
+          </p:cNvPr>
+          <p:cNvSpPr>
+            <a:spLocks noGrp="1"/>
+          </p:cNvSpPr>
+          <p:nvPr>
+            <p:ph idx="1"/>
+          </p:nvPr>
+        </p:nvSpPr>
+        <p:spPr>
+          <a:xfrm>
+            <a:off x="600030" y="1636485"/>
+            <a:ext cx="11033781" cy="4946106"/>
+          </a:xfrm>
+        </p:spPr>
+        <p:txBody>
+          <a:bodyPr anchor="ctr">
+            <a:noAutofit/>
+          </a:bodyPr>
+          <a:lstStyle/>
+          <a:p>
+            <a:pPr algn="just"/>
+            <a:r>
+              <a:rPr lang="en-US" sz="2500" dirty="0"/>
+              <a:t>Data protection and privacy are interconnected concepts focused on safeguarding personal and sensitive information from misuse, unauthorized access, and exploitation. </a:t>
+            </a:r>
+          </a:p>
+          <a:p>
+            <a:pPr algn="just"/>
+            <a:r>
+              <a:rPr lang="en-US" sz="2500" b="1" dirty="0"/>
+              <a:t>Data Protection:</a:t>
+            </a:r>
+          </a:p>
+          <a:p>
+            <a:pPr lvl="1" algn="just"/>
+            <a:r>
+              <a:rPr lang="en-US" sz="2500" dirty="0"/>
+              <a:t>It refers to the legal and technical measures implemented to ensure that personal and organizational data is stored, processed, and transmitted securely.</a:t>
+            </a:r>
+          </a:p>
+          <a:p>
+            <a:pPr lvl="1" algn="just"/>
+            <a:r>
+              <a:rPr lang="en-US" sz="2500" dirty="0"/>
+              <a:t>It focuses on preventing unauthorized access, data breaches, and cyberattacks.</a:t>
+            </a:r>
+          </a:p>
+          <a:p>
+            <a:pPr lvl="1" algn="just"/>
+            <a:r>
+              <a:rPr lang="en-US" sz="2500" dirty="0"/>
+              <a:t>Examples include encryption, firewalls, backups, and secure storage systems.</a:t>
+            </a:r>
+          </a:p>
+          <a:p>
+            <a:pPr lvl="1" algn="just"/>
+            <a:r>
+              <a:rPr lang="en-US" sz="2500" dirty="0"/>
+              <a:t>It often governed by regulations like GDPR (General Data Protection Regulation) or CCPA (California Consumer Privacy Act).</a:t>
+            </a:r>
+          </a:p>
+        </p:txBody>
+      </p:sp>
+      <p:sp>
+        <p:nvSpPr>
+          <p:cNvPr id="9" name="Title 1">
+            <a:extLst>
+              <a:ext uri="{FF2B5EF4-FFF2-40B4-BE49-F238E27FC236}">
+                <a16:creationId xmlns:a16="http://schemas.microsoft.com/office/drawing/2014/main" id="{DC7FD09D-75E3-4822-980B-8C7996988715}"/>
+              </a:ext>
+            </a:extLst>
+          </p:cNvPr>
+          <p:cNvSpPr txBox="1">
+            <a:spLocks/>
+          </p:cNvSpPr>
+          <p:nvPr/>
+        </p:nvSpPr>
+        <p:spPr>
+          <a:xfrm>
+            <a:off x="549876" y="275409"/>
+            <a:ext cx="9895951" cy="1033669"/>
+          </a:xfrm>
+          <a:prstGeom prst="rect">
+            <a:avLst/>
+          </a:prstGeom>
+        </p:spPr>
+        <p:txBody>
+          <a:bodyPr vert="horz" lIns="91440" tIns="45720" rIns="91440" bIns="45720" rtlCol="0" anchor="ctr">
+            <a:normAutofit/>
+          </a:bodyPr>
+          <a:lstStyle>
+            <a:lvl1pPr algn="l" defTabSz="914400" rtl="0" eaLnBrk="1" latinLnBrk="0" hangingPunct="1">
+              <a:lnSpc>
+                <a:spcPct val="90000"/>
+              </a:lnSpc>
+              <a:spcBef>
+                <a:spcPct val="0"/>
+              </a:spcBef>
+              <a:buNone/>
+              <a:defRPr sz="4400" kern="1200">
+                <a:solidFill>
+                  <a:schemeClr val="tx1"/>
+                </a:solidFill>
+                <a:latin typeface="+mj-lt"/>
+                <a:ea typeface="+mj-ea"/>
+                <a:cs typeface="+mj-cs"/>
+              </a:defRPr>
+            </a:lvl1pPr>
+          </a:lstStyle>
+          <a:p>
+            <a:pPr algn="ctr"/>
+            <a:r>
+              <a:rPr lang="en-US" sz="4000" dirty="0">
+                <a:solidFill>
+                  <a:srgbClr val="FFFFFF"/>
+                </a:solidFill>
+              </a:rPr>
+              <a:t>Data Protection and Privacy</a:t>
+            </a:r>
+          </a:p>
+        </p:txBody>
+      </p:sp>
+    </p:spTree>
+    <p:extLst>
+      <p:ext uri="{BB962C8B-B14F-4D97-AF65-F5344CB8AC3E}">
+        <p14:creationId xmlns:p14="http://schemas.microsoft.com/office/powerpoint/2010/main" val="1672736282"/>
+      </p:ext>
+    </p:extLst>
+  </p:cSld>
+  <p:clrMapOvr>
+    <a:masterClrMapping/>
+  </p:clrMapOvr>
+</p:sld>
+</file>
+
+<file path=ppt/slides/slide40.xml><?xml version="1.0" encoding="utf-8"?>
 <p:sld xmlns:a="http://schemas.openxmlformats.org/drawingml/2006/main" xmlns:r="http://schemas.openxmlformats.org/officeDocument/2006/relationships" xmlns:p="http://schemas.openxmlformats.org/presentationml/2006/main">
   <p:cSld>
     <p:bg>
@@ -26652,7 +25516,7 @@
 </p:sld>
 </file>
 
-<file path=ppt/slides/slide43.xml><?xml version="1.0" encoding="utf-8"?>
+<file path=ppt/slides/slide41.xml><?xml version="1.0" encoding="utf-8"?>
 <p:sld xmlns:a="http://schemas.openxmlformats.org/drawingml/2006/main" xmlns:r="http://schemas.openxmlformats.org/officeDocument/2006/relationships" xmlns:p="http://schemas.openxmlformats.org/presentationml/2006/main">
   <p:cSld>
     <p:bg>
@@ -27942,7 +26806,7 @@
 </p:sld>
 </file>
 
-<file path=ppt/slides/slide44.xml><?xml version="1.0" encoding="utf-8"?>
+<file path=ppt/slides/slide42.xml><?xml version="1.0" encoding="utf-8"?>
 <p:sld xmlns:a="http://schemas.openxmlformats.org/drawingml/2006/main" xmlns:r="http://schemas.openxmlformats.org/officeDocument/2006/relationships" xmlns:p="http://schemas.openxmlformats.org/presentationml/2006/main">
   <p:cSld>
     <p:spTree>
@@ -28128,7 +26992,7 @@
 </p:sld>
 </file>
 
-<file path=ppt/slides/slide45.xml><?xml version="1.0" encoding="utf-8"?>
+<file path=ppt/slides/slide43.xml><?xml version="1.0" encoding="utf-8"?>
 <p:sld xmlns:a="http://schemas.openxmlformats.org/drawingml/2006/main" xmlns:r="http://schemas.openxmlformats.org/officeDocument/2006/relationships" xmlns:p="http://schemas.openxmlformats.org/presentationml/2006/main">
   <p:cSld>
     <p:spTree>
@@ -28306,7 +27170,7 @@
 </p:sld>
 </file>
 
-<file path=ppt/slides/slide46.xml><?xml version="1.0" encoding="utf-8"?>
+<file path=ppt/slides/slide44.xml><?xml version="1.0" encoding="utf-8"?>
 <p:sld xmlns:a="http://schemas.openxmlformats.org/drawingml/2006/main" xmlns:r="http://schemas.openxmlformats.org/officeDocument/2006/relationships" xmlns:p="http://schemas.openxmlformats.org/presentationml/2006/main">
   <p:cSld>
     <p:bg>
@@ -28688,28 +27552,28 @@
             <p:ph idx="1"/>
             <p:extLst>
               <p:ext uri="{D42A27DB-BD31-4B8C-83A1-F6EECF244321}">
-                <p14:modId xmlns:p14="http://schemas.microsoft.com/office/powerpoint/2010/main" val="945360170"/>
+                <p14:modId xmlns:p14="http://schemas.microsoft.com/office/powerpoint/2010/main" val="180280032"/>
               </p:ext>
             </p:extLst>
           </p:nvPr>
         </p:nvGraphicFramePr>
         <p:xfrm>
-          <a:off x="644056" y="2130724"/>
-          <a:ext cx="10927830" cy="4156518"/>
+          <a:off x="616946" y="2192357"/>
+          <a:ext cx="10954940" cy="4144080"/>
         </p:xfrm>
         <a:graphic>
           <a:graphicData uri="http://schemas.openxmlformats.org/drawingml/2006/table">
             <a:tbl>
               <a:tblPr/>
               <a:tblGrid>
-                <a:gridCol w="5158289">
+                <a:gridCol w="4660134">
                   <a:extLst>
                     <a:ext uri="{9D8B030D-6E8A-4147-A177-3AD203B41FA5}">
                       <a16:colId xmlns:a16="http://schemas.microsoft.com/office/drawing/2014/main" val="1161643269"/>
                     </a:ext>
                   </a:extLst>
                 </a:gridCol>
-                <a:gridCol w="5769541">
+                <a:gridCol w="6294806">
                   <a:extLst>
                     <a:ext uri="{9D8B030D-6E8A-4147-A177-3AD203B41FA5}">
                       <a16:colId xmlns:a16="http://schemas.microsoft.com/office/drawing/2014/main" val="2623840540"/>
@@ -28717,14 +27581,14 @@
                   </a:extLst>
                 </a:gridCol>
               </a:tblGrid>
-              <a:tr h="537902">
+              <a:tr h="529926">
                 <a:tc>
                   <a:txBody>
                     <a:bodyPr/>
                     <a:lstStyle/>
                     <a:p>
                       <a:r>
-                        <a:rPr lang="en-US" sz="2400" b="1" dirty="0"/>
+                        <a:rPr lang="en-US" sz="3200" b="1" dirty="0"/>
                         <a:t>Challenge</a:t>
                       </a:r>
                     </a:p>
@@ -28751,7 +27615,7 @@
                     <a:lstStyle/>
                     <a:p>
                       <a:r>
-                        <a:rPr lang="en-US" sz="2400" b="1" dirty="0"/>
+                        <a:rPr lang="en-US" sz="3200" b="1" dirty="0"/>
                         <a:t>Explanation</a:t>
                       </a:r>
                     </a:p>
@@ -28778,17 +27642,17 @@
                   </a:ext>
                 </a:extLst>
               </a:tr>
-              <a:tr h="904654">
+              <a:tr h="891240">
                 <a:tc>
                   <a:txBody>
                     <a:bodyPr/>
                     <a:lstStyle/>
                     <a:p>
                       <a:r>
-                        <a:rPr lang="en-US" b="1"/>
+                        <a:rPr lang="en-US" sz="2400" b="1" dirty="0"/>
                         <a:t>Anonymity</a:t>
                       </a:r>
-                      <a:endParaRPr lang="en-US"/>
+                      <a:endParaRPr lang="en-US" sz="2400" dirty="0"/>
                     </a:p>
                   </a:txBody>
                   <a:tcPr anchor="ctr">
@@ -28813,7 +27677,7 @@
                     <a:lstStyle/>
                     <a:p>
                       <a:r>
-                        <a:rPr lang="en-US"/>
+                        <a:rPr lang="en-US" sz="2400"/>
                         <a:t>Cybercriminals can mask their identity and location.</a:t>
                       </a:r>
                     </a:p>
@@ -28840,17 +27704,17 @@
                   </a:ext>
                 </a:extLst>
               </a:tr>
-              <a:tr h="904654">
+              <a:tr h="891240">
                 <a:tc>
                   <a:txBody>
                     <a:bodyPr/>
                     <a:lstStyle/>
                     <a:p>
                       <a:r>
-                        <a:rPr lang="en-US" b="1"/>
+                        <a:rPr lang="en-US" sz="2400" b="1" dirty="0"/>
                         <a:t>Borderless nature of the Internet</a:t>
                       </a:r>
-                      <a:endParaRPr lang="en-US"/>
+                      <a:endParaRPr lang="en-US" sz="2400" dirty="0"/>
                     </a:p>
                   </a:txBody>
                   <a:tcPr anchor="ctr">
@@ -28875,7 +27739,7 @@
                     <a:lstStyle/>
                     <a:p>
                       <a:r>
-                        <a:rPr lang="en-US"/>
+                        <a:rPr lang="en-US" sz="2400"/>
                         <a:t>Activities occur simultaneously in multiple jurisdictions.</a:t>
                       </a:r>
                     </a:p>
@@ -28902,17 +27766,17 @@
                   </a:ext>
                 </a:extLst>
               </a:tr>
-              <a:tr h="904654">
+              <a:tr h="891240">
                 <a:tc>
                   <a:txBody>
                     <a:bodyPr/>
                     <a:lstStyle/>
                     <a:p>
                       <a:r>
-                        <a:rPr lang="en-US" b="1" dirty="0"/>
+                        <a:rPr lang="en-US" sz="2400" b="1" dirty="0"/>
                         <a:t>Data localization</a:t>
                       </a:r>
-                      <a:endParaRPr lang="en-US" dirty="0"/>
+                      <a:endParaRPr lang="en-US" sz="2400" dirty="0"/>
                     </a:p>
                   </a:txBody>
                   <a:tcPr anchor="ctr">
@@ -28937,7 +27801,7 @@
                     <a:lstStyle/>
                     <a:p>
                       <a:r>
-                        <a:rPr lang="en-US"/>
+                        <a:rPr lang="en-US" sz="2400"/>
                         <a:t>Cloud services store data in global data centers.</a:t>
                       </a:r>
                     </a:p>
@@ -28964,17 +27828,17 @@
                   </a:ext>
                 </a:extLst>
               </a:tr>
-              <a:tr h="904654">
+              <a:tr h="891240">
                 <a:tc>
                   <a:txBody>
                     <a:bodyPr/>
                     <a:lstStyle/>
                     <a:p>
                       <a:r>
-                        <a:rPr lang="en-US" b="1"/>
+                        <a:rPr lang="en-US" sz="2400" b="1"/>
                         <a:t>Conflict of laws</a:t>
                       </a:r>
-                      <a:endParaRPr lang="en-US"/>
+                      <a:endParaRPr lang="en-US" sz="2400"/>
                     </a:p>
                   </a:txBody>
                   <a:tcPr anchor="ctr">
@@ -28999,7 +27863,7 @@
                     <a:lstStyle/>
                     <a:p>
                       <a:r>
-                        <a:rPr lang="en-US" dirty="0"/>
+                        <a:rPr lang="en-US" sz="2400" dirty="0"/>
                         <a:t>Different countries may have contradictory cyber laws.</a:t>
                       </a:r>
                     </a:p>
@@ -29043,7 +27907,7 @@
 </p:sld>
 </file>
 
-<file path=ppt/slides/slide47.xml><?xml version="1.0" encoding="utf-8"?>
+<file path=ppt/slides/slide45.xml><?xml version="1.0" encoding="utf-8"?>
 <p:sld xmlns:a="http://schemas.openxmlformats.org/drawingml/2006/main" xmlns:r="http://schemas.openxmlformats.org/officeDocument/2006/relationships" xmlns:p="http://schemas.openxmlformats.org/presentationml/2006/main">
   <p:cSld>
     <p:spTree>
@@ -29107,7 +27971,7 @@
         <p:spPr/>
         <p:txBody>
           <a:bodyPr>
-            <a:normAutofit fontScale="85000" lnSpcReduction="10000"/>
+            <a:normAutofit fontScale="92500" lnSpcReduction="20000"/>
           </a:bodyPr>
           <a:lstStyle/>
           <a:p>
@@ -29236,7 +28100,7 @@
 </p:sld>
 </file>
 
-<file path=ppt/slides/slide48.xml><?xml version="1.0" encoding="utf-8"?>
+<file path=ppt/slides/slide46.xml><?xml version="1.0" encoding="utf-8"?>
 <p:sld xmlns:a="http://schemas.openxmlformats.org/drawingml/2006/main" xmlns:r="http://schemas.openxmlformats.org/officeDocument/2006/relationships" xmlns:p="http://schemas.openxmlformats.org/presentationml/2006/main">
   <p:cSld>
     <p:spTree>
@@ -29253,31 +28117,6 @@
           <a:chExt cx="0" cy="0"/>
         </a:xfrm>
       </p:grpSpPr>
-      <p:sp>
-        <p:nvSpPr>
-          <p:cNvPr id="2" name="Title 1">
-            <a:extLst>
-              <a:ext uri="{FF2B5EF4-FFF2-40B4-BE49-F238E27FC236}">
-                <a16:creationId xmlns:a16="http://schemas.microsoft.com/office/drawing/2014/main" id="{811BF70A-CE59-D4EF-0A9D-BB7CCC138C3C}"/>
-              </a:ext>
-            </a:extLst>
-          </p:cNvPr>
-          <p:cNvSpPr>
-            <a:spLocks noGrp="1"/>
-          </p:cNvSpPr>
-          <p:nvPr>
-            <p:ph type="title"/>
-          </p:nvPr>
-        </p:nvSpPr>
-        <p:spPr/>
-        <p:txBody>
-          <a:bodyPr/>
-          <a:lstStyle/>
-          <a:p>
-            <a:endParaRPr lang="en-US"/>
-          </a:p>
-        </p:txBody>
-      </p:sp>
       <p:sp>
         <p:nvSpPr>
           <p:cNvPr id="3" name="Content Placeholder 2">
@@ -29351,7 +28190,7 @@
 </p:sld>
 </file>
 
-<file path=ppt/slides/slide49.xml><?xml version="1.0" encoding="utf-8"?>
+<file path=ppt/slides/slide47.xml><?xml version="1.0" encoding="utf-8"?>
 <p:sld xmlns:a="http://schemas.openxmlformats.org/drawingml/2006/main" xmlns:r="http://schemas.openxmlformats.org/officeDocument/2006/relationships" xmlns:p="http://schemas.openxmlformats.org/presentationml/2006/main">
   <p:cSld>
     <p:spTree>
@@ -29420,12 +28259,8 @@
           <a:lstStyle/>
           <a:p>
             <a:r>
-              <a:rPr lang="en-US"/>
-              <a:t>Cross-border </a:t>
-            </a:r>
-            <a:r>
               <a:rPr lang="en-US" dirty="0"/>
-              <a:t>enforcement issues refer to the legal and practical difficulties that arise when a cybercrime or digital dispute involves more than one country — making it hard to investigate, prosecute, or enforce laws across national boundaries</a:t>
+              <a:t>Cross-border enforcement issues refer to the legal and practical difficulties that arise when a cybercrime or digital dispute involves more than one country — making it hard to investigate, prosecute, or enforce laws across national boundaries</a:t>
             </a:r>
           </a:p>
           <a:p>
@@ -29531,6 +28366,944 @@
     <p:extLst>
       <p:ext uri="{BB962C8B-B14F-4D97-AF65-F5344CB8AC3E}">
         <p14:creationId xmlns:p14="http://schemas.microsoft.com/office/powerpoint/2010/main" val="2618137939"/>
+      </p:ext>
+    </p:extLst>
+  </p:cSld>
+  <p:clrMapOvr>
+    <a:masterClrMapping/>
+  </p:clrMapOvr>
+</p:sld>
+</file>
+
+<file path=ppt/slides/slide48.xml><?xml version="1.0" encoding="utf-8"?>
+<p:sld xmlns:a="http://schemas.openxmlformats.org/drawingml/2006/main" xmlns:r="http://schemas.openxmlformats.org/officeDocument/2006/relationships" xmlns:p="http://schemas.openxmlformats.org/presentationml/2006/main">
+  <p:cSld>
+    <p:bg>
+      <p:bgPr>
+        <a:solidFill>
+          <a:schemeClr val="bg1"/>
+        </a:solidFill>
+        <a:effectLst/>
+      </p:bgPr>
+    </p:bg>
+    <p:spTree>
+      <p:nvGrpSpPr>
+        <p:cNvPr id="1" name=""/>
+        <p:cNvGrpSpPr/>
+        <p:nvPr/>
+      </p:nvGrpSpPr>
+      <p:grpSpPr>
+        <a:xfrm>
+          <a:off x="0" y="0"/>
+          <a:ext cx="0" cy="0"/>
+          <a:chOff x="0" y="0"/>
+          <a:chExt cx="0" cy="0"/>
+        </a:xfrm>
+      </p:grpSpPr>
+      <p:sp>
+        <p:nvSpPr>
+          <p:cNvPr id="2" name="Title 1">
+            <a:extLst>
+              <a:ext uri="{FF2B5EF4-FFF2-40B4-BE49-F238E27FC236}">
+                <a16:creationId xmlns:a16="http://schemas.microsoft.com/office/drawing/2014/main" id="{E0CE9990-6A35-1C3F-0FD0-8A4C751E28A3}"/>
+              </a:ext>
+            </a:extLst>
+          </p:cNvPr>
+          <p:cNvSpPr>
+            <a:spLocks noGrp="1"/>
+          </p:cNvSpPr>
+          <p:nvPr>
+            <p:ph type="title"/>
+          </p:nvPr>
+        </p:nvSpPr>
+        <p:spPr>
+          <a:xfrm>
+            <a:off x="1378743" y="731731"/>
+            <a:ext cx="9444037" cy="954194"/>
+          </a:xfrm>
+        </p:spPr>
+        <p:txBody>
+          <a:bodyPr anchor="t">
+            <a:normAutofit/>
+          </a:bodyPr>
+          <a:lstStyle/>
+          <a:p>
+            <a:pPr algn="ctr"/>
+            <a:r>
+              <a:rPr lang="en-US" sz="3200"/>
+              <a:t>Example of Cross-Border Enforcement Challeneges</a:t>
+            </a:r>
+          </a:p>
+        </p:txBody>
+      </p:sp>
+      <p:graphicFrame>
+        <p:nvGraphicFramePr>
+          <p:cNvPr id="4" name="Content Placeholder 3">
+            <a:extLst>
+              <a:ext uri="{FF2B5EF4-FFF2-40B4-BE49-F238E27FC236}">
+                <a16:creationId xmlns:a16="http://schemas.microsoft.com/office/drawing/2014/main" id="{72304921-153A-CBDB-A549-4DFFBA0C8802}"/>
+              </a:ext>
+            </a:extLst>
+          </p:cNvPr>
+          <p:cNvGraphicFramePr>
+            <a:graphicFrameLocks noGrp="1"/>
+          </p:cNvGraphicFramePr>
+          <p:nvPr>
+            <p:ph idx="1"/>
+            <p:extLst>
+              <p:ext uri="{D42A27DB-BD31-4B8C-83A1-F6EECF244321}">
+                <p14:modId xmlns:p14="http://schemas.microsoft.com/office/powerpoint/2010/main" val="2330449674"/>
+              </p:ext>
+            </p:extLst>
+          </p:nvPr>
+        </p:nvGraphicFramePr>
+        <p:xfrm>
+          <a:off x="1035584" y="1685925"/>
+          <a:ext cx="9683359" cy="4694868"/>
+        </p:xfrm>
+        <a:graphic>
+          <a:graphicData uri="http://schemas.openxmlformats.org/drawingml/2006/table">
+            <a:tbl>
+              <a:tblPr>
+                <a:noFill/>
+              </a:tblPr>
+              <a:tblGrid>
+                <a:gridCol w="3316530">
+                  <a:extLst>
+                    <a:ext uri="{9D8B030D-6E8A-4147-A177-3AD203B41FA5}">
+                      <a16:colId xmlns:a16="http://schemas.microsoft.com/office/drawing/2014/main" val="1688391006"/>
+                    </a:ext>
+                  </a:extLst>
+                </a:gridCol>
+                <a:gridCol w="6366829">
+                  <a:extLst>
+                    <a:ext uri="{9D8B030D-6E8A-4147-A177-3AD203B41FA5}">
+                      <a16:colId xmlns:a16="http://schemas.microsoft.com/office/drawing/2014/main" val="340464295"/>
+                    </a:ext>
+                  </a:extLst>
+                </a:gridCol>
+              </a:tblGrid>
+              <a:tr h="562930">
+                <a:tc>
+                  <a:txBody>
+                    <a:bodyPr/>
+                    <a:lstStyle/>
+                    <a:p>
+                      <a:r>
+                        <a:rPr lang="en-US" sz="2800" b="1" dirty="0">
+                          <a:solidFill>
+                            <a:schemeClr val="tx1">
+                              <a:lumMod val="85000"/>
+                              <a:lumOff val="15000"/>
+                            </a:schemeClr>
+                          </a:solidFill>
+                        </a:rPr>
+                        <a:t>Problem</a:t>
+                      </a:r>
+                    </a:p>
+                  </a:txBody>
+                  <a:tcPr marL="169465" marR="101679" marT="101679" marB="101679" anchor="ctr">
+                    <a:lnL w="12700" cmpd="sng">
+                      <a:noFill/>
+                      <a:prstDash val="solid"/>
+                    </a:lnL>
+                    <a:lnR w="38100" cap="flat" cmpd="sng" algn="ctr">
+                      <a:solidFill>
+                        <a:srgbClr val="FFFFFF"/>
+                      </a:solidFill>
+                      <a:prstDash val="solid"/>
+                    </a:lnR>
+                    <a:lnT w="12700" cmpd="sng">
+                      <a:noFill/>
+                      <a:prstDash val="solid"/>
+                    </a:lnT>
+                    <a:lnB w="38100" cap="flat" cmpd="sng" algn="ctr">
+                      <a:solidFill>
+                        <a:srgbClr val="FFFFFF"/>
+                      </a:solidFill>
+                      <a:prstDash val="solid"/>
+                    </a:lnB>
+                    <a:solidFill>
+                      <a:srgbClr val="878E8B">
+                        <a:alpha val="30196"/>
+                      </a:srgbClr>
+                    </a:solidFill>
+                  </a:tcPr>
+                </a:tc>
+                <a:tc>
+                  <a:txBody>
+                    <a:bodyPr/>
+                    <a:lstStyle/>
+                    <a:p>
+                      <a:r>
+                        <a:rPr lang="en-US" sz="2800" b="1" dirty="0">
+                          <a:solidFill>
+                            <a:schemeClr val="tx1">
+                              <a:lumMod val="85000"/>
+                              <a:lumOff val="15000"/>
+                            </a:schemeClr>
+                          </a:solidFill>
+                        </a:rPr>
+                        <a:t>Explanation</a:t>
+                      </a:r>
+                    </a:p>
+                  </a:txBody>
+                  <a:tcPr marL="169465" marR="101679" marT="101679" marB="101679" anchor="ctr">
+                    <a:lnL w="38100" cap="flat" cmpd="sng" algn="ctr">
+                      <a:solidFill>
+                        <a:srgbClr val="FFFFFF"/>
+                      </a:solidFill>
+                      <a:prstDash val="solid"/>
+                    </a:lnL>
+                    <a:lnR w="12700" cmpd="sng">
+                      <a:noFill/>
+                      <a:prstDash val="solid"/>
+                    </a:lnR>
+                    <a:lnT w="12700" cmpd="sng">
+                      <a:noFill/>
+                      <a:prstDash val="solid"/>
+                    </a:lnT>
+                    <a:lnB w="38100" cap="flat" cmpd="sng" algn="ctr">
+                      <a:solidFill>
+                        <a:srgbClr val="FFFFFF"/>
+                      </a:solidFill>
+                      <a:prstDash val="solid"/>
+                    </a:lnB>
+                    <a:solidFill>
+                      <a:srgbClr val="878E8B">
+                        <a:alpha val="30196"/>
+                      </a:srgbClr>
+                    </a:solidFill>
+                  </a:tcPr>
+                </a:tc>
+                <a:extLst>
+                  <a:ext uri="{0D108BD9-81ED-4DB2-BD59-A6C34878D82A}">
+                    <a16:rowId xmlns:a16="http://schemas.microsoft.com/office/drawing/2014/main" val="2255305614"/>
+                  </a:ext>
+                </a:extLst>
+              </a:tr>
+              <a:tr h="472484">
+                <a:tc>
+                  <a:txBody>
+                    <a:bodyPr/>
+                    <a:lstStyle/>
+                    <a:p>
+                      <a:r>
+                        <a:rPr lang="en-US" sz="2000" b="1" dirty="0">
+                          <a:solidFill>
+                            <a:schemeClr val="tx1">
+                              <a:lumMod val="85000"/>
+                              <a:lumOff val="15000"/>
+                            </a:schemeClr>
+                          </a:solidFill>
+                        </a:rPr>
+                        <a:t>Jurisdiction Conflict</a:t>
+                      </a:r>
+                      <a:endParaRPr lang="en-US" sz="2000" dirty="0">
+                        <a:solidFill>
+                          <a:schemeClr val="tx1">
+                            <a:lumMod val="85000"/>
+                            <a:lumOff val="15000"/>
+                          </a:schemeClr>
+                        </a:solidFill>
+                      </a:endParaRPr>
+                    </a:p>
+                  </a:txBody>
+                  <a:tcPr marL="169465" marR="101679" marT="101679" marB="101679" anchor="ctr">
+                    <a:lnL w="12700" cmpd="sng">
+                      <a:noFill/>
+                      <a:prstDash val="solid"/>
+                    </a:lnL>
+                    <a:lnR w="38100" cap="flat" cmpd="sng" algn="ctr">
+                      <a:solidFill>
+                        <a:srgbClr val="FFFFFF"/>
+                      </a:solidFill>
+                      <a:prstDash val="solid"/>
+                    </a:lnR>
+                    <a:lnT w="38100" cap="flat" cmpd="sng" algn="ctr">
+                      <a:solidFill>
+                        <a:srgbClr val="FFFFFF"/>
+                      </a:solidFill>
+                      <a:prstDash val="solid"/>
+                    </a:lnT>
+                    <a:lnB w="38100" cap="flat" cmpd="sng" algn="ctr">
+                      <a:solidFill>
+                        <a:srgbClr val="FFFFFF"/>
+                      </a:solidFill>
+                      <a:prstDash val="solid"/>
+                    </a:lnB>
+                    <a:solidFill>
+                      <a:srgbClr val="878E8B">
+                        <a:alpha val="30196"/>
+                      </a:srgbClr>
+                    </a:solidFill>
+                  </a:tcPr>
+                </a:tc>
+                <a:tc>
+                  <a:txBody>
+                    <a:bodyPr/>
+                    <a:lstStyle/>
+                    <a:p>
+                      <a:r>
+                        <a:rPr lang="en-US" sz="2000">
+                          <a:solidFill>
+                            <a:schemeClr val="tx1">
+                              <a:lumMod val="85000"/>
+                              <a:lumOff val="15000"/>
+                            </a:schemeClr>
+                          </a:solidFill>
+                        </a:rPr>
+                        <a:t>Countries may disagree on who has the right to prosecute.</a:t>
+                      </a:r>
+                    </a:p>
+                  </a:txBody>
+                  <a:tcPr marL="169465" marR="101679" marT="101679" marB="101679" anchor="ctr">
+                    <a:lnL w="38100" cap="flat" cmpd="sng" algn="ctr">
+                      <a:solidFill>
+                        <a:srgbClr val="FFFFFF"/>
+                      </a:solidFill>
+                      <a:prstDash val="solid"/>
+                    </a:lnL>
+                    <a:lnR w="12700" cmpd="sng">
+                      <a:noFill/>
+                      <a:prstDash val="solid"/>
+                    </a:lnR>
+                    <a:lnT w="38100" cap="flat" cmpd="sng" algn="ctr">
+                      <a:solidFill>
+                        <a:srgbClr val="FFFFFF"/>
+                      </a:solidFill>
+                      <a:prstDash val="solid"/>
+                    </a:lnT>
+                    <a:lnB w="38100" cap="flat" cmpd="sng" algn="ctr">
+                      <a:solidFill>
+                        <a:srgbClr val="FFFFFF"/>
+                      </a:solidFill>
+                      <a:prstDash val="solid"/>
+                    </a:lnB>
+                    <a:solidFill>
+                      <a:srgbClr val="878E8B">
+                        <a:alpha val="30196"/>
+                      </a:srgbClr>
+                    </a:solidFill>
+                  </a:tcPr>
+                </a:tc>
+                <a:extLst>
+                  <a:ext uri="{0D108BD9-81ED-4DB2-BD59-A6C34878D82A}">
+                    <a16:rowId xmlns:a16="http://schemas.microsoft.com/office/drawing/2014/main" val="3736951916"/>
+                  </a:ext>
+                </a:extLst>
+              </a:tr>
+              <a:tr h="743821">
+                <a:tc>
+                  <a:txBody>
+                    <a:bodyPr/>
+                    <a:lstStyle/>
+                    <a:p>
+                      <a:r>
+                        <a:rPr lang="en-US" sz="2000" b="1" dirty="0">
+                          <a:solidFill>
+                            <a:schemeClr val="tx1">
+                              <a:lumMod val="85000"/>
+                              <a:lumOff val="15000"/>
+                            </a:schemeClr>
+                          </a:solidFill>
+                        </a:rPr>
+                        <a:t>Extradition Difficulty</a:t>
+                      </a:r>
+                      <a:endParaRPr lang="en-US" sz="2000" dirty="0">
+                        <a:solidFill>
+                          <a:schemeClr val="tx1">
+                            <a:lumMod val="85000"/>
+                            <a:lumOff val="15000"/>
+                          </a:schemeClr>
+                        </a:solidFill>
+                      </a:endParaRPr>
+                    </a:p>
+                  </a:txBody>
+                  <a:tcPr marL="169465" marR="101679" marT="101679" marB="101679" anchor="ctr">
+                    <a:lnL w="12700" cmpd="sng">
+                      <a:noFill/>
+                      <a:prstDash val="solid"/>
+                    </a:lnL>
+                    <a:lnR w="38100" cap="flat" cmpd="sng" algn="ctr">
+                      <a:solidFill>
+                        <a:srgbClr val="FFFFFF"/>
+                      </a:solidFill>
+                      <a:prstDash val="solid"/>
+                    </a:lnR>
+                    <a:lnT w="38100" cap="flat" cmpd="sng" algn="ctr">
+                      <a:solidFill>
+                        <a:srgbClr val="FFFFFF"/>
+                      </a:solidFill>
+                      <a:prstDash val="solid"/>
+                    </a:lnT>
+                    <a:lnB w="38100" cap="flat" cmpd="sng" algn="ctr">
+                      <a:solidFill>
+                        <a:srgbClr val="FFFFFF"/>
+                      </a:solidFill>
+                      <a:prstDash val="solid"/>
+                    </a:lnB>
+                    <a:solidFill>
+                      <a:srgbClr val="878E8B">
+                        <a:alpha val="30196"/>
+                      </a:srgbClr>
+                    </a:solidFill>
+                  </a:tcPr>
+                </a:tc>
+                <a:tc>
+                  <a:txBody>
+                    <a:bodyPr/>
+                    <a:lstStyle/>
+                    <a:p>
+                      <a:r>
+                        <a:rPr lang="en-US" sz="2000">
+                          <a:solidFill>
+                            <a:schemeClr val="tx1">
+                              <a:lumMod val="85000"/>
+                              <a:lumOff val="15000"/>
+                            </a:schemeClr>
+                          </a:solidFill>
+                        </a:rPr>
+                        <a:t>A country may refuse to hand over a cybercriminal due to lack of treaties or political reasons.</a:t>
+                      </a:r>
+                    </a:p>
+                  </a:txBody>
+                  <a:tcPr marL="169465" marR="101679" marT="101679" marB="101679" anchor="ctr">
+                    <a:lnL w="38100" cap="flat" cmpd="sng" algn="ctr">
+                      <a:solidFill>
+                        <a:srgbClr val="FFFFFF"/>
+                      </a:solidFill>
+                      <a:prstDash val="solid"/>
+                    </a:lnL>
+                    <a:lnR w="12700" cmpd="sng">
+                      <a:noFill/>
+                      <a:prstDash val="solid"/>
+                    </a:lnR>
+                    <a:lnT w="38100" cap="flat" cmpd="sng" algn="ctr">
+                      <a:solidFill>
+                        <a:srgbClr val="FFFFFF"/>
+                      </a:solidFill>
+                      <a:prstDash val="solid"/>
+                    </a:lnT>
+                    <a:lnB w="38100" cap="flat" cmpd="sng" algn="ctr">
+                      <a:solidFill>
+                        <a:srgbClr val="FFFFFF"/>
+                      </a:solidFill>
+                      <a:prstDash val="solid"/>
+                    </a:lnB>
+                    <a:solidFill>
+                      <a:srgbClr val="878E8B">
+                        <a:alpha val="30196"/>
+                      </a:srgbClr>
+                    </a:solidFill>
+                  </a:tcPr>
+                </a:tc>
+                <a:extLst>
+                  <a:ext uri="{0D108BD9-81ED-4DB2-BD59-A6C34878D82A}">
+                    <a16:rowId xmlns:a16="http://schemas.microsoft.com/office/drawing/2014/main" val="3111752961"/>
+                  </a:ext>
+                </a:extLst>
+              </a:tr>
+              <a:tr h="743821">
+                <a:tc>
+                  <a:txBody>
+                    <a:bodyPr/>
+                    <a:lstStyle/>
+                    <a:p>
+                      <a:r>
+                        <a:rPr lang="en-US" sz="2000" b="1" dirty="0">
+                          <a:solidFill>
+                            <a:schemeClr val="tx1">
+                              <a:lumMod val="85000"/>
+                              <a:lumOff val="15000"/>
+                            </a:schemeClr>
+                          </a:solidFill>
+                        </a:rPr>
+                        <a:t>Evidence Sharing Barriers</a:t>
+                      </a:r>
+                      <a:endParaRPr lang="en-US" sz="2000" dirty="0">
+                        <a:solidFill>
+                          <a:schemeClr val="tx1">
+                            <a:lumMod val="85000"/>
+                            <a:lumOff val="15000"/>
+                          </a:schemeClr>
+                        </a:solidFill>
+                      </a:endParaRPr>
+                    </a:p>
+                  </a:txBody>
+                  <a:tcPr marL="169465" marR="101679" marT="101679" marB="101679" anchor="ctr">
+                    <a:lnL w="12700" cmpd="sng">
+                      <a:noFill/>
+                      <a:prstDash val="solid"/>
+                    </a:lnL>
+                    <a:lnR w="38100" cap="flat" cmpd="sng" algn="ctr">
+                      <a:solidFill>
+                        <a:srgbClr val="FFFFFF"/>
+                      </a:solidFill>
+                      <a:prstDash val="solid"/>
+                    </a:lnR>
+                    <a:lnT w="38100" cap="flat" cmpd="sng" algn="ctr">
+                      <a:solidFill>
+                        <a:srgbClr val="FFFFFF"/>
+                      </a:solidFill>
+                      <a:prstDash val="solid"/>
+                    </a:lnT>
+                    <a:lnB w="38100" cap="flat" cmpd="sng" algn="ctr">
+                      <a:solidFill>
+                        <a:srgbClr val="FFFFFF"/>
+                      </a:solidFill>
+                      <a:prstDash val="solid"/>
+                    </a:lnB>
+                    <a:solidFill>
+                      <a:srgbClr val="878E8B">
+                        <a:alpha val="30196"/>
+                      </a:srgbClr>
+                    </a:solidFill>
+                  </a:tcPr>
+                </a:tc>
+                <a:tc>
+                  <a:txBody>
+                    <a:bodyPr/>
+                    <a:lstStyle/>
+                    <a:p>
+                      <a:r>
+                        <a:rPr lang="en-US" sz="2000">
+                          <a:solidFill>
+                            <a:schemeClr val="tx1">
+                              <a:lumMod val="85000"/>
+                              <a:lumOff val="15000"/>
+                            </a:schemeClr>
+                          </a:solidFill>
+                        </a:rPr>
+                        <a:t>Digital evidence may be stored in another country and accessing it requires formal international requests (slow MLAT process).</a:t>
+                      </a:r>
+                    </a:p>
+                  </a:txBody>
+                  <a:tcPr marL="169465" marR="101679" marT="101679" marB="101679" anchor="ctr">
+                    <a:lnL w="38100" cap="flat" cmpd="sng" algn="ctr">
+                      <a:solidFill>
+                        <a:srgbClr val="FFFFFF"/>
+                      </a:solidFill>
+                      <a:prstDash val="solid"/>
+                    </a:lnL>
+                    <a:lnR w="12700" cmpd="sng">
+                      <a:noFill/>
+                      <a:prstDash val="solid"/>
+                    </a:lnR>
+                    <a:lnT w="38100" cap="flat" cmpd="sng" algn="ctr">
+                      <a:solidFill>
+                        <a:srgbClr val="FFFFFF"/>
+                      </a:solidFill>
+                      <a:prstDash val="solid"/>
+                    </a:lnT>
+                    <a:lnB w="38100" cap="flat" cmpd="sng" algn="ctr">
+                      <a:solidFill>
+                        <a:srgbClr val="FFFFFF"/>
+                      </a:solidFill>
+                      <a:prstDash val="solid"/>
+                    </a:lnB>
+                    <a:solidFill>
+                      <a:srgbClr val="878E8B">
+                        <a:alpha val="30196"/>
+                      </a:srgbClr>
+                    </a:solidFill>
+                  </a:tcPr>
+                </a:tc>
+                <a:extLst>
+                  <a:ext uri="{0D108BD9-81ED-4DB2-BD59-A6C34878D82A}">
+                    <a16:rowId xmlns:a16="http://schemas.microsoft.com/office/drawing/2014/main" val="2849805053"/>
+                  </a:ext>
+                </a:extLst>
+              </a:tr>
+              <a:tr h="743821">
+                <a:tc>
+                  <a:txBody>
+                    <a:bodyPr/>
+                    <a:lstStyle/>
+                    <a:p>
+                      <a:r>
+                        <a:rPr lang="en-US" sz="2000" b="1" dirty="0">
+                          <a:solidFill>
+                            <a:schemeClr val="tx1">
+                              <a:lumMod val="85000"/>
+                              <a:lumOff val="15000"/>
+                            </a:schemeClr>
+                          </a:solidFill>
+                        </a:rPr>
+                        <a:t>Different Laws</a:t>
+                      </a:r>
+                      <a:endParaRPr lang="en-US" sz="2000" dirty="0">
+                        <a:solidFill>
+                          <a:schemeClr val="tx1">
+                            <a:lumMod val="85000"/>
+                            <a:lumOff val="15000"/>
+                          </a:schemeClr>
+                        </a:solidFill>
+                      </a:endParaRPr>
+                    </a:p>
+                  </a:txBody>
+                  <a:tcPr marL="169465" marR="101679" marT="101679" marB="101679" anchor="ctr">
+                    <a:lnL w="12700" cmpd="sng">
+                      <a:noFill/>
+                      <a:prstDash val="solid"/>
+                    </a:lnL>
+                    <a:lnR w="38100" cap="flat" cmpd="sng" algn="ctr">
+                      <a:solidFill>
+                        <a:srgbClr val="FFFFFF"/>
+                      </a:solidFill>
+                      <a:prstDash val="solid"/>
+                    </a:lnR>
+                    <a:lnT w="38100" cap="flat" cmpd="sng" algn="ctr">
+                      <a:solidFill>
+                        <a:srgbClr val="FFFFFF"/>
+                      </a:solidFill>
+                      <a:prstDash val="solid"/>
+                    </a:lnT>
+                    <a:lnB w="38100" cap="flat" cmpd="sng" algn="ctr">
+                      <a:solidFill>
+                        <a:srgbClr val="FFFFFF"/>
+                      </a:solidFill>
+                      <a:prstDash val="solid"/>
+                    </a:lnB>
+                    <a:solidFill>
+                      <a:srgbClr val="878E8B">
+                        <a:alpha val="30196"/>
+                      </a:srgbClr>
+                    </a:solidFill>
+                  </a:tcPr>
+                </a:tc>
+                <a:tc>
+                  <a:txBody>
+                    <a:bodyPr/>
+                    <a:lstStyle/>
+                    <a:p>
+                      <a:r>
+                        <a:rPr lang="en-US" sz="2000">
+                          <a:solidFill>
+                            <a:schemeClr val="tx1">
+                              <a:lumMod val="85000"/>
+                              <a:lumOff val="15000"/>
+                            </a:schemeClr>
+                          </a:solidFill>
+                        </a:rPr>
+                        <a:t>What’s a crime in one country (e.g., hacking, hate speech) may not be illegal in another.</a:t>
+                      </a:r>
+                    </a:p>
+                  </a:txBody>
+                  <a:tcPr marL="169465" marR="101679" marT="101679" marB="101679" anchor="ctr">
+                    <a:lnL w="38100" cap="flat" cmpd="sng" algn="ctr">
+                      <a:solidFill>
+                        <a:srgbClr val="FFFFFF"/>
+                      </a:solidFill>
+                      <a:prstDash val="solid"/>
+                    </a:lnL>
+                    <a:lnR w="12700" cmpd="sng">
+                      <a:noFill/>
+                      <a:prstDash val="solid"/>
+                    </a:lnR>
+                    <a:lnT w="38100" cap="flat" cmpd="sng" algn="ctr">
+                      <a:solidFill>
+                        <a:srgbClr val="FFFFFF"/>
+                      </a:solidFill>
+                      <a:prstDash val="solid"/>
+                    </a:lnT>
+                    <a:lnB w="38100" cap="flat" cmpd="sng" algn="ctr">
+                      <a:solidFill>
+                        <a:srgbClr val="FFFFFF"/>
+                      </a:solidFill>
+                      <a:prstDash val="solid"/>
+                    </a:lnB>
+                    <a:solidFill>
+                      <a:srgbClr val="878E8B">
+                        <a:alpha val="30196"/>
+                      </a:srgbClr>
+                    </a:solidFill>
+                  </a:tcPr>
+                </a:tc>
+                <a:extLst>
+                  <a:ext uri="{0D108BD9-81ED-4DB2-BD59-A6C34878D82A}">
+                    <a16:rowId xmlns:a16="http://schemas.microsoft.com/office/drawing/2014/main" val="2721950860"/>
+                  </a:ext>
+                </a:extLst>
+              </a:tr>
+              <a:tr h="743821">
+                <a:tc>
+                  <a:txBody>
+                    <a:bodyPr/>
+                    <a:lstStyle/>
+                    <a:p>
+                      <a:r>
+                        <a:rPr lang="en-US" sz="2000" b="1" dirty="0">
+                          <a:solidFill>
+                            <a:schemeClr val="tx1">
+                              <a:lumMod val="85000"/>
+                              <a:lumOff val="15000"/>
+                            </a:schemeClr>
+                          </a:solidFill>
+                        </a:rPr>
+                        <a:t>Data Privacy Conflicts</a:t>
+                      </a:r>
+                      <a:endParaRPr lang="en-US" sz="2000" dirty="0">
+                        <a:solidFill>
+                          <a:schemeClr val="tx1">
+                            <a:lumMod val="85000"/>
+                            <a:lumOff val="15000"/>
+                          </a:schemeClr>
+                        </a:solidFill>
+                      </a:endParaRPr>
+                    </a:p>
+                  </a:txBody>
+                  <a:tcPr marL="169465" marR="101679" marT="101679" marB="101679" anchor="ctr">
+                    <a:lnL w="12700" cmpd="sng">
+                      <a:noFill/>
+                      <a:prstDash val="solid"/>
+                    </a:lnL>
+                    <a:lnR w="38100" cap="flat" cmpd="sng" algn="ctr">
+                      <a:solidFill>
+                        <a:srgbClr val="FFFFFF"/>
+                      </a:solidFill>
+                      <a:prstDash val="solid"/>
+                    </a:lnR>
+                    <a:lnT w="38100" cap="flat" cmpd="sng" algn="ctr">
+                      <a:solidFill>
+                        <a:srgbClr val="FFFFFF"/>
+                      </a:solidFill>
+                      <a:prstDash val="solid"/>
+                    </a:lnT>
+                    <a:lnB w="12700" cmpd="sng">
+                      <a:noFill/>
+                      <a:prstDash val="solid"/>
+                    </a:lnB>
+                    <a:solidFill>
+                      <a:srgbClr val="878E8B">
+                        <a:alpha val="30196"/>
+                      </a:srgbClr>
+                    </a:solidFill>
+                  </a:tcPr>
+                </a:tc>
+                <a:tc>
+                  <a:txBody>
+                    <a:bodyPr/>
+                    <a:lstStyle/>
+                    <a:p>
+                      <a:r>
+                        <a:rPr lang="en-US" sz="2000" dirty="0">
+                          <a:solidFill>
+                            <a:schemeClr val="tx1">
+                              <a:lumMod val="85000"/>
+                              <a:lumOff val="15000"/>
+                            </a:schemeClr>
+                          </a:solidFill>
+                        </a:rPr>
+                        <a:t>Privacy laws (e.g., GDPR) may prevent sharing certain user data with foreign authorities.</a:t>
+                      </a:r>
+                    </a:p>
+                  </a:txBody>
+                  <a:tcPr marL="169465" marR="101679" marT="101679" marB="101679" anchor="ctr">
+                    <a:lnL w="38100" cap="flat" cmpd="sng" algn="ctr">
+                      <a:solidFill>
+                        <a:srgbClr val="FFFFFF"/>
+                      </a:solidFill>
+                      <a:prstDash val="solid"/>
+                    </a:lnL>
+                    <a:lnR w="12700" cmpd="sng">
+                      <a:noFill/>
+                      <a:prstDash val="solid"/>
+                    </a:lnR>
+                    <a:lnT w="38100" cap="flat" cmpd="sng" algn="ctr">
+                      <a:solidFill>
+                        <a:srgbClr val="FFFFFF"/>
+                      </a:solidFill>
+                      <a:prstDash val="solid"/>
+                    </a:lnT>
+                    <a:lnB w="12700" cmpd="sng">
+                      <a:noFill/>
+                      <a:prstDash val="solid"/>
+                    </a:lnB>
+                    <a:solidFill>
+                      <a:srgbClr val="878E8B">
+                        <a:alpha val="30196"/>
+                      </a:srgbClr>
+                    </a:solidFill>
+                  </a:tcPr>
+                </a:tc>
+                <a:extLst>
+                  <a:ext uri="{0D108BD9-81ED-4DB2-BD59-A6C34878D82A}">
+                    <a16:rowId xmlns:a16="http://schemas.microsoft.com/office/drawing/2014/main" val="166554880"/>
+                  </a:ext>
+                </a:extLst>
+              </a:tr>
+            </a:tbl>
+          </a:graphicData>
+        </a:graphic>
+      </p:graphicFrame>
+    </p:spTree>
+    <p:extLst>
+      <p:ext uri="{BB962C8B-B14F-4D97-AF65-F5344CB8AC3E}">
+        <p14:creationId xmlns:p14="http://schemas.microsoft.com/office/powerpoint/2010/main" val="2552908126"/>
+      </p:ext>
+    </p:extLst>
+  </p:cSld>
+  <p:clrMapOvr>
+    <a:masterClrMapping/>
+  </p:clrMapOvr>
+</p:sld>
+</file>
+
+<file path=ppt/slides/slide49.xml><?xml version="1.0" encoding="utf-8"?>
+<p:sld xmlns:a="http://schemas.openxmlformats.org/drawingml/2006/main" xmlns:r="http://schemas.openxmlformats.org/officeDocument/2006/relationships" xmlns:p="http://schemas.openxmlformats.org/presentationml/2006/main">
+  <p:cSld>
+    <p:spTree>
+      <p:nvGrpSpPr>
+        <p:cNvPr id="1" name=""/>
+        <p:cNvGrpSpPr/>
+        <p:nvPr/>
+      </p:nvGrpSpPr>
+      <p:grpSpPr>
+        <a:xfrm>
+          <a:off x="0" y="0"/>
+          <a:ext cx="0" cy="0"/>
+          <a:chOff x="0" y="0"/>
+          <a:chExt cx="0" cy="0"/>
+        </a:xfrm>
+      </p:grpSpPr>
+      <p:sp>
+        <p:nvSpPr>
+          <p:cNvPr id="2" name="Title 1">
+            <a:extLst>
+              <a:ext uri="{FF2B5EF4-FFF2-40B4-BE49-F238E27FC236}">
+                <a16:creationId xmlns:a16="http://schemas.microsoft.com/office/drawing/2014/main" id="{7B48FCE9-5EB6-8AD6-E1EA-B70747C9433F}"/>
+              </a:ext>
+            </a:extLst>
+          </p:cNvPr>
+          <p:cNvSpPr>
+            <a:spLocks noGrp="1"/>
+          </p:cNvSpPr>
+          <p:nvPr>
+            <p:ph type="title"/>
+          </p:nvPr>
+        </p:nvSpPr>
+        <p:spPr/>
+        <p:txBody>
+          <a:bodyPr/>
+          <a:lstStyle/>
+          <a:p>
+            <a:r>
+              <a:rPr lang="en-US" dirty="0"/>
+              <a:t>Real Life Example</a:t>
+            </a:r>
+          </a:p>
+        </p:txBody>
+      </p:sp>
+      <p:sp>
+        <p:nvSpPr>
+          <p:cNvPr id="3" name="Content Placeholder 2">
+            <a:extLst>
+              <a:ext uri="{FF2B5EF4-FFF2-40B4-BE49-F238E27FC236}">
+                <a16:creationId xmlns:a16="http://schemas.microsoft.com/office/drawing/2014/main" id="{CF19491E-14E4-615C-9EF9-5D815C380F46}"/>
+              </a:ext>
+            </a:extLst>
+          </p:cNvPr>
+          <p:cNvSpPr>
+            <a:spLocks noGrp="1"/>
+          </p:cNvSpPr>
+          <p:nvPr>
+            <p:ph idx="1"/>
+          </p:nvPr>
+        </p:nvSpPr>
+        <p:spPr/>
+        <p:txBody>
+          <a:bodyPr>
+            <a:normAutofit fontScale="85000" lnSpcReduction="20000"/>
+          </a:bodyPr>
+          <a:lstStyle/>
+          <a:p>
+            <a:r>
+              <a:rPr lang="en-US" b="1" dirty="0"/>
+              <a:t>The "Love Bug" virus (2000)</a:t>
+            </a:r>
+            <a:r>
+              <a:rPr lang="en-US" dirty="0"/>
+              <a:t>: A Filipino student created a worm that caused global damage. But the Philippines had </a:t>
+            </a:r>
+            <a:r>
+              <a:rPr lang="en-US" b="1" dirty="0"/>
+              <a:t>no cybercrime law</a:t>
+            </a:r>
+            <a:r>
+              <a:rPr lang="en-US" dirty="0"/>
+              <a:t> at the time, so he couldn’t be prosecuted even though the attack spread worldwide.</a:t>
+            </a:r>
+          </a:p>
+          <a:p>
+            <a:r>
+              <a:rPr lang="en-US" b="1" dirty="0"/>
+              <a:t> Yahoo! v. LICRA (2001):</a:t>
+            </a:r>
+          </a:p>
+          <a:p>
+            <a:r>
+              <a:rPr lang="en-US" b="1" dirty="0"/>
+              <a:t> </a:t>
+            </a:r>
+            <a:r>
+              <a:rPr lang="en-US" dirty="0"/>
+              <a:t>French court ordered Yahoo to block Nazi content; raised questions about enforcing foreign laws on U.S. companies.</a:t>
+            </a:r>
+          </a:p>
+          <a:p>
+            <a:pPr lvl="1"/>
+            <a:r>
+              <a:rPr lang="en-US" dirty="0"/>
+              <a:t>The court gave Yahoo </a:t>
+            </a:r>
+            <a:r>
+              <a:rPr lang="en-US" b="1" dirty="0"/>
+              <a:t>three months</a:t>
+            </a:r>
+            <a:r>
+              <a:rPr lang="en-US" dirty="0"/>
+              <a:t> to comply, with daily fines for non-compliance.</a:t>
+            </a:r>
+          </a:p>
+          <a:p>
+            <a:r>
+              <a:rPr lang="en-US" dirty="0"/>
+              <a:t>Can a French court assert jurisdiction over an American company operating a website hosted in the U.S.?</a:t>
+            </a:r>
+          </a:p>
+          <a:p>
+            <a:pPr lvl="1"/>
+            <a:r>
+              <a:rPr lang="en-US" dirty="0"/>
+              <a:t>Yahoo filed a case in a U.S. federal court arguing that: The French order violated the First Amendment (freedom of speech). French law should not apply to content hosted and published from the U.S.</a:t>
+            </a:r>
+          </a:p>
+          <a:p>
+            <a:pPr lvl="1"/>
+            <a:r>
+              <a:rPr lang="en-US" dirty="0"/>
+              <a:t>The U.S. court initially sided with Yahoo, stating the French order was unenforceable in the U.S. due to constitutional protections.</a:t>
+            </a:r>
+          </a:p>
+          <a:p>
+            <a:endParaRPr lang="en-US" dirty="0"/>
+          </a:p>
+          <a:p>
+            <a:pPr marL="0" indent="0">
+              <a:buNone/>
+            </a:pPr>
+            <a:endParaRPr lang="en-US" b="1" dirty="0"/>
+          </a:p>
+          <a:p>
+            <a:endParaRPr lang="en-US" dirty="0"/>
+          </a:p>
+        </p:txBody>
+      </p:sp>
+    </p:spTree>
+    <p:extLst>
+      <p:ext uri="{BB962C8B-B14F-4D97-AF65-F5344CB8AC3E}">
+        <p14:creationId xmlns:p14="http://schemas.microsoft.com/office/powerpoint/2010/main" val="495348980"/>
       </p:ext>
     </p:extLst>
   </p:cSld>
@@ -29946,7 +29719,7 @@
           <p:cNvPr id="2" name="Title 1">
             <a:extLst>
               <a:ext uri="{FF2B5EF4-FFF2-40B4-BE49-F238E27FC236}">
-                <a16:creationId xmlns:a16="http://schemas.microsoft.com/office/drawing/2014/main" id="{FF7A4AFE-0856-BF6E-5FC0-FFE183C54343}"/>
+                <a16:creationId xmlns:a16="http://schemas.microsoft.com/office/drawing/2014/main" id="{83E9DBB4-442B-E7E2-318D-1556C59B1D5A}"/>
               </a:ext>
             </a:extLst>
           </p:cNvPr>
@@ -29970,12 +29743,12 @@
           <a:lstStyle/>
           <a:p>
             <a:r>
-              <a:rPr lang="en-US" sz="4000">
+              <a:rPr lang="en-US" sz="4000" dirty="0">
                 <a:solidFill>
                   <a:srgbClr val="FFFFFF"/>
                 </a:solidFill>
               </a:rPr>
-              <a:t>Overview</a:t>
+              <a:t>Overview (Cont..)</a:t>
             </a:r>
           </a:p>
         </p:txBody>
@@ -29985,7 +29758,7 @@
           <p:cNvPr id="3" name="Content Placeholder 2">
             <a:extLst>
               <a:ext uri="{FF2B5EF4-FFF2-40B4-BE49-F238E27FC236}">
-                <a16:creationId xmlns:a16="http://schemas.microsoft.com/office/drawing/2014/main" id="{2C3AC935-390B-3EB7-73E1-6E5F743C2160}"/>
+                <a16:creationId xmlns:a16="http://schemas.microsoft.com/office/drawing/2014/main" id="{078B1823-3354-E159-5FAA-DBF1F74FE24A}"/>
               </a:ext>
             </a:extLst>
           </p:cNvPr>
@@ -30009,42 +29782,29 @@
           <a:lstStyle/>
           <a:p>
             <a:r>
-              <a:rPr lang="en-US" sz="2000" dirty="0"/>
-              <a:t>Data protection and privacy are interconnected concepts focused on safeguarding personal and sensitive information from misuse, unauthorized access, and exploitation. </a:t>
-            </a:r>
-          </a:p>
-          <a:p>
-            <a:r>
-              <a:rPr lang="en-US" sz="2000" b="1" dirty="0"/>
-              <a:t>Data Protection:</a:t>
+              <a:rPr lang="en-US" sz="2400" b="1" dirty="0"/>
+              <a:t>Privacy</a:t>
             </a:r>
           </a:p>
           <a:p>
             <a:pPr lvl="1"/>
             <a:r>
-              <a:rPr lang="en-US" sz="2000" dirty="0"/>
-              <a:t>It refers to the legal and technical measures implemented to ensure that personal and organizational data is stored, processed, and transmitted securely.</a:t>
+              <a:rPr lang="en-US" dirty="0"/>
+              <a:t>Refers to the individual's right to control how their personal information is collected, shared, and used.</a:t>
             </a:r>
           </a:p>
           <a:p>
             <a:pPr lvl="1"/>
             <a:r>
-              <a:rPr lang="en-US" sz="2000" dirty="0"/>
-              <a:t>It focuses on preventing unauthorized access, data breaches, and cyberattacks.</a:t>
+              <a:rPr lang="en-US" dirty="0"/>
+              <a:t>It ensures that data is handled in a way that respects the user's preferences and consent.</a:t>
             </a:r>
           </a:p>
           <a:p>
             <a:pPr lvl="1"/>
             <a:r>
-              <a:rPr lang="en-US" sz="2000" dirty="0"/>
-              <a:t>Examples include encryption, firewalls, backups, and secure storage systems.</a:t>
-            </a:r>
-          </a:p>
-          <a:p>
-            <a:pPr lvl="1"/>
-            <a:r>
-              <a:rPr lang="en-US" sz="2000" dirty="0"/>
-              <a:t>It often governed by regulations like GDPR (General Data Protection Regulation) or CCPA (California Consumer Privacy Act).</a:t>
+              <a:rPr lang="en-US" dirty="0"/>
+              <a:t>It protects sensitive information, such as medical records, financial details, or online activity, from being disclosed without permission.</a:t>
             </a:r>
           </a:p>
         </p:txBody>
@@ -30052,7 +29812,7 @@
     </p:spTree>
     <p:extLst>
       <p:ext uri="{BB962C8B-B14F-4D97-AF65-F5344CB8AC3E}">
-        <p14:creationId xmlns:p14="http://schemas.microsoft.com/office/powerpoint/2010/main" val="1672736282"/>
+        <p14:creationId xmlns:p14="http://schemas.microsoft.com/office/powerpoint/2010/main" val="1808441319"/>
       </p:ext>
     </p:extLst>
   </p:cSld>
@@ -30063,781 +29823,6 @@
 </file>
 
 <file path=ppt/slides/slide50.xml><?xml version="1.0" encoding="utf-8"?>
-<p:sld xmlns:a="http://schemas.openxmlformats.org/drawingml/2006/main" xmlns:r="http://schemas.openxmlformats.org/officeDocument/2006/relationships" xmlns:p="http://schemas.openxmlformats.org/presentationml/2006/main">
-  <p:cSld>
-    <p:bg>
-      <p:bgPr>
-        <a:solidFill>
-          <a:schemeClr val="bg1"/>
-        </a:solidFill>
-        <a:effectLst/>
-      </p:bgPr>
-    </p:bg>
-    <p:spTree>
-      <p:nvGrpSpPr>
-        <p:cNvPr id="1" name=""/>
-        <p:cNvGrpSpPr/>
-        <p:nvPr/>
-      </p:nvGrpSpPr>
-      <p:grpSpPr>
-        <a:xfrm>
-          <a:off x="0" y="0"/>
-          <a:ext cx="0" cy="0"/>
-          <a:chOff x="0" y="0"/>
-          <a:chExt cx="0" cy="0"/>
-        </a:xfrm>
-      </p:grpSpPr>
-      <p:sp>
-        <p:nvSpPr>
-          <p:cNvPr id="2" name="Title 1">
-            <a:extLst>
-              <a:ext uri="{FF2B5EF4-FFF2-40B4-BE49-F238E27FC236}">
-                <a16:creationId xmlns:a16="http://schemas.microsoft.com/office/drawing/2014/main" id="{E0CE9990-6A35-1C3F-0FD0-8A4C751E28A3}"/>
-              </a:ext>
-            </a:extLst>
-          </p:cNvPr>
-          <p:cNvSpPr>
-            <a:spLocks noGrp="1"/>
-          </p:cNvSpPr>
-          <p:nvPr>
-            <p:ph type="title"/>
-          </p:nvPr>
-        </p:nvSpPr>
-        <p:spPr>
-          <a:xfrm>
-            <a:off x="1378743" y="731731"/>
-            <a:ext cx="9444037" cy="954194"/>
-          </a:xfrm>
-        </p:spPr>
-        <p:txBody>
-          <a:bodyPr anchor="t">
-            <a:normAutofit/>
-          </a:bodyPr>
-          <a:lstStyle/>
-          <a:p>
-            <a:pPr algn="ctr"/>
-            <a:r>
-              <a:rPr lang="en-US" sz="3200"/>
-              <a:t>Example of Cross-Border Enforcement Challeneges</a:t>
-            </a:r>
-          </a:p>
-        </p:txBody>
-      </p:sp>
-      <p:graphicFrame>
-        <p:nvGraphicFramePr>
-          <p:cNvPr id="4" name="Content Placeholder 3">
-            <a:extLst>
-              <a:ext uri="{FF2B5EF4-FFF2-40B4-BE49-F238E27FC236}">
-                <a16:creationId xmlns:a16="http://schemas.microsoft.com/office/drawing/2014/main" id="{72304921-153A-CBDB-A549-4DFFBA0C8802}"/>
-              </a:ext>
-            </a:extLst>
-          </p:cNvPr>
-          <p:cNvGraphicFramePr>
-            <a:graphicFrameLocks noGrp="1"/>
-          </p:cNvGraphicFramePr>
-          <p:nvPr>
-            <p:ph idx="1"/>
-            <p:extLst>
-              <p:ext uri="{D42A27DB-BD31-4B8C-83A1-F6EECF244321}">
-                <p14:modId xmlns:p14="http://schemas.microsoft.com/office/powerpoint/2010/main" val="518278381"/>
-              </p:ext>
-            </p:extLst>
-          </p:nvPr>
-        </p:nvGraphicFramePr>
-        <p:xfrm>
-          <a:off x="1266251" y="2005046"/>
-          <a:ext cx="9684048" cy="4877748"/>
-        </p:xfrm>
-        <a:graphic>
-          <a:graphicData uri="http://schemas.openxmlformats.org/drawingml/2006/table">
-            <a:tbl>
-              <a:tblPr>
-                <a:noFill/>
-              </a:tblPr>
-              <a:tblGrid>
-                <a:gridCol w="4531117">
-                  <a:extLst>
-                    <a:ext uri="{9D8B030D-6E8A-4147-A177-3AD203B41FA5}">
-                      <a16:colId xmlns:a16="http://schemas.microsoft.com/office/drawing/2014/main" val="1688391006"/>
-                    </a:ext>
-                  </a:extLst>
-                </a:gridCol>
-                <a:gridCol w="5152931">
-                  <a:extLst>
-                    <a:ext uri="{9D8B030D-6E8A-4147-A177-3AD203B41FA5}">
-                      <a16:colId xmlns:a16="http://schemas.microsoft.com/office/drawing/2014/main" val="340464295"/>
-                    </a:ext>
-                  </a:extLst>
-                </a:gridCol>
-              </a:tblGrid>
-              <a:tr h="411236">
-                <a:tc>
-                  <a:txBody>
-                    <a:bodyPr/>
-                    <a:lstStyle/>
-                    <a:p>
-                      <a:r>
-                        <a:rPr lang="en-US" sz="2400" b="1" dirty="0">
-                          <a:solidFill>
-                            <a:schemeClr val="tx1">
-                              <a:lumMod val="85000"/>
-                              <a:lumOff val="15000"/>
-                            </a:schemeClr>
-                          </a:solidFill>
-                        </a:rPr>
-                        <a:t>Problem</a:t>
-                      </a:r>
-                    </a:p>
-                  </a:txBody>
-                  <a:tcPr marL="169465" marR="101679" marT="101679" marB="101679" anchor="ctr">
-                    <a:lnL w="12700" cmpd="sng">
-                      <a:noFill/>
-                      <a:prstDash val="solid"/>
-                    </a:lnL>
-                    <a:lnR w="38100" cap="flat" cmpd="sng" algn="ctr">
-                      <a:solidFill>
-                        <a:srgbClr val="FFFFFF"/>
-                      </a:solidFill>
-                      <a:prstDash val="solid"/>
-                    </a:lnR>
-                    <a:lnT w="12700" cmpd="sng">
-                      <a:noFill/>
-                      <a:prstDash val="solid"/>
-                    </a:lnT>
-                    <a:lnB w="38100" cap="flat" cmpd="sng" algn="ctr">
-                      <a:solidFill>
-                        <a:srgbClr val="FFFFFF"/>
-                      </a:solidFill>
-                      <a:prstDash val="solid"/>
-                    </a:lnB>
-                    <a:solidFill>
-                      <a:srgbClr val="878E8B">
-                        <a:alpha val="30196"/>
-                      </a:srgbClr>
-                    </a:solidFill>
-                  </a:tcPr>
-                </a:tc>
-                <a:tc>
-                  <a:txBody>
-                    <a:bodyPr/>
-                    <a:lstStyle/>
-                    <a:p>
-                      <a:r>
-                        <a:rPr lang="en-US" sz="2400" b="1" dirty="0">
-                          <a:solidFill>
-                            <a:schemeClr val="tx1">
-                              <a:lumMod val="85000"/>
-                              <a:lumOff val="15000"/>
-                            </a:schemeClr>
-                          </a:solidFill>
-                        </a:rPr>
-                        <a:t>Explanation</a:t>
-                      </a:r>
-                    </a:p>
-                  </a:txBody>
-                  <a:tcPr marL="169465" marR="101679" marT="101679" marB="101679" anchor="ctr">
-                    <a:lnL w="38100" cap="flat" cmpd="sng" algn="ctr">
-                      <a:solidFill>
-                        <a:srgbClr val="FFFFFF"/>
-                      </a:solidFill>
-                      <a:prstDash val="solid"/>
-                    </a:lnL>
-                    <a:lnR w="12700" cmpd="sng">
-                      <a:noFill/>
-                      <a:prstDash val="solid"/>
-                    </a:lnR>
-                    <a:lnT w="12700" cmpd="sng">
-                      <a:noFill/>
-                      <a:prstDash val="solid"/>
-                    </a:lnT>
-                    <a:lnB w="38100" cap="flat" cmpd="sng" algn="ctr">
-                      <a:solidFill>
-                        <a:srgbClr val="FFFFFF"/>
-                      </a:solidFill>
-                      <a:prstDash val="solid"/>
-                    </a:lnB>
-                    <a:solidFill>
-                      <a:srgbClr val="878E8B">
-                        <a:alpha val="30196"/>
-                      </a:srgbClr>
-                    </a:solidFill>
-                  </a:tcPr>
-                </a:tc>
-                <a:extLst>
-                  <a:ext uri="{0D108BD9-81ED-4DB2-BD59-A6C34878D82A}">
-                    <a16:rowId xmlns:a16="http://schemas.microsoft.com/office/drawing/2014/main" val="2255305614"/>
-                  </a:ext>
-                </a:extLst>
-              </a:tr>
-              <a:tr h="411236">
-                <a:tc>
-                  <a:txBody>
-                    <a:bodyPr/>
-                    <a:lstStyle/>
-                    <a:p>
-                      <a:r>
-                        <a:rPr lang="en-US" sz="1800" b="1" dirty="0">
-                          <a:solidFill>
-                            <a:schemeClr val="tx1">
-                              <a:lumMod val="85000"/>
-                              <a:lumOff val="15000"/>
-                            </a:schemeClr>
-                          </a:solidFill>
-                        </a:rPr>
-                        <a:t>Jurisdiction Conflict</a:t>
-                      </a:r>
-                      <a:endParaRPr lang="en-US" sz="1800" dirty="0">
-                        <a:solidFill>
-                          <a:schemeClr val="tx1">
-                            <a:lumMod val="85000"/>
-                            <a:lumOff val="15000"/>
-                          </a:schemeClr>
-                        </a:solidFill>
-                      </a:endParaRPr>
-                    </a:p>
-                  </a:txBody>
-                  <a:tcPr marL="169465" marR="101679" marT="101679" marB="101679" anchor="ctr">
-                    <a:lnL w="12700" cmpd="sng">
-                      <a:noFill/>
-                      <a:prstDash val="solid"/>
-                    </a:lnL>
-                    <a:lnR w="38100" cap="flat" cmpd="sng" algn="ctr">
-                      <a:solidFill>
-                        <a:srgbClr val="FFFFFF"/>
-                      </a:solidFill>
-                      <a:prstDash val="solid"/>
-                    </a:lnR>
-                    <a:lnT w="38100" cap="flat" cmpd="sng" algn="ctr">
-                      <a:solidFill>
-                        <a:srgbClr val="FFFFFF"/>
-                      </a:solidFill>
-                      <a:prstDash val="solid"/>
-                    </a:lnT>
-                    <a:lnB w="38100" cap="flat" cmpd="sng" algn="ctr">
-                      <a:solidFill>
-                        <a:srgbClr val="FFFFFF"/>
-                      </a:solidFill>
-                      <a:prstDash val="solid"/>
-                    </a:lnB>
-                    <a:solidFill>
-                      <a:srgbClr val="878E8B">
-                        <a:alpha val="30196"/>
-                      </a:srgbClr>
-                    </a:solidFill>
-                  </a:tcPr>
-                </a:tc>
-                <a:tc>
-                  <a:txBody>
-                    <a:bodyPr/>
-                    <a:lstStyle/>
-                    <a:p>
-                      <a:r>
-                        <a:rPr lang="en-US" sz="1800">
-                          <a:solidFill>
-                            <a:schemeClr val="tx1">
-                              <a:lumMod val="85000"/>
-                              <a:lumOff val="15000"/>
-                            </a:schemeClr>
-                          </a:solidFill>
-                        </a:rPr>
-                        <a:t>Countries may disagree on who has the right to prosecute.</a:t>
-                      </a:r>
-                    </a:p>
-                  </a:txBody>
-                  <a:tcPr marL="169465" marR="101679" marT="101679" marB="101679" anchor="ctr">
-                    <a:lnL w="38100" cap="flat" cmpd="sng" algn="ctr">
-                      <a:solidFill>
-                        <a:srgbClr val="FFFFFF"/>
-                      </a:solidFill>
-                      <a:prstDash val="solid"/>
-                    </a:lnL>
-                    <a:lnR w="12700" cmpd="sng">
-                      <a:noFill/>
-                      <a:prstDash val="solid"/>
-                    </a:lnR>
-                    <a:lnT w="38100" cap="flat" cmpd="sng" algn="ctr">
-                      <a:solidFill>
-                        <a:srgbClr val="FFFFFF"/>
-                      </a:solidFill>
-                      <a:prstDash val="solid"/>
-                    </a:lnT>
-                    <a:lnB w="38100" cap="flat" cmpd="sng" algn="ctr">
-                      <a:solidFill>
-                        <a:srgbClr val="FFFFFF"/>
-                      </a:solidFill>
-                      <a:prstDash val="solid"/>
-                    </a:lnB>
-                    <a:solidFill>
-                      <a:srgbClr val="878E8B">
-                        <a:alpha val="30196"/>
-                      </a:srgbClr>
-                    </a:solidFill>
-                  </a:tcPr>
-                </a:tc>
-                <a:extLst>
-                  <a:ext uri="{0D108BD9-81ED-4DB2-BD59-A6C34878D82A}">
-                    <a16:rowId xmlns:a16="http://schemas.microsoft.com/office/drawing/2014/main" val="3736951916"/>
-                  </a:ext>
-                </a:extLst>
-              </a:tr>
-              <a:tr h="591999">
-                <a:tc>
-                  <a:txBody>
-                    <a:bodyPr/>
-                    <a:lstStyle/>
-                    <a:p>
-                      <a:r>
-                        <a:rPr lang="en-US" sz="1800" b="1" dirty="0">
-                          <a:solidFill>
-                            <a:schemeClr val="tx1">
-                              <a:lumMod val="85000"/>
-                              <a:lumOff val="15000"/>
-                            </a:schemeClr>
-                          </a:solidFill>
-                        </a:rPr>
-                        <a:t>Extradition Difficulty</a:t>
-                      </a:r>
-                      <a:endParaRPr lang="en-US" sz="1800" dirty="0">
-                        <a:solidFill>
-                          <a:schemeClr val="tx1">
-                            <a:lumMod val="85000"/>
-                            <a:lumOff val="15000"/>
-                          </a:schemeClr>
-                        </a:solidFill>
-                      </a:endParaRPr>
-                    </a:p>
-                  </a:txBody>
-                  <a:tcPr marL="169465" marR="101679" marT="101679" marB="101679" anchor="ctr">
-                    <a:lnL w="12700" cmpd="sng">
-                      <a:noFill/>
-                      <a:prstDash val="solid"/>
-                    </a:lnL>
-                    <a:lnR w="38100" cap="flat" cmpd="sng" algn="ctr">
-                      <a:solidFill>
-                        <a:srgbClr val="FFFFFF"/>
-                      </a:solidFill>
-                      <a:prstDash val="solid"/>
-                    </a:lnR>
-                    <a:lnT w="38100" cap="flat" cmpd="sng" algn="ctr">
-                      <a:solidFill>
-                        <a:srgbClr val="FFFFFF"/>
-                      </a:solidFill>
-                      <a:prstDash val="solid"/>
-                    </a:lnT>
-                    <a:lnB w="38100" cap="flat" cmpd="sng" algn="ctr">
-                      <a:solidFill>
-                        <a:srgbClr val="FFFFFF"/>
-                      </a:solidFill>
-                      <a:prstDash val="solid"/>
-                    </a:lnB>
-                    <a:solidFill>
-                      <a:srgbClr val="878E8B">
-                        <a:alpha val="30196"/>
-                      </a:srgbClr>
-                    </a:solidFill>
-                  </a:tcPr>
-                </a:tc>
-                <a:tc>
-                  <a:txBody>
-                    <a:bodyPr/>
-                    <a:lstStyle/>
-                    <a:p>
-                      <a:r>
-                        <a:rPr lang="en-US" sz="1800">
-                          <a:solidFill>
-                            <a:schemeClr val="tx1">
-                              <a:lumMod val="85000"/>
-                              <a:lumOff val="15000"/>
-                            </a:schemeClr>
-                          </a:solidFill>
-                        </a:rPr>
-                        <a:t>A country may refuse to hand over a cybercriminal due to lack of treaties or political reasons.</a:t>
-                      </a:r>
-                    </a:p>
-                  </a:txBody>
-                  <a:tcPr marL="169465" marR="101679" marT="101679" marB="101679" anchor="ctr">
-                    <a:lnL w="38100" cap="flat" cmpd="sng" algn="ctr">
-                      <a:solidFill>
-                        <a:srgbClr val="FFFFFF"/>
-                      </a:solidFill>
-                      <a:prstDash val="solid"/>
-                    </a:lnL>
-                    <a:lnR w="12700" cmpd="sng">
-                      <a:noFill/>
-                      <a:prstDash val="solid"/>
-                    </a:lnR>
-                    <a:lnT w="38100" cap="flat" cmpd="sng" algn="ctr">
-                      <a:solidFill>
-                        <a:srgbClr val="FFFFFF"/>
-                      </a:solidFill>
-                      <a:prstDash val="solid"/>
-                    </a:lnT>
-                    <a:lnB w="38100" cap="flat" cmpd="sng" algn="ctr">
-                      <a:solidFill>
-                        <a:srgbClr val="FFFFFF"/>
-                      </a:solidFill>
-                      <a:prstDash val="solid"/>
-                    </a:lnB>
-                    <a:solidFill>
-                      <a:srgbClr val="878E8B">
-                        <a:alpha val="30196"/>
-                      </a:srgbClr>
-                    </a:solidFill>
-                  </a:tcPr>
-                </a:tc>
-                <a:extLst>
-                  <a:ext uri="{0D108BD9-81ED-4DB2-BD59-A6C34878D82A}">
-                    <a16:rowId xmlns:a16="http://schemas.microsoft.com/office/drawing/2014/main" val="3111752961"/>
-                  </a:ext>
-                </a:extLst>
-              </a:tr>
-              <a:tr h="591999">
-                <a:tc>
-                  <a:txBody>
-                    <a:bodyPr/>
-                    <a:lstStyle/>
-                    <a:p>
-                      <a:r>
-                        <a:rPr lang="en-US" sz="1800" b="1" dirty="0">
-                          <a:solidFill>
-                            <a:schemeClr val="tx1">
-                              <a:lumMod val="85000"/>
-                              <a:lumOff val="15000"/>
-                            </a:schemeClr>
-                          </a:solidFill>
-                        </a:rPr>
-                        <a:t>Evidence Sharing Barriers</a:t>
-                      </a:r>
-                      <a:endParaRPr lang="en-US" sz="1800" dirty="0">
-                        <a:solidFill>
-                          <a:schemeClr val="tx1">
-                            <a:lumMod val="85000"/>
-                            <a:lumOff val="15000"/>
-                          </a:schemeClr>
-                        </a:solidFill>
-                      </a:endParaRPr>
-                    </a:p>
-                  </a:txBody>
-                  <a:tcPr marL="169465" marR="101679" marT="101679" marB="101679" anchor="ctr">
-                    <a:lnL w="12700" cmpd="sng">
-                      <a:noFill/>
-                      <a:prstDash val="solid"/>
-                    </a:lnL>
-                    <a:lnR w="38100" cap="flat" cmpd="sng" algn="ctr">
-                      <a:solidFill>
-                        <a:srgbClr val="FFFFFF"/>
-                      </a:solidFill>
-                      <a:prstDash val="solid"/>
-                    </a:lnR>
-                    <a:lnT w="38100" cap="flat" cmpd="sng" algn="ctr">
-                      <a:solidFill>
-                        <a:srgbClr val="FFFFFF"/>
-                      </a:solidFill>
-                      <a:prstDash val="solid"/>
-                    </a:lnT>
-                    <a:lnB w="38100" cap="flat" cmpd="sng" algn="ctr">
-                      <a:solidFill>
-                        <a:srgbClr val="FFFFFF"/>
-                      </a:solidFill>
-                      <a:prstDash val="solid"/>
-                    </a:lnB>
-                    <a:solidFill>
-                      <a:srgbClr val="878E8B">
-                        <a:alpha val="30196"/>
-                      </a:srgbClr>
-                    </a:solidFill>
-                  </a:tcPr>
-                </a:tc>
-                <a:tc>
-                  <a:txBody>
-                    <a:bodyPr/>
-                    <a:lstStyle/>
-                    <a:p>
-                      <a:r>
-                        <a:rPr lang="en-US" sz="1800">
-                          <a:solidFill>
-                            <a:schemeClr val="tx1">
-                              <a:lumMod val="85000"/>
-                              <a:lumOff val="15000"/>
-                            </a:schemeClr>
-                          </a:solidFill>
-                        </a:rPr>
-                        <a:t>Digital evidence may be stored in another country and accessing it requires formal international requests (slow MLAT process).</a:t>
-                      </a:r>
-                    </a:p>
-                  </a:txBody>
-                  <a:tcPr marL="169465" marR="101679" marT="101679" marB="101679" anchor="ctr">
-                    <a:lnL w="38100" cap="flat" cmpd="sng" algn="ctr">
-                      <a:solidFill>
-                        <a:srgbClr val="FFFFFF"/>
-                      </a:solidFill>
-                      <a:prstDash val="solid"/>
-                    </a:lnL>
-                    <a:lnR w="12700" cmpd="sng">
-                      <a:noFill/>
-                      <a:prstDash val="solid"/>
-                    </a:lnR>
-                    <a:lnT w="38100" cap="flat" cmpd="sng" algn="ctr">
-                      <a:solidFill>
-                        <a:srgbClr val="FFFFFF"/>
-                      </a:solidFill>
-                      <a:prstDash val="solid"/>
-                    </a:lnT>
-                    <a:lnB w="38100" cap="flat" cmpd="sng" algn="ctr">
-                      <a:solidFill>
-                        <a:srgbClr val="FFFFFF"/>
-                      </a:solidFill>
-                      <a:prstDash val="solid"/>
-                    </a:lnB>
-                    <a:solidFill>
-                      <a:srgbClr val="878E8B">
-                        <a:alpha val="30196"/>
-                      </a:srgbClr>
-                    </a:solidFill>
-                  </a:tcPr>
-                </a:tc>
-                <a:extLst>
-                  <a:ext uri="{0D108BD9-81ED-4DB2-BD59-A6C34878D82A}">
-                    <a16:rowId xmlns:a16="http://schemas.microsoft.com/office/drawing/2014/main" val="2849805053"/>
-                  </a:ext>
-                </a:extLst>
-              </a:tr>
-              <a:tr h="591999">
-                <a:tc>
-                  <a:txBody>
-                    <a:bodyPr/>
-                    <a:lstStyle/>
-                    <a:p>
-                      <a:r>
-                        <a:rPr lang="en-US" sz="1800" b="1" dirty="0">
-                          <a:solidFill>
-                            <a:schemeClr val="tx1">
-                              <a:lumMod val="85000"/>
-                              <a:lumOff val="15000"/>
-                            </a:schemeClr>
-                          </a:solidFill>
-                        </a:rPr>
-                        <a:t>Different Laws</a:t>
-                      </a:r>
-                      <a:endParaRPr lang="en-US" sz="1800" dirty="0">
-                        <a:solidFill>
-                          <a:schemeClr val="tx1">
-                            <a:lumMod val="85000"/>
-                            <a:lumOff val="15000"/>
-                          </a:schemeClr>
-                        </a:solidFill>
-                      </a:endParaRPr>
-                    </a:p>
-                  </a:txBody>
-                  <a:tcPr marL="169465" marR="101679" marT="101679" marB="101679" anchor="ctr">
-                    <a:lnL w="12700" cmpd="sng">
-                      <a:noFill/>
-                      <a:prstDash val="solid"/>
-                    </a:lnL>
-                    <a:lnR w="38100" cap="flat" cmpd="sng" algn="ctr">
-                      <a:solidFill>
-                        <a:srgbClr val="FFFFFF"/>
-                      </a:solidFill>
-                      <a:prstDash val="solid"/>
-                    </a:lnR>
-                    <a:lnT w="38100" cap="flat" cmpd="sng" algn="ctr">
-                      <a:solidFill>
-                        <a:srgbClr val="FFFFFF"/>
-                      </a:solidFill>
-                      <a:prstDash val="solid"/>
-                    </a:lnT>
-                    <a:lnB w="38100" cap="flat" cmpd="sng" algn="ctr">
-                      <a:solidFill>
-                        <a:srgbClr val="FFFFFF"/>
-                      </a:solidFill>
-                      <a:prstDash val="solid"/>
-                    </a:lnB>
-                    <a:solidFill>
-                      <a:srgbClr val="878E8B">
-                        <a:alpha val="30196"/>
-                      </a:srgbClr>
-                    </a:solidFill>
-                  </a:tcPr>
-                </a:tc>
-                <a:tc>
-                  <a:txBody>
-                    <a:bodyPr/>
-                    <a:lstStyle/>
-                    <a:p>
-                      <a:r>
-                        <a:rPr lang="en-US" sz="1800">
-                          <a:solidFill>
-                            <a:schemeClr val="tx1">
-                              <a:lumMod val="85000"/>
-                              <a:lumOff val="15000"/>
-                            </a:schemeClr>
-                          </a:solidFill>
-                        </a:rPr>
-                        <a:t>What’s a crime in one country (e.g., hacking, hate speech) may not be illegal in another.</a:t>
-                      </a:r>
-                    </a:p>
-                  </a:txBody>
-                  <a:tcPr marL="169465" marR="101679" marT="101679" marB="101679" anchor="ctr">
-                    <a:lnL w="38100" cap="flat" cmpd="sng" algn="ctr">
-                      <a:solidFill>
-                        <a:srgbClr val="FFFFFF"/>
-                      </a:solidFill>
-                      <a:prstDash val="solid"/>
-                    </a:lnL>
-                    <a:lnR w="12700" cmpd="sng">
-                      <a:noFill/>
-                      <a:prstDash val="solid"/>
-                    </a:lnR>
-                    <a:lnT w="38100" cap="flat" cmpd="sng" algn="ctr">
-                      <a:solidFill>
-                        <a:srgbClr val="FFFFFF"/>
-                      </a:solidFill>
-                      <a:prstDash val="solid"/>
-                    </a:lnT>
-                    <a:lnB w="38100" cap="flat" cmpd="sng" algn="ctr">
-                      <a:solidFill>
-                        <a:srgbClr val="FFFFFF"/>
-                      </a:solidFill>
-                      <a:prstDash val="solid"/>
-                    </a:lnB>
-                    <a:solidFill>
-                      <a:srgbClr val="878E8B">
-                        <a:alpha val="30196"/>
-                      </a:srgbClr>
-                    </a:solidFill>
-                  </a:tcPr>
-                </a:tc>
-                <a:extLst>
-                  <a:ext uri="{0D108BD9-81ED-4DB2-BD59-A6C34878D82A}">
-                    <a16:rowId xmlns:a16="http://schemas.microsoft.com/office/drawing/2014/main" val="2721950860"/>
-                  </a:ext>
-                </a:extLst>
-              </a:tr>
-              <a:tr h="591999">
-                <a:tc>
-                  <a:txBody>
-                    <a:bodyPr/>
-                    <a:lstStyle/>
-                    <a:p>
-                      <a:r>
-                        <a:rPr lang="en-US" sz="1800" b="1" dirty="0">
-                          <a:solidFill>
-                            <a:schemeClr val="tx1">
-                              <a:lumMod val="85000"/>
-                              <a:lumOff val="15000"/>
-                            </a:schemeClr>
-                          </a:solidFill>
-                        </a:rPr>
-                        <a:t>Data Privacy Conflicts</a:t>
-                      </a:r>
-                      <a:endParaRPr lang="en-US" sz="1800" dirty="0">
-                        <a:solidFill>
-                          <a:schemeClr val="tx1">
-                            <a:lumMod val="85000"/>
-                            <a:lumOff val="15000"/>
-                          </a:schemeClr>
-                        </a:solidFill>
-                      </a:endParaRPr>
-                    </a:p>
-                  </a:txBody>
-                  <a:tcPr marL="169465" marR="101679" marT="101679" marB="101679" anchor="ctr">
-                    <a:lnL w="12700" cmpd="sng">
-                      <a:noFill/>
-                      <a:prstDash val="solid"/>
-                    </a:lnL>
-                    <a:lnR w="38100" cap="flat" cmpd="sng" algn="ctr">
-                      <a:solidFill>
-                        <a:srgbClr val="FFFFFF"/>
-                      </a:solidFill>
-                      <a:prstDash val="solid"/>
-                    </a:lnR>
-                    <a:lnT w="38100" cap="flat" cmpd="sng" algn="ctr">
-                      <a:solidFill>
-                        <a:srgbClr val="FFFFFF"/>
-                      </a:solidFill>
-                      <a:prstDash val="solid"/>
-                    </a:lnT>
-                    <a:lnB w="12700" cmpd="sng">
-                      <a:noFill/>
-                      <a:prstDash val="solid"/>
-                    </a:lnB>
-                    <a:solidFill>
-                      <a:srgbClr val="878E8B">
-                        <a:alpha val="30196"/>
-                      </a:srgbClr>
-                    </a:solidFill>
-                  </a:tcPr>
-                </a:tc>
-                <a:tc>
-                  <a:txBody>
-                    <a:bodyPr/>
-                    <a:lstStyle/>
-                    <a:p>
-                      <a:r>
-                        <a:rPr lang="en-US" sz="1800" dirty="0">
-                          <a:solidFill>
-                            <a:schemeClr val="tx1">
-                              <a:lumMod val="85000"/>
-                              <a:lumOff val="15000"/>
-                            </a:schemeClr>
-                          </a:solidFill>
-                        </a:rPr>
-                        <a:t>Privacy laws (e.g., GDPR) may prevent sharing certain user data with foreign authorities.</a:t>
-                      </a:r>
-                    </a:p>
-                  </a:txBody>
-                  <a:tcPr marL="169465" marR="101679" marT="101679" marB="101679" anchor="ctr">
-                    <a:lnL w="38100" cap="flat" cmpd="sng" algn="ctr">
-                      <a:solidFill>
-                        <a:srgbClr val="FFFFFF"/>
-                      </a:solidFill>
-                      <a:prstDash val="solid"/>
-                    </a:lnL>
-                    <a:lnR w="12700" cmpd="sng">
-                      <a:noFill/>
-                      <a:prstDash val="solid"/>
-                    </a:lnR>
-                    <a:lnT w="38100" cap="flat" cmpd="sng" algn="ctr">
-                      <a:solidFill>
-                        <a:srgbClr val="FFFFFF"/>
-                      </a:solidFill>
-                      <a:prstDash val="solid"/>
-                    </a:lnT>
-                    <a:lnB w="12700" cmpd="sng">
-                      <a:noFill/>
-                      <a:prstDash val="solid"/>
-                    </a:lnB>
-                    <a:solidFill>
-                      <a:srgbClr val="878E8B">
-                        <a:alpha val="30196"/>
-                      </a:srgbClr>
-                    </a:solidFill>
-                  </a:tcPr>
-                </a:tc>
-                <a:extLst>
-                  <a:ext uri="{0D108BD9-81ED-4DB2-BD59-A6C34878D82A}">
-                    <a16:rowId xmlns:a16="http://schemas.microsoft.com/office/drawing/2014/main" val="166554880"/>
-                  </a:ext>
-                </a:extLst>
-              </a:tr>
-            </a:tbl>
-          </a:graphicData>
-        </a:graphic>
-      </p:graphicFrame>
-    </p:spTree>
-    <p:extLst>
-      <p:ext uri="{BB962C8B-B14F-4D97-AF65-F5344CB8AC3E}">
-        <p14:creationId xmlns:p14="http://schemas.microsoft.com/office/powerpoint/2010/main" val="2552908126"/>
-      </p:ext>
-    </p:extLst>
-  </p:cSld>
-  <p:clrMapOvr>
-    <a:masterClrMapping/>
-  </p:clrMapOvr>
-</p:sld>
-</file>
-
-<file path=ppt/slides/slide51.xml><?xml version="1.0" encoding="utf-8"?>
 <p:sld xmlns:a="http://schemas.openxmlformats.org/drawingml/2006/main" xmlns:r="http://schemas.openxmlformats.org/officeDocument/2006/relationships" xmlns:p="http://schemas.openxmlformats.org/presentationml/2006/main">
   <p:cSld>
     <p:spTree>
@@ -30854,194 +29839,6 @@
           <a:chExt cx="0" cy="0"/>
         </a:xfrm>
       </p:grpSpPr>
-      <p:sp>
-        <p:nvSpPr>
-          <p:cNvPr id="2" name="Title 1">
-            <a:extLst>
-              <a:ext uri="{FF2B5EF4-FFF2-40B4-BE49-F238E27FC236}">
-                <a16:creationId xmlns:a16="http://schemas.microsoft.com/office/drawing/2014/main" id="{7B48FCE9-5EB6-8AD6-E1EA-B70747C9433F}"/>
-              </a:ext>
-            </a:extLst>
-          </p:cNvPr>
-          <p:cNvSpPr>
-            <a:spLocks noGrp="1"/>
-          </p:cNvSpPr>
-          <p:nvPr>
-            <p:ph type="title"/>
-          </p:nvPr>
-        </p:nvSpPr>
-        <p:spPr/>
-        <p:txBody>
-          <a:bodyPr/>
-          <a:lstStyle/>
-          <a:p>
-            <a:r>
-              <a:rPr lang="en-US" dirty="0"/>
-              <a:t>Real Life Example</a:t>
-            </a:r>
-          </a:p>
-        </p:txBody>
-      </p:sp>
-      <p:sp>
-        <p:nvSpPr>
-          <p:cNvPr id="3" name="Content Placeholder 2">
-            <a:extLst>
-              <a:ext uri="{FF2B5EF4-FFF2-40B4-BE49-F238E27FC236}">
-                <a16:creationId xmlns:a16="http://schemas.microsoft.com/office/drawing/2014/main" id="{CF19491E-14E4-615C-9EF9-5D815C380F46}"/>
-              </a:ext>
-            </a:extLst>
-          </p:cNvPr>
-          <p:cNvSpPr>
-            <a:spLocks noGrp="1"/>
-          </p:cNvSpPr>
-          <p:nvPr>
-            <p:ph idx="1"/>
-          </p:nvPr>
-        </p:nvSpPr>
-        <p:spPr/>
-        <p:txBody>
-          <a:bodyPr>
-            <a:normAutofit fontScale="85000" lnSpcReduction="20000"/>
-          </a:bodyPr>
-          <a:lstStyle/>
-          <a:p>
-            <a:r>
-              <a:rPr lang="en-US" b="1" dirty="0"/>
-              <a:t>The "Love Bug" virus (2000)</a:t>
-            </a:r>
-            <a:r>
-              <a:rPr lang="en-US" dirty="0"/>
-              <a:t>: A Filipino student created a worm that caused global damage. But the Philippines had </a:t>
-            </a:r>
-            <a:r>
-              <a:rPr lang="en-US" b="1" dirty="0"/>
-              <a:t>no cybercrime law</a:t>
-            </a:r>
-            <a:r>
-              <a:rPr lang="en-US" dirty="0"/>
-              <a:t> at the time, so he couldn’t be prosecuted even though the attack spread worldwide.</a:t>
-            </a:r>
-          </a:p>
-          <a:p>
-            <a:r>
-              <a:rPr lang="en-US" b="1" dirty="0"/>
-              <a:t> Yahoo! v. LICRA (2001):</a:t>
-            </a:r>
-          </a:p>
-          <a:p>
-            <a:r>
-              <a:rPr lang="en-US" b="1" dirty="0"/>
-              <a:t> </a:t>
-            </a:r>
-            <a:r>
-              <a:rPr lang="en-US" dirty="0"/>
-              <a:t>French court ordered Yahoo to block Nazi content; raised questions about enforcing foreign laws on U.S. companies.</a:t>
-            </a:r>
-          </a:p>
-          <a:p>
-            <a:pPr lvl="1"/>
-            <a:r>
-              <a:rPr lang="en-US" dirty="0"/>
-              <a:t>The court gave Yahoo </a:t>
-            </a:r>
-            <a:r>
-              <a:rPr lang="en-US" b="1" dirty="0"/>
-              <a:t>three months</a:t>
-            </a:r>
-            <a:r>
-              <a:rPr lang="en-US" dirty="0"/>
-              <a:t> to comply, with daily fines for non-compliance.</a:t>
-            </a:r>
-          </a:p>
-          <a:p>
-            <a:r>
-              <a:rPr lang="en-US" dirty="0"/>
-              <a:t>Can a French court assert jurisdiction over an American company operating a website hosted in the U.S.?</a:t>
-            </a:r>
-          </a:p>
-          <a:p>
-            <a:pPr lvl="1"/>
-            <a:r>
-              <a:rPr lang="en-US" dirty="0"/>
-              <a:t>Yahoo filed a case in a U.S. federal court arguing that: The French order violated the First Amendment (freedom of speech). French law should not apply to content hosted and published from the U.S.</a:t>
-            </a:r>
-          </a:p>
-          <a:p>
-            <a:pPr lvl="1"/>
-            <a:r>
-              <a:rPr lang="en-US" dirty="0"/>
-              <a:t>The U.S. court initially sided with Yahoo, stating the French order was unenforceable in the U.S. due to constitutional protections.</a:t>
-            </a:r>
-          </a:p>
-          <a:p>
-            <a:endParaRPr lang="en-US" dirty="0"/>
-          </a:p>
-          <a:p>
-            <a:pPr marL="0" indent="0">
-              <a:buNone/>
-            </a:pPr>
-            <a:endParaRPr lang="en-US" b="1" dirty="0"/>
-          </a:p>
-          <a:p>
-            <a:endParaRPr lang="en-US" dirty="0"/>
-          </a:p>
-        </p:txBody>
-      </p:sp>
-    </p:spTree>
-    <p:extLst>
-      <p:ext uri="{BB962C8B-B14F-4D97-AF65-F5344CB8AC3E}">
-        <p14:creationId xmlns:p14="http://schemas.microsoft.com/office/powerpoint/2010/main" val="495348980"/>
-      </p:ext>
-    </p:extLst>
-  </p:cSld>
-  <p:clrMapOvr>
-    <a:masterClrMapping/>
-  </p:clrMapOvr>
-</p:sld>
-</file>
-
-<file path=ppt/slides/slide52.xml><?xml version="1.0" encoding="utf-8"?>
-<p:sld xmlns:a="http://schemas.openxmlformats.org/drawingml/2006/main" xmlns:r="http://schemas.openxmlformats.org/officeDocument/2006/relationships" xmlns:p="http://schemas.openxmlformats.org/presentationml/2006/main">
-  <p:cSld>
-    <p:spTree>
-      <p:nvGrpSpPr>
-        <p:cNvPr id="1" name=""/>
-        <p:cNvGrpSpPr/>
-        <p:nvPr/>
-      </p:nvGrpSpPr>
-      <p:grpSpPr>
-        <a:xfrm>
-          <a:off x="0" y="0"/>
-          <a:ext cx="0" cy="0"/>
-          <a:chOff x="0" y="0"/>
-          <a:chExt cx="0" cy="0"/>
-        </a:xfrm>
-      </p:grpSpPr>
-      <p:sp>
-        <p:nvSpPr>
-          <p:cNvPr id="2" name="Title 1">
-            <a:extLst>
-              <a:ext uri="{FF2B5EF4-FFF2-40B4-BE49-F238E27FC236}">
-                <a16:creationId xmlns:a16="http://schemas.microsoft.com/office/drawing/2014/main" id="{F1676010-81ED-E8AA-040B-3CFF73D83806}"/>
-              </a:ext>
-            </a:extLst>
-          </p:cNvPr>
-          <p:cNvSpPr>
-            <a:spLocks noGrp="1"/>
-          </p:cNvSpPr>
-          <p:nvPr>
-            <p:ph type="title"/>
-          </p:nvPr>
-        </p:nvSpPr>
-        <p:spPr/>
-        <p:txBody>
-          <a:bodyPr/>
-          <a:lstStyle/>
-          <a:p>
-            <a:endParaRPr lang="en-US" dirty="0"/>
-          </a:p>
-        </p:txBody>
-      </p:sp>
       <p:sp>
         <p:nvSpPr>
           <p:cNvPr id="3" name="Content Placeholder 2">
@@ -31095,7 +29892,7 @@
         </p:nvGraphicFramePr>
         <p:xfrm>
           <a:off x="838200" y="2721134"/>
-          <a:ext cx="10515600" cy="2712720"/>
+          <a:ext cx="10515600" cy="2438400"/>
         </p:xfrm>
         <a:graphic>
           <a:graphicData uri="http://schemas.openxmlformats.org/drawingml/2006/table">
@@ -31413,7 +30210,7 @@
 </p:sld>
 </file>
 
-<file path=ppt/slides/slide53.xml><?xml version="1.0" encoding="utf-8"?>
+<file path=ppt/slides/slide51.xml><?xml version="1.0" encoding="utf-8"?>
 <p:sld xmlns:a="http://schemas.openxmlformats.org/drawingml/2006/main" xmlns:r="http://schemas.openxmlformats.org/officeDocument/2006/relationships" xmlns:p="http://schemas.openxmlformats.org/presentationml/2006/main">
   <p:cSld>
     <p:spTree>
@@ -31432,31 +30229,6 @@
       </p:grpSpPr>
       <p:sp>
         <p:nvSpPr>
-          <p:cNvPr id="2" name="Title 1">
-            <a:extLst>
-              <a:ext uri="{FF2B5EF4-FFF2-40B4-BE49-F238E27FC236}">
-                <a16:creationId xmlns:a16="http://schemas.microsoft.com/office/drawing/2014/main" id="{7F16AF97-0504-6265-9A88-53920C575427}"/>
-              </a:ext>
-            </a:extLst>
-          </p:cNvPr>
-          <p:cNvSpPr>
-            <a:spLocks noGrp="1"/>
-          </p:cNvSpPr>
-          <p:nvPr>
-            <p:ph type="title"/>
-          </p:nvPr>
-        </p:nvSpPr>
-        <p:spPr/>
-        <p:txBody>
-          <a:bodyPr/>
-          <a:lstStyle/>
-          <a:p>
-            <a:endParaRPr lang="en-US"/>
-          </a:p>
-        </p:txBody>
-      </p:sp>
-      <p:sp>
-        <p:nvSpPr>
           <p:cNvPr id="3" name="Content Placeholder 2">
             <a:extLst>
               <a:ext uri="{FF2B5EF4-FFF2-40B4-BE49-F238E27FC236}">
@@ -31471,7 +30243,12 @@
             <p:ph idx="1"/>
           </p:nvPr>
         </p:nvSpPr>
-        <p:spPr/>
+        <p:spPr>
+          <a:xfrm>
+            <a:off x="694980" y="856139"/>
+            <a:ext cx="10515600" cy="5588727"/>
+          </a:xfrm>
+        </p:spPr>
         <p:txBody>
           <a:bodyPr>
             <a:normAutofit/>
@@ -31479,96 +30256,96 @@
           <a:lstStyle/>
           <a:p>
             <a:r>
-              <a:rPr lang="en-US" b="1" dirty="0"/>
+              <a:rPr lang="en-US" sz="3200" b="1" dirty="0"/>
               <a:t>Outcome:</a:t>
             </a:r>
           </a:p>
           <a:p>
             <a:pPr lvl="1"/>
             <a:r>
-              <a:rPr lang="en-US" dirty="0"/>
+              <a:rPr lang="en-US" sz="2800" dirty="0"/>
               <a:t>The French court upheld its decision.</a:t>
             </a:r>
           </a:p>
           <a:p>
             <a:pPr lvl="1"/>
             <a:r>
-              <a:rPr lang="en-US" dirty="0"/>
+              <a:rPr lang="en-US" sz="2800" dirty="0"/>
               <a:t>The U.S. court found the French ruling </a:t>
             </a:r>
             <a:r>
-              <a:rPr lang="en-US" b="1" dirty="0"/>
+              <a:rPr lang="en-US" sz="2800" b="1" dirty="0"/>
               <a:t>not binding in the U.S.</a:t>
             </a:r>
             <a:r>
-              <a:rPr lang="en-US" dirty="0"/>
+              <a:rPr lang="en-US" sz="2800" dirty="0"/>
               <a:t>, though later appeals left parts of the case unresolved.</a:t>
             </a:r>
           </a:p>
           <a:p>
             <a:pPr lvl="1"/>
             <a:r>
-              <a:rPr lang="en-US" dirty="0"/>
+              <a:rPr lang="en-US" sz="2800" dirty="0"/>
               <a:t>Ultimately, Yahoo </a:t>
             </a:r>
             <a:r>
-              <a:rPr lang="en-US" b="1" dirty="0"/>
+              <a:rPr lang="en-US" sz="2800" b="1" dirty="0"/>
               <a:t>voluntarily changed</a:t>
             </a:r>
             <a:r>
-              <a:rPr lang="en-US" dirty="0"/>
+              <a:rPr lang="en-US" sz="2800" dirty="0"/>
               <a:t> its policy and blocked access to the controversial content in France.</a:t>
             </a:r>
           </a:p>
           <a:p>
             <a:r>
-              <a:rPr lang="en-US" b="1" dirty="0"/>
+              <a:rPr lang="en-US" sz="3200" b="1" dirty="0"/>
               <a:t>Lessons from Yahoo! v. LICRA:</a:t>
             </a:r>
           </a:p>
           <a:p>
             <a:pPr lvl="1"/>
             <a:r>
-              <a:rPr lang="en-US" b="1" dirty="0"/>
+              <a:rPr lang="en-US" sz="2800" b="1" dirty="0"/>
               <a:t>Jurisdiction over the internet is not clear-cut</a:t>
             </a:r>
             <a:r>
-              <a:rPr lang="en-US" dirty="0"/>
+              <a:rPr lang="en-US" sz="2800" dirty="0"/>
               <a:t>.</a:t>
             </a:r>
           </a:p>
           <a:p>
             <a:pPr lvl="1"/>
             <a:r>
-              <a:rPr lang="en-US" dirty="0"/>
+              <a:rPr lang="en-US" sz="2800" dirty="0"/>
               <a:t>National laws can </a:t>
             </a:r>
             <a:r>
-              <a:rPr lang="en-US" b="1" dirty="0"/>
+              <a:rPr lang="en-US" sz="2800" b="1" dirty="0"/>
               <a:t>conflict in cyberspace</a:t>
             </a:r>
             <a:r>
-              <a:rPr lang="en-US" dirty="0"/>
+              <a:rPr lang="en-US" sz="2800" dirty="0"/>
               <a:t>.</a:t>
             </a:r>
           </a:p>
           <a:p>
             <a:pPr lvl="1"/>
             <a:r>
-              <a:rPr lang="en-US" dirty="0"/>
+              <a:rPr lang="en-US" sz="2800" dirty="0"/>
               <a:t>Companies operating globally must consider </a:t>
             </a:r>
             <a:r>
-              <a:rPr lang="en-US" b="1" dirty="0"/>
+              <a:rPr lang="en-US" sz="2800" b="1" dirty="0"/>
               <a:t>local legal standards</a:t>
             </a:r>
             <a:r>
-              <a:rPr lang="en-US" dirty="0"/>
+              <a:rPr lang="en-US" sz="2800" dirty="0"/>
               <a:t>, even for globally accessible content.</a:t>
             </a:r>
           </a:p>
           <a:p>
-            <a:endParaRPr lang="en-US" dirty="0"/>
+            <a:endParaRPr lang="en-US" sz="3200" dirty="0"/>
           </a:p>
         </p:txBody>
       </p:sp>
@@ -31585,7 +30362,7 @@
 </p:sld>
 </file>
 
-<file path=ppt/slides/slide54.xml><?xml version="1.0" encoding="utf-8"?>
+<file path=ppt/slides/slide52.xml><?xml version="1.0" encoding="utf-8"?>
 <p:sld xmlns:a="http://schemas.openxmlformats.org/drawingml/2006/main" xmlns:r="http://schemas.openxmlformats.org/officeDocument/2006/relationships" xmlns:p="http://schemas.openxmlformats.org/presentationml/2006/main">
   <p:cSld>
     <p:spTree>
@@ -32423,7 +31200,7 @@
           <p:cNvPr id="2" name="Title 1">
             <a:extLst>
               <a:ext uri="{FF2B5EF4-FFF2-40B4-BE49-F238E27FC236}">
-                <a16:creationId xmlns:a16="http://schemas.microsoft.com/office/drawing/2014/main" id="{83E9DBB4-442B-E7E2-318D-1556C59B1D5A}"/>
+                <a16:creationId xmlns:a16="http://schemas.microsoft.com/office/drawing/2014/main" id="{061390C0-2146-FED6-D10E-80222D6E70E5}"/>
               </a:ext>
             </a:extLst>
           </p:cNvPr>
@@ -32447,12 +31224,12 @@
           <a:lstStyle/>
           <a:p>
             <a:r>
-              <a:rPr lang="en-US" sz="4000" dirty="0">
+              <a:rPr lang="en-US" sz="4000">
                 <a:solidFill>
                   <a:srgbClr val="FFFFFF"/>
                 </a:solidFill>
               </a:rPr>
-              <a:t>Overview (Cont..)</a:t>
+              <a:t>Why Data Protection and Privacy is Important</a:t>
             </a:r>
           </a:p>
         </p:txBody>
@@ -32462,7 +31239,7 @@
           <p:cNvPr id="3" name="Content Placeholder 2">
             <a:extLst>
               <a:ext uri="{FF2B5EF4-FFF2-40B4-BE49-F238E27FC236}">
-                <a16:creationId xmlns:a16="http://schemas.microsoft.com/office/drawing/2014/main" id="{078B1823-3354-E159-5FAA-DBF1F74FE24A}"/>
+                <a16:creationId xmlns:a16="http://schemas.microsoft.com/office/drawing/2014/main" id="{ED589E4C-4C98-8875-F247-A046536933AC}"/>
               </a:ext>
             </a:extLst>
           </p:cNvPr>
@@ -32475,8 +31252,8 @@
         </p:nvSpPr>
         <p:spPr>
           <a:xfrm>
-            <a:off x="1371599" y="2318197"/>
-            <a:ext cx="9724031" cy="3683358"/>
+            <a:off x="459350" y="1622744"/>
+            <a:ext cx="11262597" cy="4940717"/>
           </a:xfrm>
         </p:spPr>
         <p:txBody>
@@ -32485,30 +31262,68 @@
           </a:bodyPr>
           <a:lstStyle/>
           <a:p>
-            <a:r>
-              <a:rPr lang="en-US" sz="2400" b="1" dirty="0"/>
-              <a:t>Privacy</a:t>
-            </a:r>
-          </a:p>
-          <a:p>
-            <a:pPr lvl="1"/>
+            <a:pPr marL="514350" indent="-514350" algn="just">
+              <a:buFont typeface="+mj-lt"/>
+              <a:buAutoNum type="arabicPeriod"/>
+            </a:pPr>
+            <a:r>
+              <a:rPr lang="en-US" b="1" dirty="0"/>
+              <a:t>Trust:</a:t>
+            </a:r>
             <a:r>
               <a:rPr lang="en-US" dirty="0"/>
-              <a:t>Refers to the individual's right to control how their personal information is collected, shared, and used.</a:t>
-            </a:r>
-          </a:p>
-          <a:p>
-            <a:pPr lvl="1"/>
+              <a:t> Businesses and governments must prioritize data protection and privacy to maintain trust with users and citizens.</a:t>
+            </a:r>
+          </a:p>
+          <a:p>
+            <a:pPr marL="514350" indent="-514350" algn="just">
+              <a:buFont typeface="+mj-lt"/>
+              <a:buAutoNum type="arabicPeriod"/>
+            </a:pPr>
+            <a:r>
+              <a:rPr lang="en-US" b="1" dirty="0"/>
+              <a:t>Compliance:</a:t>
+            </a:r>
             <a:r>
               <a:rPr lang="en-US" dirty="0"/>
-              <a:t>It ensures that data is handled in a way that respects the user's preferences and consent.</a:t>
-            </a:r>
-          </a:p>
-          <a:p>
-            <a:pPr lvl="1"/>
+              <a:t> Adhering to laws and standards minimizes legal risks and penalties. </a:t>
+            </a:r>
+            <a:r>
+              <a:rPr lang="en-US" b="0" i="0" dirty="0">
+                <a:effectLst/>
+                <a:latin typeface="DeepSeek-CJK-patch"/>
+              </a:rPr>
+              <a:t>Violations can lead to heavy fines (e.g., GDPR penalties up to €20 million or 4% of global revenue).</a:t>
+            </a:r>
+            <a:endParaRPr lang="en-US" dirty="0"/>
+          </a:p>
+          <a:p>
+            <a:pPr marL="514350" indent="-514350" algn="just">
+              <a:buFont typeface="+mj-lt"/>
+              <a:buAutoNum type="arabicPeriod"/>
+            </a:pPr>
+            <a:r>
+              <a:rPr lang="en-US" b="1" dirty="0"/>
+              <a:t>Security:</a:t>
+            </a:r>
             <a:r>
               <a:rPr lang="en-US" dirty="0"/>
-              <a:t>It protects sensitive information, such as medical records, financial details, or online activity, from being disclosed without permission.</a:t>
+              <a:t> Strong data protection safeguards sensitive information from hackers, fraudsters, and other threats.</a:t>
+            </a:r>
+            <a:endParaRPr lang="en-US" b="1" dirty="0"/>
+          </a:p>
+          <a:p>
+            <a:pPr marL="514350" indent="-514350" algn="just">
+              <a:buFont typeface="+mj-lt"/>
+              <a:buAutoNum type="arabicPeriod"/>
+            </a:pPr>
+            <a:r>
+              <a:rPr lang="en-US" b="1" dirty="0"/>
+              <a:t>Empowerment:</a:t>
+            </a:r>
+            <a:r>
+              <a:rPr lang="en-US" dirty="0"/>
+              <a:t> Privacy gives individuals control over their own data, ensuring it is used responsibly and transparently.</a:t>
             </a:r>
           </a:p>
         </p:txBody>
@@ -32516,7 +31331,7 @@
     </p:spTree>
     <p:extLst>
       <p:ext uri="{BB962C8B-B14F-4D97-AF65-F5344CB8AC3E}">
-        <p14:creationId xmlns:p14="http://schemas.microsoft.com/office/powerpoint/2010/main" val="1808441319"/>
+        <p14:creationId xmlns:p14="http://schemas.microsoft.com/office/powerpoint/2010/main" val="1320706069"/>
       </p:ext>
     </p:extLst>
   </p:cSld>
@@ -32932,553 +31747,6 @@
           <p:cNvPr id="2" name="Title 1">
             <a:extLst>
               <a:ext uri="{FF2B5EF4-FFF2-40B4-BE49-F238E27FC236}">
-                <a16:creationId xmlns:a16="http://schemas.microsoft.com/office/drawing/2014/main" id="{061390C0-2146-FED6-D10E-80222D6E70E5}"/>
-              </a:ext>
-            </a:extLst>
-          </p:cNvPr>
-          <p:cNvSpPr>
-            <a:spLocks noGrp="1"/>
-          </p:cNvSpPr>
-          <p:nvPr>
-            <p:ph type="title"/>
-          </p:nvPr>
-        </p:nvSpPr>
-        <p:spPr>
-          <a:xfrm>
-            <a:off x="1371599" y="294538"/>
-            <a:ext cx="9895951" cy="1033669"/>
-          </a:xfrm>
-        </p:spPr>
-        <p:txBody>
-          <a:bodyPr>
-            <a:normAutofit/>
-          </a:bodyPr>
-          <a:lstStyle/>
-          <a:p>
-            <a:r>
-              <a:rPr lang="en-US" sz="4000">
-                <a:solidFill>
-                  <a:srgbClr val="FFFFFF"/>
-                </a:solidFill>
-              </a:rPr>
-              <a:t>Why Data Protection and Privacy is Important</a:t>
-            </a:r>
-          </a:p>
-        </p:txBody>
-      </p:sp>
-      <p:sp>
-        <p:nvSpPr>
-          <p:cNvPr id="3" name="Content Placeholder 2">
-            <a:extLst>
-              <a:ext uri="{FF2B5EF4-FFF2-40B4-BE49-F238E27FC236}">
-                <a16:creationId xmlns:a16="http://schemas.microsoft.com/office/drawing/2014/main" id="{ED589E4C-4C98-8875-F247-A046536933AC}"/>
-              </a:ext>
-            </a:extLst>
-          </p:cNvPr>
-          <p:cNvSpPr>
-            <a:spLocks noGrp="1"/>
-          </p:cNvSpPr>
-          <p:nvPr>
-            <p:ph idx="1"/>
-          </p:nvPr>
-        </p:nvSpPr>
-        <p:spPr>
-          <a:xfrm>
-            <a:off x="1371599" y="2318197"/>
-            <a:ext cx="9724031" cy="3683358"/>
-          </a:xfrm>
-        </p:spPr>
-        <p:txBody>
-          <a:bodyPr anchor="ctr">
-            <a:normAutofit/>
-          </a:bodyPr>
-          <a:lstStyle/>
-          <a:p>
-            <a:pPr marL="514350" indent="-514350">
-              <a:buFont typeface="+mj-lt"/>
-              <a:buAutoNum type="arabicPeriod"/>
-            </a:pPr>
-            <a:r>
-              <a:rPr lang="en-US" sz="2000" b="1"/>
-              <a:t>Trust:</a:t>
-            </a:r>
-            <a:r>
-              <a:rPr lang="en-US" sz="2000"/>
-              <a:t> Businesses and governments must prioritize data protection and privacy to maintain trust with users and citizens.</a:t>
-            </a:r>
-          </a:p>
-          <a:p>
-            <a:pPr marL="514350" indent="-514350">
-              <a:buFont typeface="+mj-lt"/>
-              <a:buAutoNum type="arabicPeriod"/>
-            </a:pPr>
-            <a:r>
-              <a:rPr lang="en-US" sz="2000" b="1"/>
-              <a:t>Compliance:</a:t>
-            </a:r>
-            <a:r>
-              <a:rPr lang="en-US" sz="2000"/>
-              <a:t> Adhering to laws and standards minimizes legal risks and penalties. </a:t>
-            </a:r>
-            <a:r>
-              <a:rPr lang="en-US" sz="2000" b="0" i="0">
-                <a:effectLst/>
-                <a:latin typeface="DeepSeek-CJK-patch"/>
-              </a:rPr>
-              <a:t>Violations can lead to heavy fines (e.g., GDPR penalties up to €20 million or 4% of global revenue).</a:t>
-            </a:r>
-            <a:endParaRPr lang="en-US" sz="2000"/>
-          </a:p>
-          <a:p>
-            <a:pPr marL="514350" indent="-514350">
-              <a:buFont typeface="+mj-lt"/>
-              <a:buAutoNum type="arabicPeriod"/>
-            </a:pPr>
-            <a:r>
-              <a:rPr lang="en-US" sz="2000" b="1"/>
-              <a:t>Security:</a:t>
-            </a:r>
-            <a:r>
-              <a:rPr lang="en-US" sz="2000"/>
-              <a:t> Strong data protection safeguards sensitive information from hackers, fraudsters, and other threats.</a:t>
-            </a:r>
-            <a:endParaRPr lang="en-US" sz="2000" b="1"/>
-          </a:p>
-          <a:p>
-            <a:pPr marL="514350" indent="-514350">
-              <a:buFont typeface="+mj-lt"/>
-              <a:buAutoNum type="arabicPeriod"/>
-            </a:pPr>
-            <a:r>
-              <a:rPr lang="en-US" sz="2000" b="1"/>
-              <a:t>Empowerment:</a:t>
-            </a:r>
-            <a:r>
-              <a:rPr lang="en-US" sz="2000"/>
-              <a:t> Privacy gives individuals control over their own data, ensuring it is used responsibly and transparently.</a:t>
-            </a:r>
-          </a:p>
-        </p:txBody>
-      </p:sp>
-    </p:spTree>
-    <p:extLst>
-      <p:ext uri="{BB962C8B-B14F-4D97-AF65-F5344CB8AC3E}">
-        <p14:creationId xmlns:p14="http://schemas.microsoft.com/office/powerpoint/2010/main" val="1320706069"/>
-      </p:ext>
-    </p:extLst>
-  </p:cSld>
-  <p:clrMapOvr>
-    <a:masterClrMapping/>
-  </p:clrMapOvr>
-</p:sld>
-</file>
-
-<file path=ppt/slides/slide8.xml><?xml version="1.0" encoding="utf-8"?>
-<p:sld xmlns:a="http://schemas.openxmlformats.org/drawingml/2006/main" xmlns:r="http://schemas.openxmlformats.org/officeDocument/2006/relationships" xmlns:p="http://schemas.openxmlformats.org/presentationml/2006/main">
-  <p:cSld>
-    <p:bg>
-      <p:bgPr>
-        <a:solidFill>
-          <a:schemeClr val="bg1"/>
-        </a:solidFill>
-        <a:effectLst/>
-      </p:bgPr>
-    </p:bg>
-    <p:spTree>
-      <p:nvGrpSpPr>
-        <p:cNvPr id="1" name=""/>
-        <p:cNvGrpSpPr/>
-        <p:nvPr/>
-      </p:nvGrpSpPr>
-      <p:grpSpPr>
-        <a:xfrm>
-          <a:off x="0" y="0"/>
-          <a:ext cx="0" cy="0"/>
-          <a:chOff x="0" y="0"/>
-          <a:chExt cx="0" cy="0"/>
-        </a:xfrm>
-      </p:grpSpPr>
-      <p:sp useBgFill="1">
-        <p:nvSpPr>
-          <p:cNvPr id="8" name="Rectangle 7">
-            <a:extLst>
-              <a:ext uri="{FF2B5EF4-FFF2-40B4-BE49-F238E27FC236}">
-                <a16:creationId xmlns:a16="http://schemas.microsoft.com/office/drawing/2014/main" id="{1B15ED52-F352-441B-82BF-E0EA34836D08}"/>
-              </a:ext>
-              <a:ext uri="{C183D7F6-B498-43B3-948B-1728B52AA6E4}">
-                <adec:decorative xmlns:adec="http://schemas.microsoft.com/office/drawing/2017/decorative" val="1"/>
-              </a:ext>
-            </a:extLst>
-          </p:cNvPr>
-          <p:cNvSpPr>
-            <a:spLocks noGrp="1" noRot="1" noChangeAspect="1" noMove="1" noResize="1" noEditPoints="1" noAdjustHandles="1" noChangeArrowheads="1" noChangeShapeType="1" noTextEdit="1"/>
-          </p:cNvSpPr>
-          <p:nvPr>
-            <p:extLst>
-              <p:ext uri="{386F3935-93C4-4BCD-93E2-E3B085C9AB24}">
-                <p16:designElem xmlns:p16="http://schemas.microsoft.com/office/powerpoint/2015/main" val="1"/>
-              </p:ext>
-            </p:extLst>
-          </p:nvPr>
-        </p:nvSpPr>
-        <p:spPr>
-          <a:xfrm>
-            <a:off x="0" y="0"/>
-            <a:ext cx="12192000" cy="6858000"/>
-          </a:xfrm>
-          <a:prstGeom prst="rect">
-            <a:avLst/>
-          </a:prstGeom>
-          <a:ln w="12700" cap="flat" cmpd="sng" algn="ctr">
-            <a:noFill/>
-            <a:prstDash val="solid"/>
-            <a:miter lim="800000"/>
-          </a:ln>
-          <a:effectLst/>
-          <a:extLst>
-            <a:ext uri="{91240B29-F687-4F45-9708-019B960494DF}">
-              <a14:hiddenLine xmlns:a14="http://schemas.microsoft.com/office/drawing/2010/main" w="12700" cap="flat" cmpd="sng" algn="ctr">
-                <a:solidFill>
-                  <a:schemeClr val="accent1">
-                    <a:shade val="50000"/>
-                  </a:schemeClr>
-                </a:solidFill>
-                <a:prstDash val="solid"/>
-                <a:miter lim="800000"/>
-              </a14:hiddenLine>
-            </a:ext>
-          </a:extLst>
-        </p:spPr>
-        <p:style>
-          <a:lnRef idx="2">
-            <a:schemeClr val="accent1">
-              <a:shade val="50000"/>
-            </a:schemeClr>
-          </a:lnRef>
-          <a:fillRef idx="1">
-            <a:schemeClr val="accent1"/>
-          </a:fillRef>
-          <a:effectRef idx="0">
-            <a:schemeClr val="accent1"/>
-          </a:effectRef>
-          <a:fontRef idx="minor">
-            <a:schemeClr val="lt1"/>
-          </a:fontRef>
-        </p:style>
-        <p:txBody>
-          <a:bodyPr rtlCol="0" anchor="ctr"/>
-          <a:lstStyle/>
-          <a:p>
-            <a:pPr algn="ctr"/>
-            <a:endParaRPr lang="en-US"/>
-          </a:p>
-        </p:txBody>
-      </p:sp>
-      <p:sp>
-        <p:nvSpPr>
-          <p:cNvPr id="10" name="Rectangle 9">
-            <a:extLst>
-              <a:ext uri="{FF2B5EF4-FFF2-40B4-BE49-F238E27FC236}">
-                <a16:creationId xmlns:a16="http://schemas.microsoft.com/office/drawing/2014/main" id="{3B2E3793-BFE6-45A2-9B7B-E18844431C99}"/>
-              </a:ext>
-              <a:ext uri="{C183D7F6-B498-43B3-948B-1728B52AA6E4}">
-                <adec:decorative xmlns:adec="http://schemas.microsoft.com/office/drawing/2017/decorative" val="1"/>
-              </a:ext>
-            </a:extLst>
-          </p:cNvPr>
-          <p:cNvSpPr>
-            <a:spLocks noGrp="1" noRot="1" noChangeAspect="1" noMove="1" noResize="1" noEditPoints="1" noAdjustHandles="1" noChangeArrowheads="1" noChangeShapeType="1" noTextEdit="1"/>
-          </p:cNvSpPr>
-          <p:nvPr>
-            <p:extLst>
-              <p:ext uri="{386F3935-93C4-4BCD-93E2-E3B085C9AB24}">
-                <p16:designElem xmlns:p16="http://schemas.microsoft.com/office/powerpoint/2015/main" val="1"/>
-              </p:ext>
-            </p:extLst>
-          </p:nvPr>
-        </p:nvSpPr>
-        <p:spPr>
-          <a:xfrm flipH="1">
-            <a:off x="-1" y="-1"/>
-            <a:ext cx="12191998" cy="1590742"/>
-          </a:xfrm>
-          <a:prstGeom prst="rect">
-            <a:avLst/>
-          </a:prstGeom>
-          <a:gradFill>
-            <a:gsLst>
-              <a:gs pos="0">
-                <a:srgbClr val="000000"/>
-              </a:gs>
-              <a:gs pos="100000">
-                <a:schemeClr val="accent1">
-                  <a:lumMod val="75000"/>
-                </a:schemeClr>
-              </a:gs>
-            </a:gsLst>
-            <a:lin ang="8400000" scaled="0"/>
-          </a:gradFill>
-          <a:ln>
-            <a:noFill/>
-          </a:ln>
-        </p:spPr>
-        <p:style>
-          <a:lnRef idx="2">
-            <a:schemeClr val="accent1">
-              <a:shade val="50000"/>
-            </a:schemeClr>
-          </a:lnRef>
-          <a:fillRef idx="1">
-            <a:schemeClr val="accent1"/>
-          </a:fillRef>
-          <a:effectRef idx="0">
-            <a:schemeClr val="accent1"/>
-          </a:effectRef>
-          <a:fontRef idx="minor">
-            <a:schemeClr val="lt1"/>
-          </a:fontRef>
-        </p:style>
-        <p:txBody>
-          <a:bodyPr rtlCol="0" anchor="ctr"/>
-          <a:lstStyle/>
-          <a:p>
-            <a:pPr algn="ctr"/>
-            <a:endParaRPr lang="en-US"/>
-          </a:p>
-        </p:txBody>
-      </p:sp>
-      <p:sp>
-        <p:nvSpPr>
-          <p:cNvPr id="12" name="Rectangle 11">
-            <a:extLst>
-              <a:ext uri="{FF2B5EF4-FFF2-40B4-BE49-F238E27FC236}">
-                <a16:creationId xmlns:a16="http://schemas.microsoft.com/office/drawing/2014/main" id="{BC4C4868-CB8F-4AF9-9CDB-8108F2C19B67}"/>
-              </a:ext>
-              <a:ext uri="{C183D7F6-B498-43B3-948B-1728B52AA6E4}">
-                <adec:decorative xmlns:adec="http://schemas.microsoft.com/office/drawing/2017/decorative" val="1"/>
-              </a:ext>
-            </a:extLst>
-          </p:cNvPr>
-          <p:cNvSpPr>
-            <a:spLocks noGrp="1" noRot="1" noChangeAspect="1" noMove="1" noResize="1" noEditPoints="1" noAdjustHandles="1" noChangeArrowheads="1" noChangeShapeType="1" noTextEdit="1"/>
-          </p:cNvSpPr>
-          <p:nvPr>
-            <p:extLst>
-              <p:ext uri="{386F3935-93C4-4BCD-93E2-E3B085C9AB24}">
-                <p16:designElem xmlns:p16="http://schemas.microsoft.com/office/powerpoint/2015/main" val="1"/>
-              </p:ext>
-            </p:extLst>
-          </p:nvPr>
-        </p:nvSpPr>
-        <p:spPr>
-          <a:xfrm rot="10800000" flipH="1">
-            <a:off x="-3" y="0"/>
-            <a:ext cx="8115306" cy="1590742"/>
-          </a:xfrm>
-          <a:prstGeom prst="rect">
-            <a:avLst/>
-          </a:prstGeom>
-          <a:gradFill>
-            <a:gsLst>
-              <a:gs pos="20000">
-                <a:schemeClr val="accent1">
-                  <a:alpha val="0"/>
-                </a:schemeClr>
-              </a:gs>
-              <a:gs pos="100000">
-                <a:schemeClr val="accent1">
-                  <a:lumMod val="50000"/>
-                  <a:alpha val="55000"/>
-                </a:schemeClr>
-              </a:gs>
-            </a:gsLst>
-            <a:lin ang="13800000" scaled="0"/>
-          </a:gradFill>
-          <a:ln>
-            <a:noFill/>
-          </a:ln>
-        </p:spPr>
-        <p:style>
-          <a:lnRef idx="2">
-            <a:schemeClr val="accent1">
-              <a:shade val="50000"/>
-            </a:schemeClr>
-          </a:lnRef>
-          <a:fillRef idx="1">
-            <a:schemeClr val="accent1"/>
-          </a:fillRef>
-          <a:effectRef idx="0">
-            <a:schemeClr val="accent1"/>
-          </a:effectRef>
-          <a:fontRef idx="minor">
-            <a:schemeClr val="lt1"/>
-          </a:fontRef>
-        </p:style>
-        <p:txBody>
-          <a:bodyPr rtlCol="0" anchor="ctr"/>
-          <a:lstStyle/>
-          <a:p>
-            <a:pPr algn="ctr"/>
-            <a:endParaRPr lang="en-US"/>
-          </a:p>
-        </p:txBody>
-      </p:sp>
-      <p:sp>
-        <p:nvSpPr>
-          <p:cNvPr id="14" name="Rectangle 13">
-            <a:extLst>
-              <a:ext uri="{FF2B5EF4-FFF2-40B4-BE49-F238E27FC236}">
-                <a16:creationId xmlns:a16="http://schemas.microsoft.com/office/drawing/2014/main" id="{375E0459-6403-40CD-989D-56A4407CA12E}"/>
-              </a:ext>
-              <a:ext uri="{C183D7F6-B498-43B3-948B-1728B52AA6E4}">
-                <adec:decorative xmlns:adec="http://schemas.microsoft.com/office/drawing/2017/decorative" val="1"/>
-              </a:ext>
-            </a:extLst>
-          </p:cNvPr>
-          <p:cNvSpPr>
-            <a:spLocks noGrp="1" noRot="1" noChangeAspect="1" noMove="1" noResize="1" noEditPoints="1" noAdjustHandles="1" noChangeArrowheads="1" noChangeShapeType="1" noTextEdit="1"/>
-          </p:cNvSpPr>
-          <p:nvPr>
-            <p:extLst>
-              <p:ext uri="{386F3935-93C4-4BCD-93E2-E3B085C9AB24}">
-                <p16:designElem xmlns:p16="http://schemas.microsoft.com/office/powerpoint/2015/main" val="1"/>
-              </p:ext>
-            </p:extLst>
-          </p:nvPr>
-        </p:nvSpPr>
-        <p:spPr>
-          <a:xfrm flipH="1">
-            <a:off x="8115299" y="-1"/>
-            <a:ext cx="4076698" cy="1590742"/>
-          </a:xfrm>
-          <a:prstGeom prst="rect">
-            <a:avLst/>
-          </a:prstGeom>
-          <a:gradFill>
-            <a:gsLst>
-              <a:gs pos="0">
-                <a:schemeClr val="accent1">
-                  <a:alpha val="66000"/>
-                </a:schemeClr>
-              </a:gs>
-              <a:gs pos="100000">
-                <a:srgbClr val="000000">
-                  <a:alpha val="30000"/>
-                </a:srgbClr>
-              </a:gs>
-            </a:gsLst>
-            <a:lin ang="13200000" scaled="0"/>
-          </a:gradFill>
-          <a:ln>
-            <a:noFill/>
-          </a:ln>
-        </p:spPr>
-        <p:style>
-          <a:lnRef idx="2">
-            <a:schemeClr val="accent1">
-              <a:shade val="50000"/>
-            </a:schemeClr>
-          </a:lnRef>
-          <a:fillRef idx="1">
-            <a:schemeClr val="accent1"/>
-          </a:fillRef>
-          <a:effectRef idx="0">
-            <a:schemeClr val="accent1"/>
-          </a:effectRef>
-          <a:fontRef idx="minor">
-            <a:schemeClr val="lt1"/>
-          </a:fontRef>
-        </p:style>
-        <p:txBody>
-          <a:bodyPr rtlCol="0" anchor="ctr"/>
-          <a:lstStyle/>
-          <a:p>
-            <a:pPr algn="ctr"/>
-            <a:endParaRPr lang="en-US"/>
-          </a:p>
-        </p:txBody>
-      </p:sp>
-      <p:sp>
-        <p:nvSpPr>
-          <p:cNvPr id="16" name="Rectangle 15">
-            <a:extLst>
-              <a:ext uri="{FF2B5EF4-FFF2-40B4-BE49-F238E27FC236}">
-                <a16:creationId xmlns:a16="http://schemas.microsoft.com/office/drawing/2014/main" id="{53E5B1A8-3AC9-4BD1-9BBC-78CA94F2D1BA}"/>
-              </a:ext>
-              <a:ext uri="{C183D7F6-B498-43B3-948B-1728B52AA6E4}">
-                <adec:decorative xmlns:adec="http://schemas.microsoft.com/office/drawing/2017/decorative" val="1"/>
-              </a:ext>
-            </a:extLst>
-          </p:cNvPr>
-          <p:cNvSpPr>
-            <a:spLocks noGrp="1" noRot="1" noChangeAspect="1" noMove="1" noResize="1" noEditPoints="1" noAdjustHandles="1" noChangeArrowheads="1" noChangeShapeType="1" noTextEdit="1"/>
-          </p:cNvSpPr>
-          <p:nvPr>
-            <p:extLst>
-              <p:ext uri="{386F3935-93C4-4BCD-93E2-E3B085C9AB24}">
-                <p16:designElem xmlns:p16="http://schemas.microsoft.com/office/powerpoint/2015/main" val="1"/>
-              </p:ext>
-            </p:extLst>
-          </p:nvPr>
-        </p:nvSpPr>
-        <p:spPr>
-          <a:xfrm>
-            <a:off x="459350" y="-1"/>
-            <a:ext cx="11732646" cy="1597433"/>
-          </a:xfrm>
-          <a:prstGeom prst="rect">
-            <a:avLst/>
-          </a:prstGeom>
-          <a:gradFill>
-            <a:gsLst>
-              <a:gs pos="50000">
-                <a:srgbClr val="000000">
-                  <a:alpha val="0"/>
-                </a:srgbClr>
-              </a:gs>
-              <a:gs pos="99000">
-                <a:schemeClr val="accent1">
-                  <a:lumMod val="50000"/>
-                  <a:alpha val="52000"/>
-                </a:schemeClr>
-              </a:gs>
-            </a:gsLst>
-            <a:lin ang="16800000" scaled="0"/>
-          </a:gradFill>
-          <a:ln>
-            <a:noFill/>
-          </a:ln>
-        </p:spPr>
-        <p:style>
-          <a:lnRef idx="2">
-            <a:schemeClr val="accent1">
-              <a:shade val="50000"/>
-            </a:schemeClr>
-          </a:lnRef>
-          <a:fillRef idx="1">
-            <a:schemeClr val="accent1"/>
-          </a:fillRef>
-          <a:effectRef idx="0">
-            <a:schemeClr val="accent1"/>
-          </a:effectRef>
-          <a:fontRef idx="minor">
-            <a:schemeClr val="lt1"/>
-          </a:fontRef>
-        </p:style>
-        <p:txBody>
-          <a:bodyPr rtlCol="0" anchor="ctr"/>
-          <a:lstStyle/>
-          <a:p>
-            <a:pPr algn="ctr"/>
-            <a:endParaRPr lang="en-US"/>
-          </a:p>
-        </p:txBody>
-      </p:sp>
-      <p:sp>
-        <p:nvSpPr>
-          <p:cNvPr id="2" name="Title 1">
-            <a:extLst>
-              <a:ext uri="{FF2B5EF4-FFF2-40B4-BE49-F238E27FC236}">
                 <a16:creationId xmlns:a16="http://schemas.microsoft.com/office/drawing/2014/main" id="{11A4E294-61AF-706B-8189-401D2DEF4F31}"/>
               </a:ext>
             </a:extLst>
@@ -33531,13 +31799,13 @@
         </p:nvSpPr>
         <p:spPr>
           <a:xfrm>
-            <a:off x="655638" y="1795463"/>
-            <a:ext cx="10439400" cy="4611687"/>
+            <a:off x="459346" y="1590741"/>
+            <a:ext cx="11273304" cy="5162599"/>
           </a:xfrm>
         </p:spPr>
         <p:txBody>
           <a:bodyPr anchor="ctr">
-            <a:normAutofit fontScale="92500" lnSpcReduction="10000"/>
+            <a:normAutofit/>
           </a:bodyPr>
           <a:lstStyle/>
           <a:p>
@@ -33816,7 +32084,7 @@
             <a:pPr marL="0" indent="0">
               <a:buNone/>
             </a:pPr>
-            <a:endParaRPr lang="en-US" sz="1300" dirty="0"/>
+            <a:endParaRPr lang="en-US" sz="1400" dirty="0"/>
           </a:p>
         </p:txBody>
       </p:sp>
@@ -33833,7 +32101,7 @@
 </p:sld>
 </file>
 
-<file path=ppt/slides/slide9.xml><?xml version="1.0" encoding="utf-8"?>
+<file path=ppt/slides/slide8.xml><?xml version="1.0" encoding="utf-8"?>
 <p:sld xmlns:a="http://schemas.openxmlformats.org/drawingml/2006/main" xmlns:r="http://schemas.openxmlformats.org/officeDocument/2006/relationships" xmlns:p="http://schemas.openxmlformats.org/presentationml/2006/main">
   <p:cSld>
     <p:spTree>
@@ -33866,7 +32134,12 @@
             <p:ph type="title"/>
           </p:nvPr>
         </p:nvSpPr>
-        <p:spPr/>
+        <p:spPr>
+          <a:xfrm>
+            <a:off x="838197" y="0"/>
+            <a:ext cx="10515600" cy="1325563"/>
+          </a:xfrm>
+        </p:spPr>
         <p:txBody>
           <a:bodyPr/>
           <a:lstStyle/>
@@ -33894,14 +32167,14 @@
             <p:ph idx="1"/>
             <p:extLst>
               <p:ext uri="{D42A27DB-BD31-4B8C-83A1-F6EECF244321}">
-                <p14:modId xmlns:p14="http://schemas.microsoft.com/office/powerpoint/2010/main" val="3781491291"/>
+                <p14:modId xmlns:p14="http://schemas.microsoft.com/office/powerpoint/2010/main" val="1762446462"/>
               </p:ext>
             </p:extLst>
           </p:nvPr>
         </p:nvGraphicFramePr>
         <p:xfrm>
-          <a:off x="838200" y="1825625"/>
-          <a:ext cx="10515597" cy="4394200"/>
+          <a:off x="838197" y="1325563"/>
+          <a:ext cx="10494481" cy="5181600"/>
         </p:xfrm>
         <a:graphic>
           <a:graphicData uri="http://schemas.openxmlformats.org/drawingml/2006/table">
@@ -33910,21 +32183,21 @@
                 <a:tableStyleId>{5C22544A-7EE6-4342-B048-85BDC9FD1C3A}</a:tableStyleId>
               </a:tblPr>
               <a:tblGrid>
-                <a:gridCol w="3505199">
+                <a:gridCol w="4363997">
                   <a:extLst>
                     <a:ext uri="{9D8B030D-6E8A-4147-A177-3AD203B41FA5}">
                       <a16:colId xmlns:a16="http://schemas.microsoft.com/office/drawing/2014/main" val="1224747410"/>
                     </a:ext>
                   </a:extLst>
                 </a:gridCol>
-                <a:gridCol w="3505199">
+                <a:gridCol w="2847639">
                   <a:extLst>
                     <a:ext uri="{9D8B030D-6E8A-4147-A177-3AD203B41FA5}">
                       <a16:colId xmlns:a16="http://schemas.microsoft.com/office/drawing/2014/main" val="117343568"/>
                     </a:ext>
                   </a:extLst>
                 </a:gridCol>
-                <a:gridCol w="3505199">
+                <a:gridCol w="3282845">
                   <a:extLst>
                     <a:ext uri="{9D8B030D-6E8A-4147-A177-3AD203B41FA5}">
                       <a16:colId xmlns:a16="http://schemas.microsoft.com/office/drawing/2014/main" val="114266472"/>
@@ -33932,14 +32205,14 @@
                   </a:extLst>
                 </a:gridCol>
               </a:tblGrid>
-              <a:tr h="370840">
+              <a:tr h="366853">
                 <a:tc>
                   <a:txBody>
                     <a:bodyPr/>
                     <a:lstStyle/>
                     <a:p>
                       <a:r>
-                        <a:rPr lang="en-US" dirty="0"/>
+                        <a:rPr lang="en-US" sz="1900" dirty="0"/>
                         <a:t>Law</a:t>
                       </a:r>
                     </a:p>
@@ -33952,7 +32225,7 @@
                     <a:lstStyle/>
                     <a:p>
                       <a:r>
-                        <a:rPr lang="en-US" dirty="0"/>
+                        <a:rPr lang="en-US" sz="1900" dirty="0"/>
                         <a:t>Region</a:t>
                       </a:r>
                     </a:p>
@@ -33965,7 +32238,7 @@
                     <a:lstStyle/>
                     <a:p>
                       <a:r>
-                        <a:rPr lang="en-US" dirty="0"/>
+                        <a:rPr lang="en-US" sz="1900" dirty="0"/>
                         <a:t>Key  Feature</a:t>
                       </a:r>
                     </a:p>
@@ -33978,14 +32251,14 @@
                   </a:ext>
                 </a:extLst>
               </a:tr>
-              <a:tr h="370840">
+              <a:tr h="904569">
                 <a:tc>
                   <a:txBody>
                     <a:bodyPr/>
                     <a:lstStyle/>
                     <a:p>
                       <a:r>
-                        <a:rPr lang="en-US" sz="1800" b="1" i="0" kern="1200" dirty="0">
+                        <a:rPr lang="en-US" sz="1900" b="1" i="0" kern="1200" dirty="0">
                           <a:solidFill>
                             <a:schemeClr val="dk1"/>
                           </a:solidFill>
@@ -33996,7 +32269,7 @@
                         </a:rPr>
                         <a:t>GDPR (General Data Protection Regulation)</a:t>
                       </a:r>
-                      <a:endParaRPr lang="en-US" dirty="0"/>
+                      <a:endParaRPr lang="en-US" sz="1900" dirty="0"/>
                     </a:p>
                   </a:txBody>
                   <a:tcPr/>
@@ -34007,7 +32280,7 @@
                     <a:lstStyle/>
                     <a:p>
                       <a:r>
-                        <a:rPr lang="en-US" sz="1800" b="0" i="0" kern="1200" dirty="0">
+                        <a:rPr lang="en-US" sz="1900" b="0" i="0" kern="1200" dirty="0">
                           <a:solidFill>
                             <a:schemeClr val="dk1"/>
                           </a:solidFill>
@@ -34018,7 +32291,7 @@
                         </a:rPr>
                         <a:t>EU (applies globally if handling EU data)</a:t>
                       </a:r>
-                      <a:endParaRPr lang="en-US" dirty="0"/>
+                      <a:endParaRPr lang="en-US" sz="1900" dirty="0"/>
                     </a:p>
                   </a:txBody>
                   <a:tcPr/>
@@ -34029,7 +32302,7 @@
                     <a:lstStyle/>
                     <a:p>
                       <a:r>
-                        <a:rPr lang="en-US" sz="1800" b="0" i="0" kern="1200" dirty="0">
+                        <a:rPr lang="en-US" sz="1900" b="0" i="0" kern="1200" dirty="0">
                           <a:solidFill>
                             <a:schemeClr val="dk1"/>
                           </a:solidFill>
@@ -34041,10 +32314,10 @@
                         <a:t>-Strict consent requirements</a:t>
                       </a:r>
                       <a:br>
-                        <a:rPr lang="en-US" dirty="0"/>
+                        <a:rPr lang="en-US" sz="1900" dirty="0"/>
                       </a:br>
                       <a:r>
-                        <a:rPr lang="en-US" sz="1800" b="0" i="0" kern="1200" dirty="0">
+                        <a:rPr lang="en-US" sz="1900" b="0" i="0" kern="1200" dirty="0">
                           <a:solidFill>
                             <a:schemeClr val="dk1"/>
                           </a:solidFill>
@@ -34056,10 +32329,10 @@
                         <a:t>- Right to be forgotten</a:t>
                       </a:r>
                       <a:br>
-                        <a:rPr lang="en-US" dirty="0"/>
+                        <a:rPr lang="en-US" sz="1900" dirty="0"/>
                       </a:br>
                       <a:r>
-                        <a:rPr lang="en-US" sz="1800" b="0" i="0" kern="1200" dirty="0">
+                        <a:rPr lang="en-US" sz="1900" b="0" i="0" kern="1200" dirty="0">
                           <a:solidFill>
                             <a:schemeClr val="dk1"/>
                           </a:solidFill>
@@ -34070,7 +32343,7 @@
                         </a:rPr>
                         <a:t>- Heavy fines for violations</a:t>
                       </a:r>
-                      <a:endParaRPr lang="en-US" dirty="0"/>
+                      <a:endParaRPr lang="en-US" sz="1900" dirty="0"/>
                     </a:p>
                   </a:txBody>
                   <a:tcPr/>
@@ -34081,14 +32354,14 @@
                   </a:ext>
                 </a:extLst>
               </a:tr>
-              <a:tr h="370840">
+              <a:tr h="904569">
                 <a:tc>
                   <a:txBody>
                     <a:bodyPr/>
                     <a:lstStyle/>
                     <a:p>
                       <a:r>
-                        <a:rPr lang="en-US" sz="1800" b="1" i="0" kern="1200" dirty="0">
+                        <a:rPr lang="en-US" sz="1900" b="1" i="0" kern="1200" dirty="0">
                           <a:solidFill>
                             <a:schemeClr val="dk1"/>
                           </a:solidFill>
@@ -34099,7 +32372,7 @@
                         </a:rPr>
                         <a:t>CCPA (California Consumer Privacy Act)</a:t>
                       </a:r>
-                      <a:endParaRPr lang="en-US" dirty="0"/>
+                      <a:endParaRPr lang="en-US" sz="1900" dirty="0"/>
                     </a:p>
                   </a:txBody>
                   <a:tcPr/>
@@ -34110,7 +32383,7 @@
                     <a:lstStyle/>
                     <a:p>
                       <a:r>
-                        <a:rPr lang="en-US" sz="1800" b="0" i="0" kern="1200" dirty="0">
+                        <a:rPr lang="en-US" sz="1900" b="0" i="0" kern="1200" dirty="0">
                           <a:solidFill>
                             <a:schemeClr val="dk1"/>
                           </a:solidFill>
@@ -34121,7 +32394,7 @@
                         </a:rPr>
                         <a:t>California, USA</a:t>
                       </a:r>
-                      <a:endParaRPr lang="en-US" dirty="0"/>
+                      <a:endParaRPr lang="en-US" sz="1900" dirty="0"/>
                     </a:p>
                   </a:txBody>
                   <a:tcPr/>
@@ -34132,7 +32405,7 @@
                     <a:lstStyle/>
                     <a:p>
                       <a:r>
-                        <a:rPr lang="en-US" sz="1800" b="0" i="0" kern="1200" dirty="0">
+                        <a:rPr lang="en-US" sz="1900" b="0" i="0" kern="1200" dirty="0">
                           <a:solidFill>
                             <a:schemeClr val="dk1"/>
                           </a:solidFill>
@@ -34144,10 +32417,10 @@
                         <a:t>-  Right to Opt-Out of data sales</a:t>
                       </a:r>
                       <a:br>
-                        <a:rPr lang="en-US" dirty="0"/>
+                        <a:rPr lang="en-US" sz="1900" dirty="0"/>
                       </a:br>
                       <a:r>
-                        <a:rPr lang="en-US" sz="1800" b="0" i="0" kern="1200" dirty="0">
+                        <a:rPr lang="en-US" sz="1900" b="0" i="0" kern="1200" dirty="0">
                           <a:solidFill>
                             <a:schemeClr val="dk1"/>
                           </a:solidFill>
@@ -34158,7 +32431,7 @@
                         </a:rPr>
                         <a:t>- Disclosure of data collection practices</a:t>
                       </a:r>
-                      <a:endParaRPr lang="en-US" dirty="0"/>
+                      <a:endParaRPr lang="en-US" sz="1900" dirty="0"/>
                     </a:p>
                   </a:txBody>
                   <a:tcPr/>
@@ -34169,14 +32442,14 @@
                   </a:ext>
                 </a:extLst>
               </a:tr>
-              <a:tr h="370840">
+              <a:tr h="633199">
                 <a:tc>
                   <a:txBody>
                     <a:bodyPr/>
                     <a:lstStyle/>
                     <a:p>
                       <a:r>
-                        <a:rPr lang="en-US" sz="1800" b="1" i="0" kern="1200" dirty="0">
+                        <a:rPr lang="en-US" sz="1900" b="1" i="0" kern="1200" dirty="0">
                           <a:solidFill>
                             <a:schemeClr val="dk1"/>
                           </a:solidFill>
@@ -34187,7 +32460,7 @@
                         </a:rPr>
                         <a:t>PDPA (Personal Data Protection Act)</a:t>
                       </a:r>
-                      <a:endParaRPr lang="en-US" dirty="0"/>
+                      <a:endParaRPr lang="en-US" sz="1900" dirty="0"/>
                     </a:p>
                   </a:txBody>
                   <a:tcPr/>
@@ -34198,7 +32471,7 @@
                     <a:lstStyle/>
                     <a:p>
                       <a:r>
-                        <a:rPr lang="en-US" sz="1800" b="0" i="0" kern="1200" dirty="0">
+                        <a:rPr lang="en-US" sz="1900" b="0" i="0" kern="1200" dirty="0">
                           <a:solidFill>
                             <a:schemeClr val="dk1"/>
                           </a:solidFill>
@@ -34209,7 +32482,7 @@
                         </a:rPr>
                         <a:t>Singapore</a:t>
                       </a:r>
-                      <a:endParaRPr lang="en-US" dirty="0"/>
+                      <a:endParaRPr lang="en-US" sz="1900" dirty="0"/>
                     </a:p>
                   </a:txBody>
                   <a:tcPr/>
@@ -34220,7 +32493,7 @@
                     <a:lstStyle/>
                     <a:p>
                       <a:r>
-                        <a:rPr lang="en-US" sz="1800" b="0" i="0" kern="1200" dirty="0">
+                        <a:rPr lang="en-US" sz="1900" b="0" i="0" kern="1200" dirty="0">
                           <a:solidFill>
                             <a:schemeClr val="dk1"/>
                           </a:solidFill>
@@ -34232,10 +32505,10 @@
                         <a:t>- Requires consent for data use</a:t>
                       </a:r>
                       <a:br>
-                        <a:rPr lang="en-US" dirty="0"/>
+                        <a:rPr lang="en-US" sz="1900" dirty="0"/>
                       </a:br>
                       <a:r>
-                        <a:rPr lang="en-US" sz="1800" b="0" i="0" kern="1200" dirty="0">
+                        <a:rPr lang="en-US" sz="1900" b="0" i="0" kern="1200" dirty="0">
                           <a:solidFill>
                             <a:schemeClr val="dk1"/>
                           </a:solidFill>
@@ -34246,7 +32519,7 @@
                         </a:rPr>
                         <a:t>- Mandatory breach notifications</a:t>
                       </a:r>
-                      <a:endParaRPr lang="en-US" dirty="0"/>
+                      <a:endParaRPr lang="en-US" sz="1900" dirty="0"/>
                     </a:p>
                   </a:txBody>
                   <a:tcPr/>
@@ -34257,14 +32530,14 @@
                   </a:ext>
                 </a:extLst>
               </a:tr>
-              <a:tr h="370840">
+              <a:tr h="904569">
                 <a:tc>
                   <a:txBody>
                     <a:bodyPr/>
                     <a:lstStyle/>
                     <a:p>
                       <a:r>
-                        <a:rPr lang="pt-BR" sz="1800" b="1" i="0" kern="1200" dirty="0">
+                        <a:rPr lang="pt-BR" sz="1900" b="1" i="0" kern="1200" dirty="0">
                           <a:solidFill>
                             <a:schemeClr val="dk1"/>
                           </a:solidFill>
@@ -34275,7 +32548,7 @@
                         </a:rPr>
                         <a:t>LGPD (Lei Geral de Proteção de Dados)</a:t>
                       </a:r>
-                      <a:endParaRPr lang="en-US" dirty="0"/>
+                      <a:endParaRPr lang="en-US" sz="1900" dirty="0"/>
                     </a:p>
                   </a:txBody>
                   <a:tcPr/>
@@ -34286,7 +32559,7 @@
                     <a:lstStyle/>
                     <a:p>
                       <a:r>
-                        <a:rPr lang="en-US" sz="1800" b="0" i="0" kern="1200" dirty="0">
+                        <a:rPr lang="en-US" sz="1900" b="0" i="0" kern="1200" dirty="0">
                           <a:solidFill>
                             <a:schemeClr val="dk1"/>
                           </a:solidFill>
@@ -34297,7 +32570,7 @@
                         </a:rPr>
                         <a:t>Brazil</a:t>
                       </a:r>
-                      <a:endParaRPr lang="en-US" dirty="0"/>
+                      <a:endParaRPr lang="en-US" sz="1900" dirty="0"/>
                     </a:p>
                   </a:txBody>
                   <a:tcPr/>
@@ -34308,7 +32581,7 @@
                     <a:lstStyle/>
                     <a:p>
                       <a:r>
-                        <a:rPr lang="en-US" sz="1800" b="0" i="0" kern="1200" dirty="0">
+                        <a:rPr lang="en-US" sz="1900" b="0" i="0" kern="1200" dirty="0">
                           <a:solidFill>
                             <a:schemeClr val="dk1"/>
                           </a:solidFill>
@@ -34320,10 +32593,10 @@
                         <a:t> Similar to GDPR</a:t>
                       </a:r>
                       <a:br>
-                        <a:rPr lang="en-US" dirty="0"/>
+                        <a:rPr lang="en-US" sz="1900" dirty="0"/>
                       </a:br>
                       <a:r>
-                        <a:rPr lang="en-US" sz="1800" b="0" i="0" kern="1200" dirty="0">
+                        <a:rPr lang="en-US" sz="1900" b="0" i="0" kern="1200" dirty="0">
                           <a:solidFill>
                             <a:schemeClr val="dk1"/>
                           </a:solidFill>
@@ -34334,7 +32607,7 @@
                         </a:rPr>
                         <a:t>- Applies to all companies processing Brazilian data</a:t>
                       </a:r>
-                      <a:endParaRPr lang="en-US" dirty="0"/>
+                      <a:endParaRPr lang="en-US" sz="1900" dirty="0"/>
                     </a:p>
                   </a:txBody>
                   <a:tcPr/>
@@ -34345,14 +32618,14 @@
                   </a:ext>
                 </a:extLst>
               </a:tr>
-              <a:tr h="370840">
+              <a:tr h="633199">
                 <a:tc>
                   <a:txBody>
                     <a:bodyPr/>
                     <a:lstStyle/>
                     <a:p>
                       <a:r>
-                        <a:rPr lang="en-US" sz="1800" b="1" i="0" kern="1200" dirty="0">
+                        <a:rPr lang="en-US" sz="1900" b="1" i="0" kern="1200" dirty="0">
                           <a:solidFill>
                             <a:schemeClr val="dk1"/>
                           </a:solidFill>
@@ -34363,7 +32636,7 @@
                         </a:rPr>
                         <a:t>DPDP Act (Digital Personal Data Protection Act, 2024)</a:t>
                       </a:r>
-                      <a:endParaRPr lang="en-US" dirty="0"/>
+                      <a:endParaRPr lang="en-US" sz="1900" dirty="0"/>
                     </a:p>
                   </a:txBody>
                   <a:tcPr/>
@@ -34374,7 +32647,7 @@
                     <a:lstStyle/>
                     <a:p>
                       <a:r>
-                        <a:rPr lang="en-US" sz="1800" b="0" i="0" kern="1200" dirty="0">
+                        <a:rPr lang="en-US" sz="1900" b="0" i="0" kern="1200" dirty="0">
                           <a:solidFill>
                             <a:schemeClr val="dk1"/>
                           </a:solidFill>
@@ -34385,7 +32658,7 @@
                         </a:rPr>
                         <a:t>Bangladesh</a:t>
                       </a:r>
-                      <a:endParaRPr lang="en-US" dirty="0"/>
+                      <a:endParaRPr lang="en-US" sz="1900" dirty="0"/>
                     </a:p>
                   </a:txBody>
                   <a:tcPr/>
@@ -34396,7 +32669,7 @@
                     <a:lstStyle/>
                     <a:p>
                       <a:r>
-                        <a:rPr lang="en-US" sz="1800" b="0" i="0" kern="1200" dirty="0">
+                        <a:rPr lang="en-US" sz="1900" b="0" i="0" kern="1200" dirty="0">
                           <a:solidFill>
                             <a:schemeClr val="dk1"/>
                           </a:solidFill>
@@ -34408,10 +32681,10 @@
                         <a:t>- Consent-based data processing</a:t>
                       </a:r>
                       <a:br>
-                        <a:rPr lang="en-US" dirty="0"/>
+                        <a:rPr lang="en-US" sz="1900" dirty="0"/>
                       </a:br>
                       <a:r>
-                        <a:rPr lang="en-US" sz="1800" b="0" i="0" kern="1200" dirty="0">
+                        <a:rPr lang="en-US" sz="1900" b="0" i="0" kern="1200" dirty="0">
                           <a:solidFill>
                             <a:schemeClr val="dk1"/>
                           </a:solidFill>
@@ -34422,7 +32695,7 @@
                         </a:rPr>
                         <a:t>- Penalties for non-compliance</a:t>
                       </a:r>
-                      <a:endParaRPr lang="en-US" dirty="0"/>
+                      <a:endParaRPr lang="en-US" sz="1900" dirty="0"/>
                     </a:p>
                   </a:txBody>
                   <a:tcPr/>
@@ -34441,6 +32714,139 @@
     <p:extLst>
       <p:ext uri="{BB962C8B-B14F-4D97-AF65-F5344CB8AC3E}">
         <p14:creationId xmlns:p14="http://schemas.microsoft.com/office/powerpoint/2010/main" val="2025176339"/>
+      </p:ext>
+    </p:extLst>
+  </p:cSld>
+  <p:clrMapOvr>
+    <a:masterClrMapping/>
+  </p:clrMapOvr>
+</p:sld>
+</file>
+
+<file path=ppt/slides/slide9.xml><?xml version="1.0" encoding="utf-8"?>
+<p:sld xmlns:a="http://schemas.openxmlformats.org/drawingml/2006/main" xmlns:r="http://schemas.openxmlformats.org/officeDocument/2006/relationships" xmlns:p="http://schemas.openxmlformats.org/presentationml/2006/main">
+  <p:cSld>
+    <p:spTree>
+      <p:nvGrpSpPr>
+        <p:cNvPr id="1" name=""/>
+        <p:cNvGrpSpPr/>
+        <p:nvPr/>
+      </p:nvGrpSpPr>
+      <p:grpSpPr>
+        <a:xfrm>
+          <a:off x="0" y="0"/>
+          <a:ext cx="0" cy="0"/>
+          <a:chOff x="0" y="0"/>
+          <a:chExt cx="0" cy="0"/>
+        </a:xfrm>
+      </p:grpSpPr>
+      <p:sp>
+        <p:nvSpPr>
+          <p:cNvPr id="2" name="Title 1">
+            <a:extLst>
+              <a:ext uri="{FF2B5EF4-FFF2-40B4-BE49-F238E27FC236}">
+                <a16:creationId xmlns:a16="http://schemas.microsoft.com/office/drawing/2014/main" id="{E928C1CA-4221-2875-6A8E-9B3243123B58}"/>
+              </a:ext>
+            </a:extLst>
+          </p:cNvPr>
+          <p:cNvSpPr>
+            <a:spLocks noGrp="1"/>
+          </p:cNvSpPr>
+          <p:nvPr>
+            <p:ph type="title"/>
+          </p:nvPr>
+        </p:nvSpPr>
+        <p:spPr/>
+        <p:txBody>
+          <a:bodyPr/>
+          <a:lstStyle/>
+          <a:p>
+            <a:r>
+              <a:rPr lang="en-US" dirty="0"/>
+              <a:t>GDPR Details</a:t>
+            </a:r>
+          </a:p>
+        </p:txBody>
+      </p:sp>
+      <p:sp>
+        <p:nvSpPr>
+          <p:cNvPr id="3" name="Content Placeholder 2">
+            <a:extLst>
+              <a:ext uri="{FF2B5EF4-FFF2-40B4-BE49-F238E27FC236}">
+                <a16:creationId xmlns:a16="http://schemas.microsoft.com/office/drawing/2014/main" id="{490E1020-821B-490D-E57F-D8F8FB7EF3DB}"/>
+              </a:ext>
+            </a:extLst>
+          </p:cNvPr>
+          <p:cNvSpPr>
+            <a:spLocks noGrp="1"/>
+          </p:cNvSpPr>
+          <p:nvPr>
+            <p:ph idx="1"/>
+          </p:nvPr>
+        </p:nvSpPr>
+        <p:spPr/>
+        <p:txBody>
+          <a:bodyPr>
+            <a:normAutofit fontScale="92500" lnSpcReduction="10000"/>
+          </a:bodyPr>
+          <a:lstStyle/>
+          <a:p>
+            <a:r>
+              <a:rPr lang="en-US" dirty="0"/>
+              <a:t>- </a:t>
+            </a:r>
+            <a:r>
+              <a:rPr lang="en-US" b="1" dirty="0"/>
+              <a:t>Strict Consent Requirements:</a:t>
+            </a:r>
+            <a:r>
+              <a:rPr lang="en-US" dirty="0"/>
+              <a:t> Organizations must obtain clear, informed, and freely given consent before processing personal data. Consent must be explicit for sensitive data and can be withdrawn at any time</a:t>
+            </a:r>
+          </a:p>
+          <a:p>
+            <a:r>
+              <a:rPr lang="en-US" dirty="0"/>
+              <a:t>- </a:t>
+            </a:r>
+            <a:r>
+              <a:rPr lang="en-US" b="1" dirty="0"/>
+              <a:t>Right to Be Forgotten:</a:t>
+            </a:r>
+            <a:r>
+              <a:rPr lang="en-US" dirty="0"/>
+              <a:t> Also known as the right to erasure, this allows individuals to request the deletion of their personal data when it is no longer necessary, consent is withdrawn, or data has been unlawfully processed</a:t>
+            </a:r>
+          </a:p>
+          <a:p>
+            <a:endParaRPr lang="en-US" dirty="0"/>
+          </a:p>
+          <a:p>
+            <a:r>
+              <a:rPr lang="en-US" dirty="0"/>
+              <a:t>- </a:t>
+            </a:r>
+            <a:r>
+              <a:rPr lang="en-US" b="1" dirty="0"/>
+              <a:t>Heavy Fines for Violations:</a:t>
+            </a:r>
+            <a:r>
+              <a:rPr lang="en-US" dirty="0"/>
+              <a:t> GDPR imposes significant penalties for non-compliance. Fines can reach €20 million or 4% of global annual revenue, depending on the severity of the violation.</a:t>
+            </a:r>
+          </a:p>
+          <a:p>
+            <a:endParaRPr lang="en-US" dirty="0"/>
+          </a:p>
+          <a:p>
+            <a:endParaRPr lang="en-US" dirty="0"/>
+          </a:p>
+        </p:txBody>
+      </p:sp>
+    </p:spTree>
+    <p:extLst>
+      <p:ext uri="{BB962C8B-B14F-4D97-AF65-F5344CB8AC3E}">
+        <p14:creationId xmlns:p14="http://schemas.microsoft.com/office/powerpoint/2010/main" val="2362387545"/>
       </p:ext>
     </p:extLst>
   </p:cSld>
